--- a/cours/GM - Perfectionnement.pptx
+++ b/cours/GM - Perfectionnement.pptx
@@ -9,24 +9,24 @@
   </p:notesMasterIdLst>
   <p:sldIdLst>
     <p:sldId id="256" r:id="rId2"/>
-    <p:sldId id="386" r:id="rId3"/>
-    <p:sldId id="431" r:id="rId4"/>
-    <p:sldId id="417" r:id="rId5"/>
-    <p:sldId id="427" r:id="rId6"/>
-    <p:sldId id="408" r:id="rId7"/>
-    <p:sldId id="416" r:id="rId8"/>
-    <p:sldId id="428" r:id="rId9"/>
-    <p:sldId id="429" r:id="rId10"/>
+    <p:sldId id="433" r:id="rId3"/>
+    <p:sldId id="386" r:id="rId4"/>
+    <p:sldId id="431" r:id="rId5"/>
+    <p:sldId id="417" r:id="rId6"/>
+    <p:sldId id="427" r:id="rId7"/>
+    <p:sldId id="434" r:id="rId8"/>
+    <p:sldId id="416" r:id="rId9"/>
+    <p:sldId id="428" r:id="rId10"/>
     <p:sldId id="406" r:id="rId11"/>
     <p:sldId id="425" r:id="rId12"/>
     <p:sldId id="421" r:id="rId13"/>
-    <p:sldId id="409" r:id="rId14"/>
-    <p:sldId id="378" r:id="rId15"/>
-    <p:sldId id="404" r:id="rId16"/>
-    <p:sldId id="405" r:id="rId17"/>
-    <p:sldId id="432" r:id="rId18"/>
-    <p:sldId id="379" r:id="rId19"/>
-    <p:sldId id="380" r:id="rId20"/>
+    <p:sldId id="378" r:id="rId14"/>
+    <p:sldId id="404" r:id="rId15"/>
+    <p:sldId id="405" r:id="rId16"/>
+    <p:sldId id="432" r:id="rId17"/>
+    <p:sldId id="379" r:id="rId18"/>
+    <p:sldId id="380" r:id="rId19"/>
+    <p:sldId id="409" r:id="rId20"/>
     <p:sldId id="387" r:id="rId21"/>
     <p:sldId id="398" r:id="rId22"/>
     <p:sldId id="419" r:id="rId23"/>
@@ -253,7 +253,7 @@
             <a:fld id="{A1243F20-7B5F-49E4-985D-BEB4253963F3}" type="datetimeFigureOut">
               <a:rPr lang="fr-FR" smtClean="0"/>
               <a:pPr/>
-              <a:t>01/05/2021</a:t>
+              <a:t>26/05/2021</a:t>
             </a:fld>
             <a:endParaRPr lang="fr-FR"/>
           </a:p>
@@ -655,11 +655,52 @@
             </a:pPr>
             <a:r>
               <a:rPr lang="fr-FR" baseline="0" dirty="0"/>
-              <a:t>Sélectionner le point, clic droit -&gt; Move/</a:t>
+              <a:t>Créer une zone de couverture</a:t>
+            </a:r>
+          </a:p>
+          <a:p>
+            <a:pPr marL="685800" lvl="1" indent="-228600">
+              <a:buAutoNum type="arabicParenR"/>
+            </a:pPr>
+            <a:r>
+              <a:rPr lang="fr-FR" baseline="0" dirty="0"/>
+              <a:t>Sélectionner les points de la couche </a:t>
             </a:r>
             <a:r>
               <a:rPr lang="fr-FR" baseline="0" dirty="0" err="1"/>
-              <a:t>Reshape</a:t>
+              <a:t>villes_ouest</a:t>
+            </a:r>
+            <a:endParaRPr lang="fr-FR" baseline="0" dirty="0"/>
+          </a:p>
+          <a:p>
+            <a:pPr marL="685800" lvl="1" indent="-228600">
+              <a:buAutoNum type="arabicParenR"/>
+            </a:pPr>
+            <a:r>
+              <a:rPr lang="fr-FR" baseline="0" dirty="0"/>
+              <a:t>clic droit -&gt; </a:t>
+            </a:r>
+            <a:r>
+              <a:rPr lang="fr-FR" baseline="0" dirty="0" err="1"/>
+              <a:t>Create</a:t>
+            </a:r>
+            <a:r>
+              <a:rPr lang="fr-FR" baseline="0" dirty="0"/>
+              <a:t> Area </a:t>
+            </a:r>
+            <a:r>
+              <a:rPr lang="fr-FR" baseline="0" dirty="0" err="1"/>
+              <a:t>features</a:t>
+            </a:r>
+            <a:endParaRPr lang="fr-FR" baseline="0" dirty="0"/>
+          </a:p>
+          <a:p>
+            <a:pPr marL="685800" lvl="1" indent="-228600">
+              <a:buAutoNum type="arabicParenR"/>
+            </a:pPr>
+            <a:r>
+              <a:rPr lang="fr-FR" baseline="0" dirty="0" err="1"/>
+              <a:t>Create</a:t>
             </a:r>
             <a:r>
               <a:rPr lang="fr-FR" baseline="0" dirty="0"/>
@@ -667,193 +708,65 @@
             </a:r>
             <a:r>
               <a:rPr lang="fr-FR" baseline="0" dirty="0" err="1"/>
-              <a:t>features</a:t>
-            </a:r>
-            <a:r>
-              <a:rPr lang="fr-FR" baseline="0" dirty="0"/>
-              <a:t> -&gt; </a:t>
-            </a:r>
-            <a:r>
-              <a:rPr lang="fr-FR" baseline="0" dirty="0" smtClean="0"/>
-              <a:t>Shift </a:t>
-            </a:r>
-            <a:r>
-              <a:rPr lang="fr-FR" baseline="0" dirty="0"/>
-              <a:t>(offset) point </a:t>
-            </a:r>
-            <a:r>
-              <a:rPr lang="fr-FR" baseline="0" dirty="0" err="1"/>
-              <a:t>features</a:t>
-            </a:r>
-            <a:endParaRPr lang="fr-FR" baseline="0" dirty="0"/>
-          </a:p>
-          <a:p>
-            <a:pPr marL="685800" lvl="1" indent="-228600">
-              <a:buAutoNum type="arabicParenR"/>
-            </a:pPr>
-            <a:r>
-              <a:rPr lang="fr-FR" baseline="0" dirty="0"/>
-              <a:t>Décaler de +60m en latitude et -165m en longitude</a:t>
-            </a:r>
-          </a:p>
-          <a:p>
-            <a:pPr marL="0" lvl="0" indent="0">
-              <a:buNone/>
-            </a:pPr>
-            <a:endParaRPr lang="fr-FR" baseline="0" dirty="0"/>
-          </a:p>
-          <a:p>
-            <a:pPr marL="0" lvl="0" indent="0">
-              <a:buNone/>
-            </a:pPr>
-            <a:r>
-              <a:rPr lang="fr-FR" baseline="0" dirty="0" smtClean="0"/>
-              <a:t>2) Pour </a:t>
-            </a:r>
-            <a:r>
-              <a:rPr lang="fr-FR" baseline="0" dirty="0"/>
-              <a:t>appliquer la zone tampon</a:t>
-            </a:r>
-          </a:p>
-          <a:p>
-            <a:pPr marL="685800" lvl="1" indent="-228600">
-              <a:buAutoNum type="arabicParenR"/>
-            </a:pPr>
-            <a:r>
-              <a:rPr lang="fr-FR" baseline="0" dirty="0"/>
-              <a:t>Sélectionner la surface</a:t>
-            </a:r>
-          </a:p>
-          <a:p>
-            <a:pPr marL="685800" lvl="1" indent="-228600">
-              <a:buAutoNum type="arabicParenR"/>
-            </a:pPr>
-            <a:r>
-              <a:rPr lang="fr-FR" baseline="0" dirty="0"/>
-              <a:t>Clic droit -&gt; </a:t>
-            </a:r>
-            <a:r>
-              <a:rPr lang="fr-FR" baseline="0" dirty="0" err="1"/>
-              <a:t>create</a:t>
-            </a:r>
-            <a:r>
-              <a:rPr lang="fr-FR" baseline="0" dirty="0"/>
-              <a:t> area </a:t>
-            </a:r>
-            <a:r>
-              <a:rPr lang="fr-FR" baseline="0" dirty="0" err="1"/>
-              <a:t>features</a:t>
-            </a:r>
-            <a:r>
-              <a:rPr lang="fr-FR" baseline="0" dirty="0"/>
-              <a:t> -&gt; Buffer</a:t>
-            </a:r>
-          </a:p>
-          <a:p>
-            <a:pPr marL="685800" lvl="1" indent="-228600">
-              <a:buAutoNum type="arabicParenR"/>
-            </a:pPr>
-            <a:r>
-              <a:rPr lang="fr-FR" baseline="0" dirty="0"/>
-              <a:t>Définir sur 300m</a:t>
-            </a:r>
-          </a:p>
-          <a:p>
-            <a:pPr marL="685800" lvl="1" indent="-228600">
-              <a:buAutoNum type="arabicParenR"/>
-            </a:pPr>
-            <a:endParaRPr lang="fr-FR" baseline="0" dirty="0"/>
-          </a:p>
-          <a:p>
-            <a:pPr marL="0" lvl="0" indent="0">
-              <a:buNone/>
-            </a:pPr>
-            <a:r>
-              <a:rPr lang="fr-FR" baseline="0" dirty="0" smtClean="0"/>
-              <a:t>3) Découper </a:t>
-            </a:r>
-            <a:r>
-              <a:rPr lang="fr-FR" baseline="0" dirty="0"/>
-              <a:t>une zone dans une autre (création d’île)</a:t>
-            </a:r>
-          </a:p>
-          <a:p>
-            <a:pPr marL="685800" lvl="1" indent="-228600">
-              <a:buAutoNum type="arabicParenR"/>
-            </a:pPr>
-            <a:r>
-              <a:rPr lang="fr-FR" baseline="0" dirty="0"/>
-              <a:t>Sélectionner la petite zone/future île</a:t>
-            </a:r>
-          </a:p>
-          <a:p>
-            <a:pPr marL="685800" lvl="1" indent="-228600">
-              <a:buAutoNum type="arabicParenR"/>
-            </a:pPr>
-            <a:r>
-              <a:rPr lang="fr-FR" baseline="0" dirty="0"/>
-              <a:t>Clic droit -&gt; </a:t>
-            </a:r>
-            <a:r>
-              <a:rPr lang="fr-FR" baseline="0" dirty="0" err="1"/>
-              <a:t>Crop</a:t>
-            </a:r>
-            <a:r>
-              <a:rPr lang="fr-FR" baseline="0" dirty="0"/>
-              <a:t>/combine/split </a:t>
-            </a:r>
-            <a:r>
-              <a:rPr lang="fr-FR" baseline="0" dirty="0" err="1"/>
-              <a:t>functions</a:t>
-            </a:r>
-            <a:endParaRPr lang="fr-FR" baseline="0" dirty="0"/>
-          </a:p>
-          <a:p>
-            <a:pPr marL="685800" lvl="1" indent="-228600">
-              <a:buAutoNum type="arabicParenR"/>
-            </a:pPr>
-            <a:r>
-              <a:rPr lang="fr-FR" baseline="0" dirty="0" err="1"/>
-              <a:t>Cut</a:t>
-            </a:r>
-            <a:r>
-              <a:rPr lang="fr-FR" baseline="0" dirty="0"/>
-              <a:t> </a:t>
-            </a:r>
-            <a:r>
-              <a:rPr lang="fr-FR" baseline="0" dirty="0" err="1"/>
-              <a:t>selected</a:t>
-            </a:r>
-            <a:r>
-              <a:rPr lang="fr-FR" baseline="0" dirty="0"/>
-              <a:t> areas </a:t>
-            </a:r>
-            <a:r>
-              <a:rPr lang="fr-FR" baseline="0" dirty="0" err="1"/>
-              <a:t>from</a:t>
-            </a:r>
-            <a:r>
-              <a:rPr lang="fr-FR" baseline="0" dirty="0"/>
-              <a:t> </a:t>
-            </a:r>
-            <a:r>
-              <a:rPr lang="fr-FR" baseline="0" dirty="0" err="1"/>
-              <a:t>another</a:t>
+              <a:t>coverage</a:t>
             </a:r>
             <a:r>
               <a:rPr lang="fr-FR" baseline="0" dirty="0"/>
               <a:t> area</a:t>
             </a:r>
+            <a:endParaRPr lang="fr-FR" dirty="0"/>
+          </a:p>
+          <a:p>
+            <a:pPr marL="228600" indent="-228600">
+              <a:buAutoNum type="arabicParenR"/>
+            </a:pPr>
+            <a:endParaRPr lang="fr-FR" dirty="0"/>
+          </a:p>
+          <a:p>
+            <a:pPr marL="228600" indent="-228600">
+              <a:buAutoNum type="arabicParenR"/>
+            </a:pPr>
+            <a:r>
+              <a:rPr lang="fr-FR" dirty="0"/>
+              <a:t>Créer une grille</a:t>
+            </a:r>
           </a:p>
           <a:p>
             <a:pPr marL="685800" lvl="1" indent="-228600">
               <a:buAutoNum type="arabicParenR"/>
             </a:pPr>
             <a:r>
+              <a:rPr lang="fr-FR" dirty="0"/>
+              <a:t>Utiliser l’outil grille</a:t>
+            </a:r>
+          </a:p>
+          <a:p>
+            <a:pPr marL="685800" lvl="1" indent="-228600">
+              <a:buAutoNum type="arabicParenR"/>
+            </a:pPr>
+            <a:r>
+              <a:rPr lang="fr-FR" dirty="0"/>
+              <a:t>Définir 10x10 cases, 1500mx1500m</a:t>
+            </a:r>
+          </a:p>
+          <a:p>
+            <a:pPr marL="685800" lvl="1" indent="-228600">
+              <a:buAutoNum type="arabicParenR"/>
+            </a:pPr>
+            <a:r>
+              <a:rPr lang="fr-FR" dirty="0"/>
+              <a:t>Définir la localisation du</a:t>
+            </a:r>
+            <a:r>
               <a:rPr lang="fr-FR" baseline="0" dirty="0"/>
-              <a:t>Sélectionner la grande zone (zone parent)</a:t>
-            </a:r>
-            <a:endParaRPr lang="fr-FR" dirty="0"/>
+              <a:t> coin supérieur gauche (bouton Anchor point)</a:t>
+            </a:r>
+          </a:p>
+          <a:p>
+            <a:pPr marL="685800" lvl="1" indent="-228600">
+              <a:buAutoNum type="arabicParenR"/>
+            </a:pPr>
+            <a:endParaRPr lang="fr-FR" baseline="0" dirty="0"/>
           </a:p>
         </p:txBody>
       </p:sp>
@@ -875,7 +788,7 @@
             <a:fld id="{474BD0D7-0D9F-4D34-AE75-DF05F8DD5558}" type="slidenum">
               <a:rPr lang="fr-FR" smtClean="0"/>
               <a:pPr/>
-              <a:t>25</a:t>
+              <a:t>26</a:t>
             </a:fld>
             <a:endParaRPr lang="fr-FR"/>
           </a:p>
@@ -884,7 +797,7 @@
     </p:spTree>
     <p:extLst>
       <p:ext uri="{BB962C8B-B14F-4D97-AF65-F5344CB8AC3E}">
-        <p14:creationId xmlns:p14="http://schemas.microsoft.com/office/powerpoint/2010/main" val="317745351"/>
+        <p14:creationId xmlns:p14="http://schemas.microsoft.com/office/powerpoint/2010/main" val="4270734357"/>
       </p:ext>
     </p:extLst>
   </p:cSld>
@@ -938,123 +851,10 @@
           <a:bodyPr/>
           <a:lstStyle/>
           <a:p>
-            <a:pPr marL="228600" indent="-228600">
-              <a:buAutoNum type="arabicParenR"/>
-            </a:pPr>
-            <a:r>
-              <a:rPr lang="fr-FR" baseline="0" dirty="0"/>
-              <a:t>Créer une zone de couverture</a:t>
-            </a:r>
-          </a:p>
-          <a:p>
-            <a:pPr marL="685800" lvl="1" indent="-228600">
-              <a:buAutoNum type="arabicParenR"/>
-            </a:pPr>
-            <a:r>
-              <a:rPr lang="fr-FR" baseline="0" dirty="0"/>
-              <a:t>Sélectionner les points de la couche </a:t>
-            </a:r>
-            <a:r>
-              <a:rPr lang="fr-FR" baseline="0" dirty="0" err="1"/>
-              <a:t>villes_ouest</a:t>
-            </a:r>
-            <a:endParaRPr lang="fr-FR" baseline="0" dirty="0"/>
-          </a:p>
-          <a:p>
-            <a:pPr marL="685800" lvl="1" indent="-228600">
-              <a:buAutoNum type="arabicParenR"/>
-            </a:pPr>
-            <a:r>
-              <a:rPr lang="fr-FR" baseline="0" dirty="0"/>
-              <a:t>clic droit -&gt; </a:t>
-            </a:r>
-            <a:r>
-              <a:rPr lang="fr-FR" baseline="0" dirty="0" err="1"/>
-              <a:t>Create</a:t>
-            </a:r>
-            <a:r>
-              <a:rPr lang="fr-FR" baseline="0" dirty="0"/>
-              <a:t> Area </a:t>
-            </a:r>
-            <a:r>
-              <a:rPr lang="fr-FR" baseline="0" dirty="0" err="1"/>
-              <a:t>features</a:t>
-            </a:r>
-            <a:endParaRPr lang="fr-FR" baseline="0" dirty="0"/>
-          </a:p>
-          <a:p>
-            <a:pPr marL="685800" lvl="1" indent="-228600">
-              <a:buAutoNum type="arabicParenR"/>
-            </a:pPr>
-            <a:r>
-              <a:rPr lang="fr-FR" baseline="0" dirty="0" err="1"/>
-              <a:t>Create</a:t>
-            </a:r>
-            <a:r>
-              <a:rPr lang="fr-FR" baseline="0" dirty="0"/>
-              <a:t> </a:t>
-            </a:r>
-            <a:r>
-              <a:rPr lang="fr-FR" baseline="0" dirty="0" err="1"/>
-              <a:t>coverage</a:t>
-            </a:r>
-            <a:r>
-              <a:rPr lang="fr-FR" baseline="0" dirty="0"/>
-              <a:t> area</a:t>
-            </a:r>
+            <a:pPr marL="228600" lvl="0" indent="-228600">
+              <a:buAutoNum type="arabicParenR"/>
+            </a:pPr>
             <a:endParaRPr lang="fr-FR" dirty="0"/>
-          </a:p>
-          <a:p>
-            <a:pPr marL="228600" indent="-228600">
-              <a:buAutoNum type="arabicParenR"/>
-            </a:pPr>
-            <a:endParaRPr lang="fr-FR" dirty="0"/>
-          </a:p>
-          <a:p>
-            <a:pPr marL="228600" indent="-228600">
-              <a:buAutoNum type="arabicParenR"/>
-            </a:pPr>
-            <a:r>
-              <a:rPr lang="fr-FR" dirty="0"/>
-              <a:t>Créer une grille</a:t>
-            </a:r>
-          </a:p>
-          <a:p>
-            <a:pPr marL="685800" lvl="1" indent="-228600">
-              <a:buAutoNum type="arabicParenR"/>
-            </a:pPr>
-            <a:r>
-              <a:rPr lang="fr-FR" dirty="0"/>
-              <a:t>Utiliser l’outil grille</a:t>
-            </a:r>
-          </a:p>
-          <a:p>
-            <a:pPr marL="685800" lvl="1" indent="-228600">
-              <a:buAutoNum type="arabicParenR"/>
-            </a:pPr>
-            <a:r>
-              <a:rPr lang="fr-FR" dirty="0"/>
-              <a:t>Définir 10x10 cases, 1500mx1500m</a:t>
-            </a:r>
-          </a:p>
-          <a:p>
-            <a:pPr marL="685800" lvl="1" indent="-228600">
-              <a:buAutoNum type="arabicParenR"/>
-            </a:pPr>
-            <a:r>
-              <a:rPr lang="fr-FR" dirty="0"/>
-              <a:t>Définir la localisation du</a:t>
-            </a:r>
-            <a:r>
-              <a:rPr lang="fr-FR" baseline="0" dirty="0"/>
-              <a:t> coin supérieur gauche (bouton Anchor point)</a:t>
-            </a:r>
-          </a:p>
-          <a:p>
-            <a:pPr marL="685800" lvl="1" indent="-228600">
-              <a:buAutoNum type="arabicParenR"/>
-            </a:pPr>
-            <a:endParaRPr lang="fr-FR" baseline="0" dirty="0"/>
           </a:p>
         </p:txBody>
       </p:sp>
@@ -1076,7 +876,7 @@
             <a:fld id="{474BD0D7-0D9F-4D34-AE75-DF05F8DD5558}" type="slidenum">
               <a:rPr lang="fr-FR" smtClean="0"/>
               <a:pPr/>
-              <a:t>26</a:t>
+              <a:t>27</a:t>
             </a:fld>
             <a:endParaRPr lang="fr-FR"/>
           </a:p>
@@ -1085,7 +885,7 @@
     </p:spTree>
     <p:extLst>
       <p:ext uri="{BB962C8B-B14F-4D97-AF65-F5344CB8AC3E}">
-        <p14:creationId xmlns:p14="http://schemas.microsoft.com/office/powerpoint/2010/main" val="4270734357"/>
+        <p14:creationId xmlns:p14="http://schemas.microsoft.com/office/powerpoint/2010/main" val="1791327662"/>
       </p:ext>
     </p:extLst>
   </p:cSld>
@@ -1139,8 +939,8 @@
           <a:bodyPr/>
           <a:lstStyle/>
           <a:p>
-            <a:pPr marL="228600" lvl="0" indent="-228600">
-              <a:buAutoNum type="arabicParenR"/>
+            <a:pPr marL="0" lvl="0" indent="0">
+              <a:buNone/>
             </a:pPr>
             <a:endParaRPr lang="fr-FR" dirty="0"/>
           </a:p>
@@ -1164,7 +964,7 @@
             <a:fld id="{474BD0D7-0D9F-4D34-AE75-DF05F8DD5558}" type="slidenum">
               <a:rPr lang="fr-FR" smtClean="0"/>
               <a:pPr/>
-              <a:t>27</a:t>
+              <a:t>28</a:t>
             </a:fld>
             <a:endParaRPr lang="fr-FR"/>
           </a:p>
@@ -1173,7 +973,7 @@
     </p:spTree>
     <p:extLst>
       <p:ext uri="{BB962C8B-B14F-4D97-AF65-F5344CB8AC3E}">
-        <p14:creationId xmlns:p14="http://schemas.microsoft.com/office/powerpoint/2010/main" val="1791327662"/>
+        <p14:creationId xmlns:p14="http://schemas.microsoft.com/office/powerpoint/2010/main" val="763814866"/>
       </p:ext>
     </p:extLst>
   </p:cSld>
@@ -1227,10 +1027,165 @@
           <a:bodyPr/>
           <a:lstStyle/>
           <a:p>
-            <a:pPr marL="0" lvl="0" indent="0">
+            <a:pPr marL="171450" marR="0" indent="-171450" algn="l" defTabSz="914400" rtl="0" eaLnBrk="1" fontAlgn="auto" latinLnBrk="0" hangingPunct="1">
+              <a:lnSpc>
+                <a:spcPct val="100000"/>
+              </a:lnSpc>
+              <a:spcBef>
+                <a:spcPts val="0"/>
+              </a:spcBef>
+              <a:spcAft>
+                <a:spcPts val="0"/>
+              </a:spcAft>
+              <a:buClrTx/>
+              <a:buSzTx/>
+              <a:buFontTx/>
+              <a:buChar char="-"/>
+              <a:tabLst/>
+              <a:defRPr/>
+            </a:pPr>
+            <a:endParaRPr lang="fr-FR" baseline="0" dirty="0" smtClean="0"/>
+          </a:p>
+          <a:p>
+            <a:pPr marL="0" indent="0">
+              <a:buFontTx/>
               <a:buNone/>
             </a:pPr>
-            <a:endParaRPr lang="fr-FR" dirty="0"/>
+            <a:endParaRPr lang="fr-FR" baseline="0" dirty="0" smtClean="0"/>
+          </a:p>
+          <a:p>
+            <a:pPr marL="0" indent="0">
+              <a:buFontTx/>
+              <a:buNone/>
+            </a:pPr>
+            <a:r>
+              <a:rPr lang="fr-FR" baseline="0" dirty="0" smtClean="0"/>
+              <a:t>2) Créer une zone de couverture</a:t>
+            </a:r>
+          </a:p>
+          <a:p>
+            <a:pPr marL="171450" indent="-171450">
+              <a:buFontTx/>
+              <a:buChar char="-"/>
+            </a:pPr>
+            <a:r>
+              <a:rPr lang="fr-FR" dirty="0" smtClean="0"/>
+              <a:t>Sélectionner</a:t>
+            </a:r>
+            <a:r>
+              <a:rPr lang="fr-FR" baseline="0" dirty="0" smtClean="0"/>
+              <a:t> les relais, puis clic droit -&gt; </a:t>
+            </a:r>
+            <a:r>
+              <a:rPr lang="fr-FR" baseline="0" dirty="0" err="1" smtClean="0"/>
+              <a:t>Create</a:t>
+            </a:r>
+            <a:r>
+              <a:rPr lang="fr-FR" baseline="0" dirty="0" smtClean="0"/>
+              <a:t> Area/</a:t>
+            </a:r>
+            <a:r>
+              <a:rPr lang="fr-FR" baseline="0" dirty="0" err="1" smtClean="0"/>
+              <a:t>Polygon</a:t>
+            </a:r>
+            <a:r>
+              <a:rPr lang="fr-FR" baseline="0" dirty="0" smtClean="0"/>
+              <a:t> -&gt; RANGE RING</a:t>
+            </a:r>
+            <a:endParaRPr lang="fr-FR" baseline="0" dirty="0"/>
+          </a:p>
+          <a:p>
+            <a:pPr marL="171450" indent="-171450">
+              <a:buFontTx/>
+              <a:buChar char="-"/>
+            </a:pPr>
+            <a:r>
+              <a:rPr lang="fr-FR" baseline="0" dirty="0" smtClean="0"/>
+              <a:t>Créer les cercles avec les points comme centre</a:t>
+            </a:r>
+          </a:p>
+          <a:p>
+            <a:pPr marL="171450" indent="-171450">
+              <a:buFontTx/>
+              <a:buChar char="-"/>
+            </a:pPr>
+            <a:r>
+              <a:rPr lang="fr-FR" baseline="0" dirty="0" smtClean="0"/>
+              <a:t>Sélectionner « </a:t>
+            </a:r>
+            <a:r>
+              <a:rPr lang="fr-FR" baseline="0" dirty="0" err="1" smtClean="0"/>
+              <a:t>Get</a:t>
+            </a:r>
+            <a:r>
+              <a:rPr lang="fr-FR" baseline="0" dirty="0" smtClean="0"/>
+              <a:t> radius </a:t>
+            </a:r>
+            <a:r>
+              <a:rPr lang="fr-FR" baseline="0" dirty="0" err="1" smtClean="0"/>
+              <a:t>from</a:t>
+            </a:r>
+            <a:r>
+              <a:rPr lang="fr-FR" baseline="0" dirty="0" smtClean="0"/>
+              <a:t> </a:t>
+            </a:r>
+            <a:r>
+              <a:rPr lang="fr-FR" baseline="0" dirty="0" err="1" smtClean="0"/>
+              <a:t>attribute</a:t>
+            </a:r>
+            <a:r>
+              <a:rPr lang="fr-FR" baseline="0" dirty="0" smtClean="0"/>
+              <a:t> » et choisir l’attribut RAYON, unité en mètres</a:t>
+            </a:r>
+          </a:p>
+          <a:p>
+            <a:pPr marL="171450" indent="-171450">
+              <a:buFontTx/>
+              <a:buChar char="-"/>
+            </a:pPr>
+            <a:endParaRPr lang="fr-FR" baseline="0" dirty="0" smtClean="0"/>
+          </a:p>
+          <a:p>
+            <a:pPr marL="0" indent="0">
+              <a:buFontTx/>
+              <a:buNone/>
+            </a:pPr>
+            <a:r>
+              <a:rPr lang="fr-FR" baseline="0" dirty="0" smtClean="0"/>
+              <a:t>3) Outil recherche de données vecteurs</a:t>
+            </a:r>
+          </a:p>
+          <a:p>
+            <a:pPr marL="0" indent="0">
+              <a:buFontTx/>
+              <a:buNone/>
+            </a:pPr>
+            <a:r>
+              <a:rPr lang="fr-FR" baseline="0" dirty="0" smtClean="0"/>
+              <a:t>Entrer la requête LOCALITE </a:t>
+            </a:r>
+            <a:r>
+              <a:rPr lang="fr-FR" baseline="0" dirty="0" err="1" smtClean="0"/>
+              <a:t>like</a:t>
+            </a:r>
+            <a:r>
+              <a:rPr lang="fr-FR" baseline="0" dirty="0" smtClean="0"/>
+              <a:t> ‘PC*’</a:t>
+            </a:r>
+          </a:p>
+          <a:p>
+            <a:pPr marL="0" indent="0">
+              <a:buFontTx/>
+              <a:buNone/>
+            </a:pPr>
+            <a:endParaRPr lang="fr-FR" baseline="0" dirty="0" smtClean="0"/>
+          </a:p>
+          <a:p>
+            <a:pPr marL="0" indent="0">
+              <a:buFontTx/>
+              <a:buNone/>
+            </a:pPr>
+            <a:endParaRPr lang="fr-FR" baseline="0" dirty="0" smtClean="0"/>
           </a:p>
         </p:txBody>
       </p:sp>
@@ -1252,7 +1207,7 @@
             <a:fld id="{474BD0D7-0D9F-4D34-AE75-DF05F8DD5558}" type="slidenum">
               <a:rPr lang="fr-FR" smtClean="0"/>
               <a:pPr/>
-              <a:t>28</a:t>
+              <a:t>29</a:t>
             </a:fld>
             <a:endParaRPr lang="fr-FR"/>
           </a:p>
@@ -1261,7 +1216,7 @@
     </p:spTree>
     <p:extLst>
       <p:ext uri="{BB962C8B-B14F-4D97-AF65-F5344CB8AC3E}">
-        <p14:creationId xmlns:p14="http://schemas.microsoft.com/office/powerpoint/2010/main" val="763814866"/>
+        <p14:creationId xmlns:p14="http://schemas.microsoft.com/office/powerpoint/2010/main" val="2326255892"/>
       </p:ext>
     </p:extLst>
   </p:cSld>
@@ -1315,166 +1270,12 @@
           <a:bodyPr/>
           <a:lstStyle/>
           <a:p>
-            <a:pPr marL="171450" marR="0" indent="-171450" algn="l" defTabSz="914400" rtl="0" eaLnBrk="1" fontAlgn="auto" latinLnBrk="0" hangingPunct="1">
-              <a:lnSpc>
-                <a:spcPct val="100000"/>
-              </a:lnSpc>
-              <a:spcBef>
-                <a:spcPts val="0"/>
-              </a:spcBef>
-              <a:spcAft>
-                <a:spcPts val="0"/>
-              </a:spcAft>
-              <a:buClrTx/>
-              <a:buSzTx/>
-              <a:buFontTx/>
-              <a:buChar char="-"/>
-              <a:tabLst/>
-              <a:defRPr/>
-            </a:pPr>
-            <a:endParaRPr lang="fr-FR" baseline="0" dirty="0" smtClean="0"/>
-          </a:p>
-          <a:p>
             <a:pPr marL="0" indent="0">
               <a:buFontTx/>
               <a:buNone/>
             </a:pPr>
             <a:endParaRPr lang="fr-FR" baseline="0" dirty="0" smtClean="0"/>
           </a:p>
-          <a:p>
-            <a:pPr marL="0" indent="0">
-              <a:buFontTx/>
-              <a:buNone/>
-            </a:pPr>
-            <a:r>
-              <a:rPr lang="fr-FR" baseline="0" dirty="0" smtClean="0"/>
-              <a:t>2) Créer une zone de couverture</a:t>
-            </a:r>
-          </a:p>
-          <a:p>
-            <a:pPr marL="171450" indent="-171450">
-              <a:buFontTx/>
-              <a:buChar char="-"/>
-            </a:pPr>
-            <a:r>
-              <a:rPr lang="fr-FR" dirty="0" smtClean="0"/>
-              <a:t>Sélectionner</a:t>
-            </a:r>
-            <a:r>
-              <a:rPr lang="fr-FR" baseline="0" dirty="0" smtClean="0"/>
-              <a:t> les relais, puis clic droit -&gt; </a:t>
-            </a:r>
-            <a:r>
-              <a:rPr lang="fr-FR" baseline="0" dirty="0" err="1" smtClean="0"/>
-              <a:t>Create</a:t>
-            </a:r>
-            <a:r>
-              <a:rPr lang="fr-FR" baseline="0" dirty="0" smtClean="0"/>
-              <a:t> Area/</a:t>
-            </a:r>
-            <a:r>
-              <a:rPr lang="fr-FR" baseline="0" dirty="0" err="1" smtClean="0"/>
-              <a:t>Polygon</a:t>
-            </a:r>
-            <a:r>
-              <a:rPr lang="fr-FR" baseline="0" dirty="0" smtClean="0"/>
-              <a:t> -&gt; RANGE RING</a:t>
-            </a:r>
-            <a:endParaRPr lang="fr-FR" baseline="0" dirty="0"/>
-          </a:p>
-          <a:p>
-            <a:pPr marL="171450" indent="-171450">
-              <a:buFontTx/>
-              <a:buChar char="-"/>
-            </a:pPr>
-            <a:r>
-              <a:rPr lang="fr-FR" baseline="0" dirty="0" smtClean="0"/>
-              <a:t>Créer les cercles avec les points comme centre</a:t>
-            </a:r>
-          </a:p>
-          <a:p>
-            <a:pPr marL="171450" indent="-171450">
-              <a:buFontTx/>
-              <a:buChar char="-"/>
-            </a:pPr>
-            <a:r>
-              <a:rPr lang="fr-FR" baseline="0" dirty="0" smtClean="0"/>
-              <a:t>Sélectionner « </a:t>
-            </a:r>
-            <a:r>
-              <a:rPr lang="fr-FR" baseline="0" dirty="0" err="1" smtClean="0"/>
-              <a:t>Get</a:t>
-            </a:r>
-            <a:r>
-              <a:rPr lang="fr-FR" baseline="0" dirty="0" smtClean="0"/>
-              <a:t> radius </a:t>
-            </a:r>
-            <a:r>
-              <a:rPr lang="fr-FR" baseline="0" dirty="0" err="1" smtClean="0"/>
-              <a:t>from</a:t>
-            </a:r>
-            <a:r>
-              <a:rPr lang="fr-FR" baseline="0" dirty="0" smtClean="0"/>
-              <a:t> </a:t>
-            </a:r>
-            <a:r>
-              <a:rPr lang="fr-FR" baseline="0" dirty="0" err="1" smtClean="0"/>
-              <a:t>attribute</a:t>
-            </a:r>
-            <a:r>
-              <a:rPr lang="fr-FR" baseline="0" dirty="0" smtClean="0"/>
-              <a:t> » et choisir l’attribut RAYON, unité en mètres</a:t>
-            </a:r>
-          </a:p>
-          <a:p>
-            <a:pPr marL="171450" indent="-171450">
-              <a:buFontTx/>
-              <a:buChar char="-"/>
-            </a:pPr>
-            <a:endParaRPr lang="fr-FR" baseline="0" dirty="0" smtClean="0"/>
-          </a:p>
-          <a:p>
-            <a:pPr marL="0" indent="0">
-              <a:buFontTx/>
-              <a:buNone/>
-            </a:pPr>
-            <a:r>
-              <a:rPr lang="fr-FR" baseline="0" dirty="0" smtClean="0"/>
-              <a:t>3) Outil recherche de données vecteurs</a:t>
-            </a:r>
-          </a:p>
-          <a:p>
-            <a:pPr marL="0" indent="0">
-              <a:buFontTx/>
-              <a:buNone/>
-            </a:pPr>
-            <a:r>
-              <a:rPr lang="fr-FR" baseline="0" dirty="0" smtClean="0"/>
-              <a:t>Entrer la requête LOCALITE </a:t>
-            </a:r>
-            <a:r>
-              <a:rPr lang="fr-FR" baseline="0" dirty="0" err="1" smtClean="0"/>
-              <a:t>like</a:t>
-            </a:r>
-            <a:r>
-              <a:rPr lang="fr-FR" baseline="0" dirty="0" smtClean="0"/>
-              <a:t> ‘PC*’</a:t>
-            </a:r>
-          </a:p>
-          <a:p>
-            <a:pPr marL="0" indent="0">
-              <a:buFontTx/>
-              <a:buNone/>
-            </a:pPr>
-            <a:endParaRPr lang="fr-FR" baseline="0" dirty="0" smtClean="0"/>
-          </a:p>
-          <a:p>
-            <a:pPr marL="0" indent="0">
-              <a:buFontTx/>
-              <a:buNone/>
-            </a:pPr>
-            <a:endParaRPr lang="fr-FR" baseline="0" dirty="0" smtClean="0"/>
-          </a:p>
         </p:txBody>
       </p:sp>
       <p:sp>
@@ -1495,7 +1296,7 @@
             <a:fld id="{474BD0D7-0D9F-4D34-AE75-DF05F8DD5558}" type="slidenum">
               <a:rPr lang="fr-FR" smtClean="0"/>
               <a:pPr/>
-              <a:t>29</a:t>
+              <a:t>30</a:t>
             </a:fld>
             <a:endParaRPr lang="fr-FR"/>
           </a:p>
@@ -1504,7 +1305,7 @@
     </p:spTree>
     <p:extLst>
       <p:ext uri="{BB962C8B-B14F-4D97-AF65-F5344CB8AC3E}">
-        <p14:creationId xmlns:p14="http://schemas.microsoft.com/office/powerpoint/2010/main" val="2326255892"/>
+        <p14:creationId xmlns:p14="http://schemas.microsoft.com/office/powerpoint/2010/main" val="1081440905"/>
       </p:ext>
     </p:extLst>
   </p:cSld>
@@ -1558,11 +1359,97 @@
           <a:bodyPr/>
           <a:lstStyle/>
           <a:p>
-            <a:pPr marL="0" indent="0">
-              <a:buFontTx/>
-              <a:buNone/>
-            </a:pPr>
-            <a:endParaRPr lang="fr-FR" baseline="0" dirty="0" smtClean="0"/>
+            <a:pPr marL="228600" indent="-228600">
+              <a:buAutoNum type="arabicParenR"/>
+            </a:pPr>
+            <a:r>
+              <a:rPr lang="fr-FR" dirty="0"/>
+              <a:t>Outil de recherche par nom</a:t>
+            </a:r>
+          </a:p>
+          <a:p>
+            <a:pPr marL="228600" indent="-228600">
+              <a:buAutoNum type="arabicParenR"/>
+            </a:pPr>
+            <a:endParaRPr lang="fr-FR" dirty="0" smtClean="0"/>
+          </a:p>
+          <a:p>
+            <a:pPr marL="228600" indent="-228600">
+              <a:buAutoNum type="arabicParenR"/>
+            </a:pPr>
+            <a:r>
+              <a:rPr lang="fr-FR" dirty="0" smtClean="0"/>
+              <a:t>Créer </a:t>
+            </a:r>
+            <a:r>
+              <a:rPr lang="fr-FR" dirty="0"/>
+              <a:t>une vue</a:t>
+            </a:r>
+            <a:r>
+              <a:rPr lang="fr-FR" baseline="0" dirty="0"/>
+              <a:t> : </a:t>
+            </a:r>
+            <a:r>
+              <a:rPr lang="fr-FR" dirty="0"/>
+              <a:t>Menu affichage -&gt; Sauvegarder et nommer la vue courante</a:t>
+            </a:r>
+          </a:p>
+          <a:p>
+            <a:pPr marL="228600" indent="-228600">
+              <a:buAutoNum type="arabicParenR"/>
+            </a:pPr>
+            <a:endParaRPr lang="fr-FR" dirty="0" smtClean="0"/>
+          </a:p>
+          <a:p>
+            <a:pPr marL="228600" indent="-228600">
+              <a:buAutoNum type="arabicParenR"/>
+            </a:pPr>
+            <a:r>
+              <a:rPr lang="fr-FR" dirty="0" smtClean="0"/>
+              <a:t>Restaurer </a:t>
+            </a:r>
+            <a:r>
+              <a:rPr lang="fr-FR" dirty="0"/>
+              <a:t>une vue : Menu</a:t>
+            </a:r>
+            <a:r>
+              <a:rPr lang="fr-FR" baseline="0" dirty="0"/>
+              <a:t> affichage -&gt; Restaure vue nommée</a:t>
+            </a:r>
+          </a:p>
+          <a:p>
+            <a:pPr marL="228600" indent="-228600">
+              <a:buAutoNum type="arabicParenR"/>
+            </a:pPr>
+            <a:endParaRPr lang="fr-FR" baseline="0" dirty="0"/>
+          </a:p>
+          <a:p>
+            <a:pPr marL="228600" indent="-228600">
+              <a:buAutoNum type="arabicParenR"/>
+            </a:pPr>
+            <a:r>
+              <a:rPr lang="fr-FR" baseline="0" dirty="0"/>
+              <a:t>Recherche données vecteurs :</a:t>
+            </a:r>
+          </a:p>
+          <a:p>
+            <a:pPr marL="685800" lvl="1" indent="-228600">
+              <a:buAutoNum type="arabicParenR"/>
+            </a:pPr>
+            <a:r>
+              <a:rPr lang="en-US" dirty="0"/>
+              <a:t> %POPULATION%  &gt;= 800</a:t>
+            </a:r>
+          </a:p>
+          <a:p>
+            <a:pPr marL="685800" lvl="1" indent="-228600">
+              <a:buAutoNum type="arabicParenR"/>
+            </a:pPr>
+            <a:r>
+              <a:rPr lang="en-US" dirty="0"/>
+              <a:t> %POPULATION%  &gt;= 800 and  %ELEVATION% &gt;= 300</a:t>
+            </a:r>
+            <a:endParaRPr lang="fr-FR" dirty="0"/>
           </a:p>
         </p:txBody>
       </p:sp>
@@ -1584,7 +1471,7 @@
             <a:fld id="{474BD0D7-0D9F-4D34-AE75-DF05F8DD5558}" type="slidenum">
               <a:rPr lang="fr-FR" smtClean="0"/>
               <a:pPr/>
-              <a:t>30</a:t>
+              <a:t>31</a:t>
             </a:fld>
             <a:endParaRPr lang="fr-FR"/>
           </a:p>
@@ -1593,7 +1480,7 @@
     </p:spTree>
     <p:extLst>
       <p:ext uri="{BB962C8B-B14F-4D97-AF65-F5344CB8AC3E}">
-        <p14:creationId xmlns:p14="http://schemas.microsoft.com/office/powerpoint/2010/main" val="1081440905"/>
+        <p14:creationId xmlns:p14="http://schemas.microsoft.com/office/powerpoint/2010/main" val="701315734"/>
       </p:ext>
     </p:extLst>
   </p:cSld>
@@ -1650,93 +1537,6 @@
             <a:pPr marL="228600" indent="-228600">
               <a:buAutoNum type="arabicParenR"/>
             </a:pPr>
-            <a:r>
-              <a:rPr lang="fr-FR" dirty="0"/>
-              <a:t>Outil de recherche par nom</a:t>
-            </a:r>
-          </a:p>
-          <a:p>
-            <a:pPr marL="228600" indent="-228600">
-              <a:buAutoNum type="arabicParenR"/>
-            </a:pPr>
-            <a:endParaRPr lang="fr-FR" dirty="0" smtClean="0"/>
-          </a:p>
-          <a:p>
-            <a:pPr marL="228600" indent="-228600">
-              <a:buAutoNum type="arabicParenR"/>
-            </a:pPr>
-            <a:r>
-              <a:rPr lang="fr-FR" dirty="0" smtClean="0"/>
-              <a:t>Créer </a:t>
-            </a:r>
-            <a:r>
-              <a:rPr lang="fr-FR" dirty="0"/>
-              <a:t>une vue</a:t>
-            </a:r>
-            <a:r>
-              <a:rPr lang="fr-FR" baseline="0" dirty="0"/>
-              <a:t> : </a:t>
-            </a:r>
-            <a:r>
-              <a:rPr lang="fr-FR" dirty="0"/>
-              <a:t>Menu affichage -&gt; Sauvegarder et nommer la vue courante</a:t>
-            </a:r>
-          </a:p>
-          <a:p>
-            <a:pPr marL="228600" indent="-228600">
-              <a:buAutoNum type="arabicParenR"/>
-            </a:pPr>
-            <a:endParaRPr lang="fr-FR" dirty="0" smtClean="0"/>
-          </a:p>
-          <a:p>
-            <a:pPr marL="228600" indent="-228600">
-              <a:buAutoNum type="arabicParenR"/>
-            </a:pPr>
-            <a:r>
-              <a:rPr lang="fr-FR" dirty="0" smtClean="0"/>
-              <a:t>Restaurer </a:t>
-            </a:r>
-            <a:r>
-              <a:rPr lang="fr-FR" dirty="0"/>
-              <a:t>une vue : Menu</a:t>
-            </a:r>
-            <a:r>
-              <a:rPr lang="fr-FR" baseline="0" dirty="0"/>
-              <a:t> affichage -&gt; Restaure vue nommée</a:t>
-            </a:r>
-          </a:p>
-          <a:p>
-            <a:pPr marL="228600" indent="-228600">
-              <a:buAutoNum type="arabicParenR"/>
-            </a:pPr>
-            <a:endParaRPr lang="fr-FR" baseline="0" dirty="0"/>
-          </a:p>
-          <a:p>
-            <a:pPr marL="228600" indent="-228600">
-              <a:buAutoNum type="arabicParenR"/>
-            </a:pPr>
-            <a:r>
-              <a:rPr lang="fr-FR" baseline="0" dirty="0"/>
-              <a:t>Recherche données vecteurs :</a:t>
-            </a:r>
-          </a:p>
-          <a:p>
-            <a:pPr marL="685800" lvl="1" indent="-228600">
-              <a:buAutoNum type="arabicParenR"/>
-            </a:pPr>
-            <a:r>
-              <a:rPr lang="en-US" dirty="0"/>
-              <a:t> %POPULATION%  &gt;= 800</a:t>
-            </a:r>
-          </a:p>
-          <a:p>
-            <a:pPr marL="685800" lvl="1" indent="-228600">
-              <a:buAutoNum type="arabicParenR"/>
-            </a:pPr>
-            <a:r>
-              <a:rPr lang="en-US" dirty="0"/>
-              <a:t> %POPULATION%  &gt;= 800 and  %ELEVATION% &gt;= 300</a:t>
-            </a:r>
             <a:endParaRPr lang="fr-FR" dirty="0"/>
           </a:p>
         </p:txBody>
@@ -1759,7 +1559,7 @@
             <a:fld id="{474BD0D7-0D9F-4D34-AE75-DF05F8DD5558}" type="slidenum">
               <a:rPr lang="fr-FR" smtClean="0"/>
               <a:pPr/>
-              <a:t>31</a:t>
+              <a:t>32</a:t>
             </a:fld>
             <a:endParaRPr lang="fr-FR"/>
           </a:p>
@@ -1825,7 +1625,177 @@
             <a:pPr marL="228600" indent="-228600">
               <a:buAutoNum type="arabicParenR"/>
             </a:pPr>
-            <a:endParaRPr lang="fr-FR" dirty="0"/>
+            <a:r>
+              <a:rPr lang="fr-FR" dirty="0" smtClean="0"/>
+              <a:t>Ajouter les données de relief</a:t>
+            </a:r>
+          </a:p>
+          <a:p>
+            <a:pPr marL="685800" lvl="1" indent="-228600">
+              <a:buAutoNum type="arabicParenR"/>
+            </a:pPr>
+            <a:r>
+              <a:rPr lang="fr-FR" dirty="0" smtClean="0"/>
+              <a:t>Sélectionner les points de la couche</a:t>
+            </a:r>
+          </a:p>
+          <a:p>
+            <a:pPr marL="685800" lvl="1" indent="-228600">
+              <a:buAutoNum type="arabicParenR"/>
+            </a:pPr>
+            <a:r>
+              <a:rPr lang="fr-FR" dirty="0" smtClean="0"/>
+              <a:t>Clic droit -&gt; </a:t>
+            </a:r>
+            <a:r>
+              <a:rPr lang="fr-FR" dirty="0" err="1" smtClean="0"/>
+              <a:t>Attribute</a:t>
+            </a:r>
+            <a:r>
+              <a:rPr lang="fr-FR" dirty="0" smtClean="0"/>
+              <a:t>/Style </a:t>
+            </a:r>
+            <a:r>
+              <a:rPr lang="fr-FR" dirty="0" err="1" smtClean="0"/>
+              <a:t>functions</a:t>
+            </a:r>
+            <a:endParaRPr lang="fr-FR" dirty="0" smtClean="0"/>
+          </a:p>
+          <a:p>
+            <a:pPr marL="685800" lvl="1" indent="-228600">
+              <a:buAutoNum type="arabicParenR"/>
+            </a:pPr>
+            <a:r>
+              <a:rPr lang="fr-FR" dirty="0" err="1" smtClean="0"/>
+              <a:t>Apply</a:t>
+            </a:r>
+            <a:r>
+              <a:rPr lang="fr-FR" dirty="0" smtClean="0"/>
+              <a:t> </a:t>
+            </a:r>
+            <a:r>
+              <a:rPr lang="fr-FR" dirty="0" err="1" smtClean="0"/>
+              <a:t>elevations</a:t>
+            </a:r>
+            <a:r>
+              <a:rPr lang="fr-FR" baseline="0" dirty="0" smtClean="0"/>
+              <a:t> to </a:t>
+            </a:r>
+            <a:r>
+              <a:rPr lang="fr-FR" baseline="0" dirty="0" err="1" smtClean="0"/>
+              <a:t>selected</a:t>
+            </a:r>
+            <a:r>
+              <a:rPr lang="fr-FR" baseline="0" dirty="0" smtClean="0"/>
+              <a:t> </a:t>
+            </a:r>
+            <a:r>
+              <a:rPr lang="fr-FR" baseline="0" dirty="0" err="1" smtClean="0"/>
+              <a:t>features</a:t>
+            </a:r>
+            <a:endParaRPr lang="fr-FR" dirty="0" smtClean="0"/>
+          </a:p>
+          <a:p>
+            <a:pPr marL="685800" lvl="1" indent="-228600">
+              <a:buAutoNum type="arabicParenR"/>
+            </a:pPr>
+            <a:endParaRPr lang="fr-FR" baseline="0" dirty="0" smtClean="0"/>
+          </a:p>
+          <a:p>
+            <a:pPr marL="228600" indent="-228600">
+              <a:buAutoNum type="arabicParenR"/>
+            </a:pPr>
+            <a:r>
+              <a:rPr lang="fr-FR" dirty="0" smtClean="0"/>
+              <a:t>Ajouter les données de coordonnées</a:t>
+            </a:r>
+          </a:p>
+          <a:p>
+            <a:pPr marL="685800" lvl="1" indent="-228600">
+              <a:buAutoNum type="arabicParenR"/>
+            </a:pPr>
+            <a:r>
+              <a:rPr lang="fr-FR" dirty="0" smtClean="0"/>
+              <a:t>Sélectionner les points de la couche</a:t>
+            </a:r>
+          </a:p>
+          <a:p>
+            <a:pPr marL="685800" lvl="1" indent="-228600">
+              <a:buAutoNum type="arabicParenR"/>
+            </a:pPr>
+            <a:r>
+              <a:rPr lang="fr-FR" dirty="0" smtClean="0"/>
+              <a:t>Clic droit -&gt; </a:t>
+            </a:r>
+            <a:r>
+              <a:rPr lang="fr-FR" dirty="0" err="1" smtClean="0"/>
+              <a:t>Attribute</a:t>
+            </a:r>
+            <a:r>
+              <a:rPr lang="fr-FR" dirty="0" smtClean="0"/>
+              <a:t>/Style </a:t>
+            </a:r>
+            <a:r>
+              <a:rPr lang="fr-FR" dirty="0" err="1" smtClean="0"/>
+              <a:t>functions</a:t>
+            </a:r>
+            <a:endParaRPr lang="fr-FR" dirty="0" smtClean="0"/>
+          </a:p>
+          <a:p>
+            <a:pPr marL="685800" lvl="1" indent="-228600">
+              <a:buAutoNum type="arabicParenR"/>
+            </a:pPr>
+            <a:r>
+              <a:rPr lang="fr-FR" dirty="0" err="1" smtClean="0"/>
+              <a:t>Add</a:t>
+            </a:r>
+            <a:r>
+              <a:rPr lang="fr-FR" dirty="0" smtClean="0"/>
+              <a:t> </a:t>
+            </a:r>
+            <a:r>
+              <a:rPr lang="fr-FR" dirty="0" err="1" smtClean="0"/>
+              <a:t>coordinates</a:t>
+            </a:r>
+            <a:r>
+              <a:rPr lang="fr-FR" dirty="0" smtClean="0"/>
+              <a:t>/</a:t>
+            </a:r>
+            <a:r>
+              <a:rPr lang="fr-FR" dirty="0" err="1" smtClean="0"/>
+              <a:t>bounds</a:t>
+            </a:r>
+            <a:r>
+              <a:rPr lang="fr-FR" dirty="0" smtClean="0"/>
+              <a:t> </a:t>
+            </a:r>
+            <a:r>
+              <a:rPr lang="fr-FR" dirty="0" err="1" smtClean="0"/>
+              <a:t>atributes</a:t>
+            </a:r>
+            <a:r>
+              <a:rPr lang="fr-FR" dirty="0" smtClean="0"/>
+              <a:t> to </a:t>
+            </a:r>
+            <a:r>
+              <a:rPr lang="fr-FR" dirty="0" err="1" smtClean="0"/>
+              <a:t>selected</a:t>
+            </a:r>
+            <a:r>
+              <a:rPr lang="fr-FR" dirty="0" smtClean="0"/>
+              <a:t> </a:t>
+            </a:r>
+            <a:r>
+              <a:rPr lang="fr-FR" dirty="0" err="1" smtClean="0"/>
+              <a:t>features</a:t>
+            </a:r>
+            <a:endParaRPr lang="fr-FR" dirty="0" smtClean="0"/>
+          </a:p>
+          <a:p>
+            <a:pPr marL="685800" lvl="1" indent="-228600">
+              <a:buAutoNum type="arabicParenR"/>
+            </a:pPr>
+            <a:endParaRPr lang="fr-FR" baseline="0" dirty="0" smtClean="0"/>
           </a:p>
         </p:txBody>
       </p:sp>
@@ -1847,7 +1817,7 @@
             <a:fld id="{474BD0D7-0D9F-4D34-AE75-DF05F8DD5558}" type="slidenum">
               <a:rPr lang="fr-FR" smtClean="0"/>
               <a:pPr/>
-              <a:t>32</a:t>
+              <a:t>33</a:t>
             </a:fld>
             <a:endParaRPr lang="fr-FR"/>
           </a:p>
@@ -1856,7 +1826,7 @@
     </p:spTree>
     <p:extLst>
       <p:ext uri="{BB962C8B-B14F-4D97-AF65-F5344CB8AC3E}">
-        <p14:creationId xmlns:p14="http://schemas.microsoft.com/office/powerpoint/2010/main" val="701315734"/>
+        <p14:creationId xmlns:p14="http://schemas.microsoft.com/office/powerpoint/2010/main" val="1743716028"/>
       </p:ext>
     </p:extLst>
   </p:cSld>
@@ -1910,12 +1880,16 @@
           <a:bodyPr/>
           <a:lstStyle/>
           <a:p>
-            <a:pPr marL="228600" indent="-228600">
-              <a:buAutoNum type="arabicParenR"/>
-            </a:pPr>
-            <a:r>
-              <a:rPr lang="fr-FR" dirty="0" smtClean="0"/>
-              <a:t>Ajouter les données de relief</a:t>
+            <a:pPr marL="228600" lvl="0" indent="-228600">
+              <a:buAutoNum type="arabicParenR"/>
+            </a:pPr>
+            <a:r>
+              <a:rPr lang="fr-FR" baseline="0" dirty="0" smtClean="0"/>
+              <a:t>Création </a:t>
+            </a:r>
+            <a:r>
+              <a:rPr lang="fr-FR" baseline="0" dirty="0"/>
+              <a:t>de grille</a:t>
             </a:r>
           </a:p>
           <a:p>
@@ -1923,8 +1897,8 @@
               <a:buAutoNum type="arabicParenR"/>
             </a:pPr>
             <a:r>
-              <a:rPr lang="fr-FR" dirty="0" smtClean="0"/>
-              <a:t>Sélectionner les points de la couche</a:t>
+              <a:rPr lang="fr-FR" baseline="0" dirty="0"/>
+              <a:t>Sélectionner les surfaces</a:t>
             </a:r>
           </a:p>
           <a:p>
@@ -1932,70 +1906,294 @@
               <a:buAutoNum type="arabicParenR"/>
             </a:pPr>
             <a:r>
-              <a:rPr lang="fr-FR" dirty="0" smtClean="0"/>
+              <a:rPr lang="fr-FR" baseline="0" dirty="0"/>
               <a:t>Clic droit -&gt; </a:t>
             </a:r>
             <a:r>
-              <a:rPr lang="fr-FR" dirty="0" err="1" smtClean="0"/>
+              <a:rPr lang="fr-FR" baseline="0" dirty="0" err="1"/>
               <a:t>Attribute</a:t>
             </a:r>
             <a:r>
-              <a:rPr lang="fr-FR" dirty="0" smtClean="0"/>
+              <a:rPr lang="fr-FR" baseline="0" dirty="0"/>
               <a:t>/Style </a:t>
             </a:r>
             <a:r>
-              <a:rPr lang="fr-FR" dirty="0" err="1" smtClean="0"/>
+              <a:rPr lang="fr-FR" baseline="0" dirty="0" err="1"/>
               <a:t>functions</a:t>
             </a:r>
-            <a:endParaRPr lang="fr-FR" dirty="0" smtClean="0"/>
+            <a:r>
+              <a:rPr lang="fr-FR" baseline="0" dirty="0"/>
+              <a:t> -&gt; </a:t>
+            </a:r>
+            <a:r>
+              <a:rPr lang="fr-FR" baseline="0" dirty="0" err="1"/>
+              <a:t>Add</a:t>
+            </a:r>
+            <a:r>
+              <a:rPr lang="fr-FR" baseline="0" dirty="0"/>
+              <a:t> </a:t>
+            </a:r>
+            <a:r>
+              <a:rPr lang="fr-FR" baseline="0" dirty="0" err="1"/>
+              <a:t>attribute</a:t>
+            </a:r>
+            <a:r>
+              <a:rPr lang="fr-FR" baseline="0" dirty="0"/>
+              <a:t> </a:t>
+            </a:r>
+            <a:r>
+              <a:rPr lang="fr-FR" baseline="0" dirty="0" err="1"/>
+              <a:t>with</a:t>
+            </a:r>
+            <a:r>
+              <a:rPr lang="fr-FR" baseline="0" dirty="0"/>
+              <a:t> count of points and </a:t>
+            </a:r>
+            <a:r>
+              <a:rPr lang="fr-FR" baseline="0" dirty="0" err="1"/>
+              <a:t>lines</a:t>
+            </a:r>
+            <a:endParaRPr lang="fr-FR" baseline="0" dirty="0"/>
           </a:p>
           <a:p>
             <a:pPr marL="685800" lvl="1" indent="-228600">
               <a:buAutoNum type="arabicParenR"/>
             </a:pPr>
             <a:r>
-              <a:rPr lang="fr-FR" dirty="0" err="1" smtClean="0"/>
-              <a:t>Apply</a:t>
-            </a:r>
-            <a:r>
-              <a:rPr lang="fr-FR" dirty="0" smtClean="0"/>
+              <a:rPr lang="fr-FR" baseline="0" dirty="0"/>
+              <a:t>La grille contient un attribut comptant les points contenus.</a:t>
+            </a:r>
+          </a:p>
+          <a:p>
+            <a:pPr marL="228600" lvl="0" indent="-228600">
+              <a:buAutoNum type="arabicParenR"/>
+            </a:pPr>
+            <a:endParaRPr lang="fr-FR" baseline="0" dirty="0"/>
+          </a:p>
+          <a:p>
+            <a:pPr marL="228600" lvl="0" indent="-228600">
+              <a:buAutoNum type="arabicParenR"/>
+            </a:pPr>
+            <a:r>
+              <a:rPr lang="fr-FR" baseline="0" dirty="0"/>
+              <a:t>Sauvegarde des étiquettes dans un attribut « OLD_NAME »</a:t>
+            </a:r>
+          </a:p>
+          <a:p>
+            <a:pPr marL="685800" marR="0" lvl="1" indent="-228600" algn="l" defTabSz="914400" rtl="0" eaLnBrk="1" fontAlgn="auto" latinLnBrk="0" hangingPunct="1">
+              <a:lnSpc>
+                <a:spcPct val="100000"/>
+              </a:lnSpc>
+              <a:spcBef>
+                <a:spcPts val="0"/>
+              </a:spcBef>
+              <a:spcAft>
+                <a:spcPts val="0"/>
+              </a:spcAft>
+              <a:buClrTx/>
+              <a:buSzTx/>
+              <a:buFontTx/>
+              <a:buAutoNum type="arabicParenR"/>
+              <a:tabLst/>
+              <a:defRPr/>
+            </a:pPr>
+            <a:r>
+              <a:rPr lang="fr-FR" baseline="0" dirty="0"/>
+              <a:t>Clic droit -&gt; </a:t>
+            </a:r>
+            <a:r>
+              <a:rPr lang="fr-FR" baseline="0" dirty="0" err="1"/>
+              <a:t>Attribute</a:t>
+            </a:r>
+            <a:r>
+              <a:rPr lang="fr-FR" baseline="0" dirty="0"/>
+              <a:t>/Style </a:t>
+            </a:r>
+            <a:r>
+              <a:rPr lang="fr-FR" baseline="0" dirty="0" err="1"/>
+              <a:t>functions</a:t>
+            </a:r>
+            <a:r>
+              <a:rPr lang="fr-FR" baseline="0" dirty="0"/>
+              <a:t> -&gt; </a:t>
+            </a:r>
+            <a:r>
+              <a:rPr lang="fr-FR" dirty="0" err="1"/>
+              <a:t>Calculate</a:t>
+            </a:r>
+            <a:r>
+              <a:rPr lang="fr-FR" dirty="0"/>
+              <a:t>/Copy </a:t>
+            </a:r>
+            <a:r>
+              <a:rPr lang="fr-FR" dirty="0" err="1"/>
+              <a:t>attributes</a:t>
+            </a:r>
+            <a:r>
+              <a:rPr lang="fr-FR" dirty="0"/>
+              <a:t> for </a:t>
+            </a:r>
+            <a:r>
+              <a:rPr lang="fr-FR" dirty="0" err="1"/>
+              <a:t>feature</a:t>
+            </a:r>
+            <a:r>
+              <a:rPr lang="fr-FR" dirty="0"/>
               <a:t> </a:t>
             </a:r>
             <a:r>
-              <a:rPr lang="fr-FR" dirty="0" err="1" smtClean="0"/>
-              <a:t>elevations</a:t>
-            </a:r>
-            <a:r>
-              <a:rPr lang="fr-FR" baseline="0" dirty="0" smtClean="0"/>
-              <a:t> to </a:t>
-            </a:r>
-            <a:r>
-              <a:rPr lang="fr-FR" baseline="0" dirty="0" err="1" smtClean="0"/>
-              <a:t>selected</a:t>
-            </a:r>
-            <a:r>
-              <a:rPr lang="fr-FR" baseline="0" dirty="0" smtClean="0"/>
-              <a:t> </a:t>
-            </a:r>
-            <a:r>
-              <a:rPr lang="fr-FR" baseline="0" dirty="0" err="1" smtClean="0"/>
-              <a:t>features</a:t>
-            </a:r>
-            <a:endParaRPr lang="fr-FR" dirty="0" smtClean="0"/>
+              <a:rPr lang="fr-FR" dirty="0" err="1"/>
+              <a:t>selection</a:t>
+            </a:r>
+            <a:endParaRPr lang="fr-FR" dirty="0"/>
+          </a:p>
+          <a:p>
+            <a:pPr marL="685800" marR="0" lvl="1" indent="-228600" algn="l" defTabSz="914400" rtl="0" eaLnBrk="1" fontAlgn="auto" latinLnBrk="0" hangingPunct="1">
+              <a:lnSpc>
+                <a:spcPct val="100000"/>
+              </a:lnSpc>
+              <a:spcBef>
+                <a:spcPts val="0"/>
+              </a:spcBef>
+              <a:spcAft>
+                <a:spcPts val="0"/>
+              </a:spcAft>
+              <a:buClrTx/>
+              <a:buSzTx/>
+              <a:buFontTx/>
+              <a:buAutoNum type="arabicParenR"/>
+              <a:tabLst/>
+              <a:defRPr/>
+            </a:pPr>
+            <a:r>
+              <a:rPr lang="fr-FR" dirty="0"/>
+              <a:t>Entrer le nom du nouvel attribut : « OLD_NAME »</a:t>
+            </a:r>
+          </a:p>
+          <a:p>
+            <a:pPr marL="685800" marR="0" lvl="1" indent="-228600" algn="l" defTabSz="914400" rtl="0" eaLnBrk="1" fontAlgn="auto" latinLnBrk="0" hangingPunct="1">
+              <a:lnSpc>
+                <a:spcPct val="100000"/>
+              </a:lnSpc>
+              <a:spcBef>
+                <a:spcPts val="0"/>
+              </a:spcBef>
+              <a:spcAft>
+                <a:spcPts val="0"/>
+              </a:spcAft>
+              <a:buClrTx/>
+              <a:buSzTx/>
+              <a:buFontTx/>
+              <a:buAutoNum type="arabicParenR"/>
+              <a:tabLst/>
+              <a:defRPr/>
+            </a:pPr>
+            <a:r>
+              <a:rPr lang="fr-FR" dirty="0"/>
+              <a:t>Attribut source : « </a:t>
+            </a:r>
+            <a:r>
+              <a:rPr lang="fr-FR" dirty="0" err="1"/>
+              <a:t>Feature</a:t>
+            </a:r>
+            <a:r>
+              <a:rPr lang="fr-FR" dirty="0"/>
+              <a:t> Name »</a:t>
+            </a:r>
+          </a:p>
+          <a:p>
+            <a:pPr marL="685800" marR="0" lvl="1" indent="-228600" algn="l" defTabSz="914400" rtl="0" eaLnBrk="1" fontAlgn="auto" latinLnBrk="0" hangingPunct="1">
+              <a:lnSpc>
+                <a:spcPct val="100000"/>
+              </a:lnSpc>
+              <a:spcBef>
+                <a:spcPts val="0"/>
+              </a:spcBef>
+              <a:spcAft>
+                <a:spcPts val="0"/>
+              </a:spcAft>
+              <a:buClrTx/>
+              <a:buSzTx/>
+              <a:buFontTx/>
+              <a:buAutoNum type="arabicParenR"/>
+              <a:tabLst/>
+              <a:defRPr/>
+            </a:pPr>
+            <a:r>
+              <a:rPr lang="fr-FR" dirty="0" err="1"/>
+              <a:t>Operation</a:t>
+            </a:r>
+            <a:r>
+              <a:rPr lang="fr-FR" dirty="0"/>
+              <a:t> : « copy source </a:t>
+            </a:r>
+            <a:r>
+              <a:rPr lang="fr-FR" dirty="0" err="1"/>
+              <a:t>attribute</a:t>
+            </a:r>
+            <a:r>
+              <a:rPr lang="fr-FR" dirty="0"/>
+              <a:t> to new </a:t>
+            </a:r>
+            <a:r>
+              <a:rPr lang="fr-FR" dirty="0" err="1"/>
+              <a:t>attribute</a:t>
+            </a:r>
+            <a:r>
+              <a:rPr lang="fr-FR" dirty="0"/>
+              <a:t> »</a:t>
+            </a:r>
+          </a:p>
+          <a:p>
+            <a:pPr marL="228600" marR="0" lvl="0" indent="-228600" algn="l" defTabSz="914400" rtl="0" eaLnBrk="1" fontAlgn="auto" latinLnBrk="0" hangingPunct="1">
+              <a:lnSpc>
+                <a:spcPct val="100000"/>
+              </a:lnSpc>
+              <a:spcBef>
+                <a:spcPts val="0"/>
+              </a:spcBef>
+              <a:spcAft>
+                <a:spcPts val="0"/>
+              </a:spcAft>
+              <a:buClrTx/>
+              <a:buSzTx/>
+              <a:buFontTx/>
+              <a:buAutoNum type="arabicParenR"/>
+              <a:tabLst/>
+              <a:defRPr/>
+            </a:pPr>
+            <a:endParaRPr lang="fr-FR" baseline="0" dirty="0"/>
+          </a:p>
+          <a:p>
+            <a:pPr marL="228600" marR="0" lvl="0" indent="-228600" algn="l" defTabSz="914400" rtl="0" eaLnBrk="1" fontAlgn="auto" latinLnBrk="0" hangingPunct="1">
+              <a:lnSpc>
+                <a:spcPct val="100000"/>
+              </a:lnSpc>
+              <a:spcBef>
+                <a:spcPts val="0"/>
+              </a:spcBef>
+              <a:spcAft>
+                <a:spcPts val="0"/>
+              </a:spcAft>
+              <a:buClrTx/>
+              <a:buSzTx/>
+              <a:buFontTx/>
+              <a:buAutoNum type="arabicParenR"/>
+              <a:tabLst/>
+              <a:defRPr/>
+            </a:pPr>
+            <a:r>
+              <a:rPr lang="fr-FR" baseline="0" dirty="0"/>
+              <a:t>Changer les étiquettes pour afficher le nombre de points</a:t>
+            </a:r>
           </a:p>
           <a:p>
             <a:pPr marL="685800" lvl="1" indent="-228600">
               <a:buAutoNum type="arabicParenR"/>
             </a:pPr>
-            <a:endParaRPr lang="fr-FR" baseline="0" dirty="0" smtClean="0"/>
-          </a:p>
-          <a:p>
-            <a:pPr marL="228600" indent="-228600">
-              <a:buAutoNum type="arabicParenR"/>
-            </a:pPr>
-            <a:r>
-              <a:rPr lang="fr-FR" dirty="0" smtClean="0"/>
-              <a:t>Ajouter les données de coordonnées</a:t>
+            <a:r>
+              <a:rPr lang="fr-FR" baseline="0" dirty="0"/>
+              <a:t>Sur la couche de la grille, clic droit -&gt; options</a:t>
             </a:r>
           </a:p>
           <a:p>
@@ -2003,8 +2201,8 @@
               <a:buAutoNum type="arabicParenR"/>
             </a:pPr>
             <a:r>
-              <a:rPr lang="fr-FR" dirty="0" smtClean="0"/>
-              <a:t>Sélectionner les points de la couche</a:t>
+              <a:rPr lang="fr-FR" baseline="0" dirty="0"/>
+              <a:t>Onglet « labels », utiliser l’attribut POINT_COUNT</a:t>
             </a:r>
           </a:p>
           <a:p>
@@ -2012,78 +2210,15 @@
               <a:buAutoNum type="arabicParenR"/>
             </a:pPr>
             <a:r>
-              <a:rPr lang="fr-FR" dirty="0" smtClean="0"/>
-              <a:t>Clic droit -&gt; </a:t>
-            </a:r>
-            <a:r>
-              <a:rPr lang="fr-FR" dirty="0" err="1" smtClean="0"/>
-              <a:t>Attribute</a:t>
-            </a:r>
-            <a:r>
-              <a:rPr lang="fr-FR" dirty="0" smtClean="0"/>
-              <a:t>/Style </a:t>
-            </a:r>
-            <a:r>
-              <a:rPr lang="fr-FR" dirty="0" err="1" smtClean="0"/>
-              <a:t>functions</a:t>
-            </a:r>
-            <a:endParaRPr lang="fr-FR" dirty="0" smtClean="0"/>
-          </a:p>
-          <a:p>
-            <a:pPr marL="685800" lvl="1" indent="-228600">
-              <a:buAutoNum type="arabicParenR"/>
-            </a:pPr>
-            <a:r>
-              <a:rPr lang="fr-FR" dirty="0" err="1" smtClean="0"/>
-              <a:t>Add</a:t>
-            </a:r>
-            <a:r>
-              <a:rPr lang="fr-FR" dirty="0" smtClean="0"/>
-              <a:t> </a:t>
-            </a:r>
-            <a:r>
-              <a:rPr lang="fr-FR" dirty="0" err="1" smtClean="0"/>
-              <a:t>coordinates</a:t>
-            </a:r>
-            <a:r>
-              <a:rPr lang="fr-FR" dirty="0" smtClean="0"/>
-              <a:t>/</a:t>
-            </a:r>
-            <a:r>
-              <a:rPr lang="fr-FR" dirty="0" err="1" smtClean="0"/>
-              <a:t>bounds</a:t>
-            </a:r>
-            <a:r>
-              <a:rPr lang="fr-FR" dirty="0" smtClean="0"/>
-              <a:t> </a:t>
-            </a:r>
-            <a:r>
-              <a:rPr lang="fr-FR" dirty="0" err="1" smtClean="0"/>
-              <a:t>atributes</a:t>
-            </a:r>
-            <a:r>
-              <a:rPr lang="fr-FR" dirty="0" smtClean="0"/>
-              <a:t> to </a:t>
-            </a:r>
-            <a:r>
-              <a:rPr lang="fr-FR" dirty="0" err="1" smtClean="0"/>
-              <a:t>selected</a:t>
-            </a:r>
-            <a:r>
-              <a:rPr lang="fr-FR" dirty="0" smtClean="0"/>
-              <a:t> </a:t>
-            </a:r>
-            <a:r>
-              <a:rPr lang="fr-FR" dirty="0" err="1" smtClean="0"/>
-              <a:t>features</a:t>
-            </a:r>
-            <a:endParaRPr lang="fr-FR" dirty="0" smtClean="0"/>
-          </a:p>
-          <a:p>
-            <a:pPr marL="685800" lvl="1" indent="-228600">
-              <a:buAutoNum type="arabicParenR"/>
-            </a:pPr>
-            <a:endParaRPr lang="fr-FR" baseline="0" dirty="0" smtClean="0"/>
+              <a:rPr lang="fr-FR" baseline="0" dirty="0"/>
+              <a:t>« Oui » pour remplacer le nom existant</a:t>
+            </a:r>
+          </a:p>
+          <a:p>
+            <a:pPr marL="228600" lvl="0" indent="-228600">
+              <a:buAutoNum type="arabicParenR"/>
+            </a:pPr>
+            <a:endParaRPr lang="fr-FR" dirty="0"/>
           </a:p>
         </p:txBody>
       </p:sp>
@@ -2105,7 +2240,7 @@
             <a:fld id="{474BD0D7-0D9F-4D34-AE75-DF05F8DD5558}" type="slidenum">
               <a:rPr lang="fr-FR" smtClean="0"/>
               <a:pPr/>
-              <a:t>33</a:t>
+              <a:t>34</a:t>
             </a:fld>
             <a:endParaRPr lang="fr-FR"/>
           </a:p>
@@ -2114,7 +2249,7 @@
     </p:spTree>
     <p:extLst>
       <p:ext uri="{BB962C8B-B14F-4D97-AF65-F5344CB8AC3E}">
-        <p14:creationId xmlns:p14="http://schemas.microsoft.com/office/powerpoint/2010/main" val="1743716028"/>
+        <p14:creationId xmlns:p14="http://schemas.microsoft.com/office/powerpoint/2010/main" val="2631137156"/>
       </p:ext>
     </p:extLst>
   </p:cSld>
@@ -2168,16 +2303,12 @@
           <a:bodyPr/>
           <a:lstStyle/>
           <a:p>
-            <a:pPr marL="228600" lvl="0" indent="-228600">
-              <a:buAutoNum type="arabicParenR"/>
-            </a:pPr>
-            <a:r>
-              <a:rPr lang="fr-FR" baseline="0" dirty="0" smtClean="0"/>
-              <a:t>Création </a:t>
-            </a:r>
+            <a:pPr marL="228600" indent="-228600">
+              <a:buAutoNum type="arabicParenR"/>
+            </a:pPr>
             <a:r>
               <a:rPr lang="fr-FR" baseline="0" dirty="0"/>
-              <a:t>de grille</a:t>
+              <a:t>Jointure de table attributaire</a:t>
             </a:r>
           </a:p>
           <a:p>
@@ -2186,7 +2317,7 @@
             </a:pPr>
             <a:r>
               <a:rPr lang="fr-FR" baseline="0" dirty="0"/>
-              <a:t>Sélectionner les surfaces</a:t>
+              <a:t>Sur la couche, clic droit</a:t>
             </a:r>
           </a:p>
           <a:p>
@@ -2195,27 +2326,11 @@
             </a:pPr>
             <a:r>
               <a:rPr lang="fr-FR" baseline="0" dirty="0"/>
-              <a:t>Clic droit -&gt; </a:t>
+              <a:t>Layer -&gt; JOIN – </a:t>
             </a:r>
             <a:r>
               <a:rPr lang="fr-FR" baseline="0" dirty="0" err="1"/>
-              <a:t>Attribute</a:t>
-            </a:r>
-            <a:r>
-              <a:rPr lang="fr-FR" baseline="0" dirty="0"/>
-              <a:t>/Style </a:t>
-            </a:r>
-            <a:r>
-              <a:rPr lang="fr-FR" baseline="0" dirty="0" err="1"/>
-              <a:t>functions</a:t>
-            </a:r>
-            <a:r>
-              <a:rPr lang="fr-FR" baseline="0" dirty="0"/>
-              <a:t> -&gt; </a:t>
-            </a:r>
-            <a:r>
-              <a:rPr lang="fr-FR" baseline="0" dirty="0" err="1"/>
-              <a:t>Add</a:t>
+              <a:t>join</a:t>
             </a:r>
             <a:r>
               <a:rPr lang="fr-FR" baseline="0" dirty="0"/>
@@ -2227,283 +2342,241 @@
             </a:r>
             <a:r>
               <a:rPr lang="fr-FR" baseline="0" dirty="0"/>
+              <a:t> table</a:t>
+            </a:r>
+          </a:p>
+          <a:p>
+            <a:pPr marL="685800" lvl="1" indent="-228600">
+              <a:buAutoNum type="arabicParenR"/>
+            </a:pPr>
+            <a:r>
+              <a:rPr lang="fr-FR" baseline="0" dirty="0"/>
+              <a:t>Sélectionner le fichier relais_data.csv</a:t>
+            </a:r>
+          </a:p>
+          <a:p>
+            <a:pPr marL="685800" lvl="1" indent="-228600">
+              <a:buAutoNum type="arabicParenR"/>
+            </a:pPr>
+            <a:r>
+              <a:rPr lang="fr-FR" baseline="0" dirty="0"/>
+              <a:t>Délimiteur : point virgule</a:t>
+            </a:r>
+          </a:p>
+          <a:p>
+            <a:pPr marL="685800" lvl="1" indent="-228600">
+              <a:buAutoNum type="arabicParenR"/>
+            </a:pPr>
+            <a:r>
+              <a:rPr lang="fr-FR" baseline="0" dirty="0"/>
+              <a:t>Attribut du fichier : OBJECTID, attribut de la couche : OBJECTID</a:t>
+            </a:r>
+          </a:p>
+          <a:p>
+            <a:pPr marL="228600" lvl="0" indent="-228600">
+              <a:buNone/>
+            </a:pPr>
+            <a:endParaRPr lang="fr-FR" baseline="0" dirty="0"/>
+          </a:p>
+          <a:p>
+            <a:pPr marL="228600" lvl="0" indent="-228600">
+              <a:buAutoNum type="arabicParenR"/>
+            </a:pPr>
+            <a:r>
+              <a:rPr lang="fr-FR" baseline="0" dirty="0"/>
+              <a:t>Création de l’attribut NOM_COURT</a:t>
+            </a:r>
+          </a:p>
+          <a:p>
+            <a:pPr marL="685800" lvl="1" indent="-228600">
+              <a:buAutoNum type="arabicParenR"/>
+            </a:pPr>
+            <a:r>
+              <a:rPr lang="fr-FR" baseline="0" dirty="0"/>
+              <a:t>Sur la couche, clic droit</a:t>
+            </a:r>
+          </a:p>
+          <a:p>
+            <a:pPr marL="685800" lvl="1" indent="-228600">
+              <a:buAutoNum type="arabicParenR"/>
+            </a:pPr>
+            <a:r>
+              <a:rPr lang="fr-FR" baseline="0" dirty="0"/>
+              <a:t>Layer -&gt; </a:t>
+            </a:r>
+            <a:r>
+              <a:rPr lang="fr-FR" baseline="0" dirty="0" err="1"/>
+              <a:t>Calculate</a:t>
+            </a:r>
+            <a:r>
+              <a:rPr lang="fr-FR" baseline="0" dirty="0"/>
+              <a:t>/copy </a:t>
+            </a:r>
+            <a:r>
+              <a:rPr lang="fr-FR" baseline="0" dirty="0" err="1"/>
+              <a:t>attribute</a:t>
+            </a:r>
+            <a:r>
+              <a:rPr lang="fr-FR" baseline="0" dirty="0"/>
+              <a:t> values</a:t>
+            </a:r>
+          </a:p>
+          <a:p>
+            <a:pPr marL="685800" lvl="1" indent="-228600">
+              <a:buAutoNum type="arabicParenR"/>
+            </a:pPr>
+            <a:r>
+              <a:rPr lang="fr-FR" baseline="0" dirty="0"/>
+              <a:t>Indiquer le nom du champ : NOM_COURT</a:t>
+            </a:r>
+          </a:p>
+          <a:p>
+            <a:pPr marL="685800" lvl="1" indent="-228600">
+              <a:buAutoNum type="arabicParenR"/>
+            </a:pPr>
+            <a:r>
+              <a:rPr lang="fr-FR" baseline="0" dirty="0"/>
+              <a:t>Utiliser une formule, depuis le champ localité</a:t>
+            </a:r>
+          </a:p>
+          <a:p>
+            <a:pPr marL="685800" lvl="1" indent="-228600">
+              <a:buAutoNum type="arabicParenR"/>
+            </a:pPr>
+            <a:r>
+              <a:rPr lang="fr-FR" baseline="0" dirty="0"/>
+              <a:t>Utiliser la fonction </a:t>
+            </a:r>
+            <a:r>
+              <a:rPr lang="fr-FR" baseline="0" dirty="0" err="1"/>
+              <a:t>left</a:t>
+            </a:r>
+            <a:r>
+              <a:rPr lang="fr-FR" baseline="0" dirty="0"/>
+              <a:t>()</a:t>
+            </a:r>
+          </a:p>
+          <a:p>
+            <a:pPr marL="685800" lvl="1" indent="-228600">
+              <a:buAutoNum type="arabicParenR"/>
+            </a:pPr>
+            <a:r>
+              <a:rPr lang="fr-FR" baseline="0" dirty="0"/>
+              <a:t>Résultat : </a:t>
+            </a:r>
+            <a:r>
+              <a:rPr lang="fr-FR" baseline="0" dirty="0" err="1"/>
+              <a:t>left</a:t>
+            </a:r>
+            <a:r>
+              <a:rPr lang="fr-FR" baseline="0" dirty="0"/>
+              <a:t>(LOCALITE, 3)</a:t>
+            </a:r>
+          </a:p>
+          <a:p>
+            <a:pPr marL="685800" lvl="1" indent="-228600">
+              <a:buAutoNum type="arabicParenR"/>
+            </a:pPr>
+            <a:r>
+              <a:rPr lang="fr-FR" baseline="0" dirty="0"/>
+              <a:t>Valider avec </a:t>
+            </a:r>
+            <a:r>
+              <a:rPr lang="fr-FR" baseline="0" dirty="0" err="1"/>
+              <a:t>calculate</a:t>
+            </a:r>
+            <a:endParaRPr lang="fr-FR" baseline="0" dirty="0"/>
+          </a:p>
+          <a:p>
+            <a:pPr marL="228600" lvl="0" indent="-228600">
+              <a:buAutoNum type="arabicParenR"/>
+            </a:pPr>
+            <a:endParaRPr lang="fr-FR" baseline="0" dirty="0"/>
+          </a:p>
+          <a:p>
+            <a:pPr marL="228600" lvl="0" indent="-228600">
+              <a:buAutoNum type="arabicParenR"/>
+            </a:pPr>
+            <a:r>
+              <a:rPr lang="fr-FR" baseline="0" dirty="0"/>
+              <a:t>Diviser la couche</a:t>
+            </a:r>
+          </a:p>
+          <a:p>
+            <a:pPr marL="685800" lvl="1" indent="-228600">
+              <a:buAutoNum type="arabicParenR"/>
+            </a:pPr>
+            <a:r>
+              <a:rPr lang="fr-FR" baseline="0" dirty="0"/>
+              <a:t>Sur la couche, clic droit</a:t>
+            </a:r>
+          </a:p>
+          <a:p>
+            <a:pPr marL="685800" lvl="1" indent="-228600">
+              <a:buAutoNum type="arabicParenR"/>
+            </a:pPr>
+            <a:r>
+              <a:rPr lang="fr-FR" baseline="0" dirty="0"/>
+              <a:t>Layer -&gt; SPLIT – Split </a:t>
+            </a:r>
+            <a:r>
+              <a:rPr lang="fr-FR" baseline="0" dirty="0" err="1"/>
+              <a:t>into</a:t>
+            </a:r>
+            <a:r>
+              <a:rPr lang="fr-FR" baseline="0" dirty="0"/>
               <a:t> </a:t>
             </a:r>
             <a:r>
               <a:rPr lang="fr-FR" baseline="0" dirty="0" err="1"/>
-              <a:t>with</a:t>
+              <a:t>separate</a:t>
             </a:r>
             <a:r>
               <a:rPr lang="fr-FR" baseline="0" dirty="0"/>
-              <a:t> count of points and </a:t>
+              <a:t> </a:t>
             </a:r>
             <a:r>
               <a:rPr lang="fr-FR" baseline="0" dirty="0" err="1"/>
-              <a:t>lines</a:t>
-            </a:r>
+              <a:t>layers</a:t>
+            </a:r>
+            <a:r>
+              <a:rPr lang="fr-FR" baseline="0" dirty="0"/>
+              <a:t> </a:t>
+            </a:r>
+            <a:r>
+              <a:rPr lang="fr-FR" baseline="0" dirty="0" err="1"/>
+              <a:t>based</a:t>
+            </a:r>
+            <a:r>
+              <a:rPr lang="fr-FR" baseline="0" dirty="0"/>
+              <a:t> on </a:t>
+            </a:r>
+            <a:r>
+              <a:rPr lang="fr-FR" baseline="0" dirty="0" err="1"/>
+              <a:t>attribute</a:t>
+            </a:r>
+            <a:r>
+              <a:rPr lang="fr-FR" baseline="0" dirty="0"/>
+              <a:t> value</a:t>
+            </a:r>
+          </a:p>
+          <a:p>
+            <a:pPr marL="685800" lvl="1" indent="-228600">
+              <a:buAutoNum type="arabicParenR"/>
+            </a:pPr>
+            <a:r>
+              <a:rPr lang="fr-FR" baseline="0" dirty="0"/>
+              <a:t>Sélectionner le champ NORME</a:t>
+            </a:r>
+          </a:p>
+          <a:p>
+            <a:pPr marL="685800" lvl="1" indent="-228600">
+              <a:buAutoNum type="arabicParenR"/>
+            </a:pPr>
             <a:endParaRPr lang="fr-FR" baseline="0" dirty="0"/>
           </a:p>
           <a:p>
             <a:pPr marL="685800" lvl="1" indent="-228600">
-              <a:buAutoNum type="arabicParenR"/>
-            </a:pPr>
-            <a:r>
-              <a:rPr lang="fr-FR" baseline="0" dirty="0"/>
-              <a:t>La grille contient un attribut comptant les points contenus.</a:t>
-            </a:r>
-          </a:p>
-          <a:p>
-            <a:pPr marL="228600" lvl="0" indent="-228600">
-              <a:buAutoNum type="arabicParenR"/>
-            </a:pPr>
-            <a:endParaRPr lang="fr-FR" baseline="0" dirty="0"/>
-          </a:p>
-          <a:p>
-            <a:pPr marL="228600" lvl="0" indent="-228600">
-              <a:buAutoNum type="arabicParenR"/>
-            </a:pPr>
-            <a:r>
-              <a:rPr lang="fr-FR" baseline="0" dirty="0"/>
-              <a:t>Sauvegarde des étiquettes dans un attribut « OLD_NAME »</a:t>
-            </a:r>
-          </a:p>
-          <a:p>
-            <a:pPr marL="685800" marR="0" lvl="1" indent="-228600" algn="l" defTabSz="914400" rtl="0" eaLnBrk="1" fontAlgn="auto" latinLnBrk="0" hangingPunct="1">
-              <a:lnSpc>
-                <a:spcPct val="100000"/>
-              </a:lnSpc>
-              <a:spcBef>
-                <a:spcPts val="0"/>
-              </a:spcBef>
-              <a:spcAft>
-                <a:spcPts val="0"/>
-              </a:spcAft>
-              <a:buClrTx/>
-              <a:buSzTx/>
-              <a:buFontTx/>
-              <a:buAutoNum type="arabicParenR"/>
-              <a:tabLst/>
-              <a:defRPr/>
-            </a:pPr>
-            <a:r>
-              <a:rPr lang="fr-FR" baseline="0" dirty="0"/>
-              <a:t>Clic droit -&gt; </a:t>
-            </a:r>
-            <a:r>
-              <a:rPr lang="fr-FR" baseline="0" dirty="0" err="1"/>
-              <a:t>Attribute</a:t>
-            </a:r>
-            <a:r>
-              <a:rPr lang="fr-FR" baseline="0" dirty="0"/>
-              <a:t>/Style </a:t>
-            </a:r>
-            <a:r>
-              <a:rPr lang="fr-FR" baseline="0" dirty="0" err="1"/>
-              <a:t>functions</a:t>
-            </a:r>
-            <a:r>
-              <a:rPr lang="fr-FR" baseline="0" dirty="0"/>
-              <a:t> -&gt; </a:t>
-            </a:r>
-            <a:r>
-              <a:rPr lang="fr-FR" dirty="0" err="1"/>
-              <a:t>Calculate</a:t>
-            </a:r>
-            <a:r>
-              <a:rPr lang="fr-FR" dirty="0"/>
-              <a:t>/Copy </a:t>
-            </a:r>
-            <a:r>
-              <a:rPr lang="fr-FR" dirty="0" err="1"/>
-              <a:t>attributes</a:t>
-            </a:r>
-            <a:r>
-              <a:rPr lang="fr-FR" dirty="0"/>
-              <a:t> for </a:t>
-            </a:r>
-            <a:r>
-              <a:rPr lang="fr-FR" dirty="0" err="1"/>
-              <a:t>feature</a:t>
-            </a:r>
-            <a:r>
-              <a:rPr lang="fr-FR" dirty="0"/>
-              <a:t> </a:t>
-            </a:r>
-            <a:r>
-              <a:rPr lang="fr-FR" dirty="0" err="1"/>
-              <a:t>selection</a:t>
-            </a:r>
-            <a:endParaRPr lang="fr-FR" dirty="0"/>
-          </a:p>
-          <a:p>
-            <a:pPr marL="685800" marR="0" lvl="1" indent="-228600" algn="l" defTabSz="914400" rtl="0" eaLnBrk="1" fontAlgn="auto" latinLnBrk="0" hangingPunct="1">
-              <a:lnSpc>
-                <a:spcPct val="100000"/>
-              </a:lnSpc>
-              <a:spcBef>
-                <a:spcPts val="0"/>
-              </a:spcBef>
-              <a:spcAft>
-                <a:spcPts val="0"/>
-              </a:spcAft>
-              <a:buClrTx/>
-              <a:buSzTx/>
-              <a:buFontTx/>
-              <a:buAutoNum type="arabicParenR"/>
-              <a:tabLst/>
-              <a:defRPr/>
-            </a:pPr>
-            <a:r>
-              <a:rPr lang="fr-FR" dirty="0"/>
-              <a:t>Entrer le nom du nouvel attribut : « OLD_NAME »</a:t>
-            </a:r>
-          </a:p>
-          <a:p>
-            <a:pPr marL="685800" marR="0" lvl="1" indent="-228600" algn="l" defTabSz="914400" rtl="0" eaLnBrk="1" fontAlgn="auto" latinLnBrk="0" hangingPunct="1">
-              <a:lnSpc>
-                <a:spcPct val="100000"/>
-              </a:lnSpc>
-              <a:spcBef>
-                <a:spcPts val="0"/>
-              </a:spcBef>
-              <a:spcAft>
-                <a:spcPts val="0"/>
-              </a:spcAft>
-              <a:buClrTx/>
-              <a:buSzTx/>
-              <a:buFontTx/>
-              <a:buAutoNum type="arabicParenR"/>
-              <a:tabLst/>
-              <a:defRPr/>
-            </a:pPr>
-            <a:r>
-              <a:rPr lang="fr-FR" dirty="0"/>
-              <a:t>Attribut source : « </a:t>
-            </a:r>
-            <a:r>
-              <a:rPr lang="fr-FR" dirty="0" err="1"/>
-              <a:t>Feature</a:t>
-            </a:r>
-            <a:r>
-              <a:rPr lang="fr-FR" dirty="0"/>
-              <a:t> Name »</a:t>
-            </a:r>
-          </a:p>
-          <a:p>
-            <a:pPr marL="685800" marR="0" lvl="1" indent="-228600" algn="l" defTabSz="914400" rtl="0" eaLnBrk="1" fontAlgn="auto" latinLnBrk="0" hangingPunct="1">
-              <a:lnSpc>
-                <a:spcPct val="100000"/>
-              </a:lnSpc>
-              <a:spcBef>
-                <a:spcPts val="0"/>
-              </a:spcBef>
-              <a:spcAft>
-                <a:spcPts val="0"/>
-              </a:spcAft>
-              <a:buClrTx/>
-              <a:buSzTx/>
-              <a:buFontTx/>
-              <a:buAutoNum type="arabicParenR"/>
-              <a:tabLst/>
-              <a:defRPr/>
-            </a:pPr>
-            <a:r>
-              <a:rPr lang="fr-FR" dirty="0" err="1"/>
-              <a:t>Operation</a:t>
-            </a:r>
-            <a:r>
-              <a:rPr lang="fr-FR" dirty="0"/>
-              <a:t> : « copy source </a:t>
-            </a:r>
-            <a:r>
-              <a:rPr lang="fr-FR" dirty="0" err="1"/>
-              <a:t>attribute</a:t>
-            </a:r>
-            <a:r>
-              <a:rPr lang="fr-FR" dirty="0"/>
-              <a:t> to new </a:t>
-            </a:r>
-            <a:r>
-              <a:rPr lang="fr-FR" dirty="0" err="1"/>
-              <a:t>attribute</a:t>
-            </a:r>
-            <a:r>
-              <a:rPr lang="fr-FR" dirty="0"/>
-              <a:t> »</a:t>
-            </a:r>
-          </a:p>
-          <a:p>
-            <a:pPr marL="228600" marR="0" lvl="0" indent="-228600" algn="l" defTabSz="914400" rtl="0" eaLnBrk="1" fontAlgn="auto" latinLnBrk="0" hangingPunct="1">
-              <a:lnSpc>
-                <a:spcPct val="100000"/>
-              </a:lnSpc>
-              <a:spcBef>
-                <a:spcPts val="0"/>
-              </a:spcBef>
-              <a:spcAft>
-                <a:spcPts val="0"/>
-              </a:spcAft>
-              <a:buClrTx/>
-              <a:buSzTx/>
-              <a:buFontTx/>
-              <a:buAutoNum type="arabicParenR"/>
-              <a:tabLst/>
-              <a:defRPr/>
-            </a:pPr>
-            <a:endParaRPr lang="fr-FR" baseline="0" dirty="0"/>
-          </a:p>
-          <a:p>
-            <a:pPr marL="228600" marR="0" lvl="0" indent="-228600" algn="l" defTabSz="914400" rtl="0" eaLnBrk="1" fontAlgn="auto" latinLnBrk="0" hangingPunct="1">
-              <a:lnSpc>
-                <a:spcPct val="100000"/>
-              </a:lnSpc>
-              <a:spcBef>
-                <a:spcPts val="0"/>
-              </a:spcBef>
-              <a:spcAft>
-                <a:spcPts val="0"/>
-              </a:spcAft>
-              <a:buClrTx/>
-              <a:buSzTx/>
-              <a:buFontTx/>
-              <a:buAutoNum type="arabicParenR"/>
-              <a:tabLst/>
-              <a:defRPr/>
-            </a:pPr>
-            <a:r>
-              <a:rPr lang="fr-FR" baseline="0" dirty="0"/>
-              <a:t>Changer les étiquettes pour afficher le nombre de points</a:t>
-            </a:r>
-          </a:p>
-          <a:p>
-            <a:pPr marL="685800" lvl="1" indent="-228600">
-              <a:buAutoNum type="arabicParenR"/>
-            </a:pPr>
-            <a:r>
-              <a:rPr lang="fr-FR" baseline="0" dirty="0"/>
-              <a:t>Sur la couche de la grille, clic droit -&gt; options</a:t>
-            </a:r>
-          </a:p>
-          <a:p>
-            <a:pPr marL="685800" lvl="1" indent="-228600">
-              <a:buAutoNum type="arabicParenR"/>
-            </a:pPr>
-            <a:r>
-              <a:rPr lang="fr-FR" baseline="0" dirty="0"/>
-              <a:t>Onglet « labels », utiliser l’attribut POINT_COUNT</a:t>
-            </a:r>
-          </a:p>
-          <a:p>
-            <a:pPr marL="685800" lvl="1" indent="-228600">
-              <a:buAutoNum type="arabicParenR"/>
-            </a:pPr>
-            <a:r>
-              <a:rPr lang="fr-FR" baseline="0" dirty="0"/>
-              <a:t>« Oui » pour remplacer le nom existant</a:t>
-            </a:r>
-          </a:p>
-          <a:p>
-            <a:pPr marL="228600" lvl="0" indent="-228600">
               <a:buAutoNum type="arabicParenR"/>
             </a:pPr>
             <a:endParaRPr lang="fr-FR" dirty="0"/>
@@ -2528,7 +2601,7 @@
             <a:fld id="{474BD0D7-0D9F-4D34-AE75-DF05F8DD5558}" type="slidenum">
               <a:rPr lang="fr-FR" smtClean="0"/>
               <a:pPr/>
-              <a:t>34</a:t>
+              <a:t>35</a:t>
             </a:fld>
             <a:endParaRPr lang="fr-FR"/>
           </a:p>
@@ -2537,7 +2610,7 @@
     </p:spTree>
     <p:extLst>
       <p:ext uri="{BB962C8B-B14F-4D97-AF65-F5344CB8AC3E}">
-        <p14:creationId xmlns:p14="http://schemas.microsoft.com/office/powerpoint/2010/main" val="2631137156"/>
+        <p14:creationId xmlns:p14="http://schemas.microsoft.com/office/powerpoint/2010/main" val="3915930265"/>
       </p:ext>
     </p:extLst>
   </p:cSld>
@@ -2664,7 +2737,7 @@
             <a:fld id="{474BD0D7-0D9F-4D34-AE75-DF05F8DD5558}" type="slidenum">
               <a:rPr lang="fr-FR" smtClean="0"/>
               <a:pPr/>
-              <a:t>2</a:t>
+              <a:t>3</a:t>
             </a:fld>
             <a:endParaRPr lang="fr-FR"/>
           </a:p>
@@ -2731,30 +2804,113 @@
               <a:buAutoNum type="arabicParenR"/>
             </a:pPr>
             <a:r>
+              <a:rPr lang="fr-FR" dirty="0"/>
+              <a:t>Générer le diagramme</a:t>
+            </a:r>
+          </a:p>
+          <a:p>
+            <a:pPr marL="685800" lvl="1" indent="-228600">
+              <a:buAutoNum type="arabicParenR"/>
+            </a:pPr>
+            <a:r>
+              <a:rPr lang="fr-FR" dirty="0"/>
+              <a:t>Sélectionner les points de la couche relais</a:t>
+            </a:r>
+          </a:p>
+          <a:p>
+            <a:pPr marL="685800" lvl="1" indent="-228600">
+              <a:buAutoNum type="arabicParenR"/>
+            </a:pPr>
+            <a:r>
+              <a:rPr lang="fr-FR" dirty="0"/>
+              <a:t>Menu </a:t>
+            </a:r>
+            <a:r>
+              <a:rPr lang="fr-FR" dirty="0" err="1"/>
+              <a:t>Analysis</a:t>
+            </a:r>
+            <a:r>
+              <a:rPr lang="fr-FR" dirty="0"/>
+              <a:t> -&gt; </a:t>
+            </a:r>
+            <a:r>
+              <a:rPr lang="fr-FR" dirty="0" err="1"/>
+              <a:t>Create</a:t>
+            </a:r>
+            <a:r>
+              <a:rPr lang="fr-FR" dirty="0"/>
+              <a:t> </a:t>
+            </a:r>
+            <a:r>
+              <a:rPr lang="fr-FR" dirty="0" err="1"/>
+              <a:t>Voronoi</a:t>
+            </a:r>
+            <a:r>
+              <a:rPr lang="fr-FR" dirty="0"/>
+              <a:t>/</a:t>
+            </a:r>
+            <a:r>
+              <a:rPr lang="fr-FR" dirty="0" err="1"/>
+              <a:t>Thiessen</a:t>
+            </a:r>
+            <a:r>
+              <a:rPr lang="fr-FR" dirty="0"/>
+              <a:t> </a:t>
+            </a:r>
+            <a:r>
+              <a:rPr lang="fr-FR" dirty="0" err="1"/>
+              <a:t>Diagram</a:t>
+            </a:r>
+            <a:endParaRPr lang="fr-FR" dirty="0"/>
+          </a:p>
+          <a:p>
+            <a:pPr marL="685800" lvl="1" indent="-228600">
+              <a:buAutoNum type="arabicParenR"/>
+            </a:pPr>
+            <a:endParaRPr lang="fr-FR" dirty="0"/>
+          </a:p>
+          <a:p>
+            <a:pPr marL="228600" lvl="0" indent="-228600">
+              <a:buAutoNum type="arabicParenR"/>
+            </a:pPr>
+            <a:r>
+              <a:rPr lang="fr-FR" dirty="0"/>
+              <a:t>Carte de chaleur</a:t>
+            </a:r>
+          </a:p>
+          <a:p>
+            <a:pPr marL="685800" lvl="1" indent="-228600">
+              <a:buAutoNum type="arabicParenR"/>
+            </a:pPr>
+            <a:r>
+              <a:rPr lang="fr-FR" dirty="0"/>
+              <a:t>Importer le vecteur trajets</a:t>
+            </a:r>
+          </a:p>
+          <a:p>
+            <a:pPr marL="685800" lvl="1" indent="-228600">
+              <a:buAutoNum type="arabicParenR"/>
+            </a:pPr>
+            <a:r>
+              <a:rPr lang="fr-FR" dirty="0"/>
+              <a:t>Sélectionner les lignes</a:t>
+            </a:r>
+          </a:p>
+          <a:p>
+            <a:pPr marL="685800" lvl="1" indent="-228600">
+              <a:buAutoNum type="arabicParenR"/>
+            </a:pPr>
+            <a:r>
+              <a:rPr lang="fr-FR" dirty="0"/>
+              <a:t>Clic droit -&gt;</a:t>
+            </a:r>
+            <a:r>
               <a:rPr lang="fr-FR" baseline="0" dirty="0"/>
-              <a:t>Jointure de table attributaire</a:t>
-            </a:r>
-          </a:p>
-          <a:p>
-            <a:pPr marL="685800" lvl="1" indent="-228600">
-              <a:buAutoNum type="arabicParenR"/>
-            </a:pPr>
-            <a:r>
-              <a:rPr lang="fr-FR" baseline="0" dirty="0"/>
-              <a:t>Sur la couche, clic droit</a:t>
-            </a:r>
-          </a:p>
-          <a:p>
-            <a:pPr marL="685800" lvl="1" indent="-228600">
-              <a:buAutoNum type="arabicParenR"/>
-            </a:pPr>
-            <a:r>
-              <a:rPr lang="fr-FR" baseline="0" dirty="0"/>
-              <a:t>Layer -&gt; JOIN – </a:t>
+              <a:t> Advanced </a:t>
             </a:r>
             <a:r>
               <a:rPr lang="fr-FR" baseline="0" dirty="0" err="1"/>
-              <a:t>join</a:t>
+              <a:t>feature</a:t>
             </a:r>
             <a:r>
               <a:rPr lang="fr-FR" baseline="0" dirty="0"/>
@@ -2762,190 +2918,23 @@
             </a:r>
             <a:r>
               <a:rPr lang="fr-FR" baseline="0" dirty="0" err="1"/>
-              <a:t>attribute</a:t>
+              <a:t>creation</a:t>
             </a:r>
             <a:r>
               <a:rPr lang="fr-FR" baseline="0" dirty="0"/>
-              <a:t> table</a:t>
-            </a:r>
-          </a:p>
-          <a:p>
-            <a:pPr marL="685800" lvl="1" indent="-228600">
-              <a:buAutoNum type="arabicParenR"/>
-            </a:pPr>
+              <a:t> options -&gt; </a:t>
+            </a:r>
+            <a:r>
+              <a:rPr lang="fr-FR" baseline="0" dirty="0" err="1"/>
+              <a:t>create</a:t>
+            </a:r>
             <a:r>
               <a:rPr lang="fr-FR" baseline="0" dirty="0"/>
-              <a:t>Sélectionner le fichier relais_data.csv</a:t>
-            </a:r>
-          </a:p>
-          <a:p>
-            <a:pPr marL="685800" lvl="1" indent="-228600">
-              <a:buAutoNum type="arabicParenR"/>
-            </a:pPr>
-            <a:r>
-              <a:rPr lang="fr-FR" baseline="0" dirty="0"/>
-              <a:t>Délimiteur : point virgule</a:t>
-            </a:r>
-          </a:p>
-          <a:p>
-            <a:pPr marL="685800" lvl="1" indent="-228600">
-              <a:buAutoNum type="arabicParenR"/>
-            </a:pPr>
-            <a:r>
-              <a:rPr lang="fr-FR" baseline="0" dirty="0"/>
-              <a:t>Attribut du fichier : OBJECTID, attribut de la couche : OBJECTID</a:t>
-            </a:r>
-          </a:p>
-          <a:p>
-            <a:pPr marL="228600" lvl="0" indent="-228600">
-              <a:buNone/>
-            </a:pPr>
-            <a:endParaRPr lang="fr-FR" baseline="0" dirty="0"/>
-          </a:p>
-          <a:p>
-            <a:pPr marL="228600" lvl="0" indent="-228600">
-              <a:buAutoNum type="arabicParenR"/>
-            </a:pPr>
-            <a:r>
-              <a:rPr lang="fr-FR" baseline="0" dirty="0"/>
-              <a:t>Création de l’attribut NOM_COURT</a:t>
-            </a:r>
-          </a:p>
-          <a:p>
-            <a:pPr marL="685800" lvl="1" indent="-228600">
-              <a:buAutoNum type="arabicParenR"/>
-            </a:pPr>
-            <a:r>
-              <a:rPr lang="fr-FR" baseline="0" dirty="0"/>
-              <a:t>Sur la couche, clic droit</a:t>
-            </a:r>
-          </a:p>
-          <a:p>
-            <a:pPr marL="685800" lvl="1" indent="-228600">
-              <a:buAutoNum type="arabicParenR"/>
-            </a:pPr>
-            <a:r>
-              <a:rPr lang="fr-FR" baseline="0" dirty="0"/>
-              <a:t>Layer -&gt; </a:t>
+              <a:t> point </a:t>
             </a:r>
             <a:r>
               <a:rPr lang="fr-FR" baseline="0" dirty="0" err="1"/>
-              <a:t>Calculate</a:t>
-            </a:r>
-            <a:r>
-              <a:rPr lang="fr-FR" baseline="0" dirty="0"/>
-              <a:t>/copy </a:t>
-            </a:r>
-            <a:r>
-              <a:rPr lang="fr-FR" baseline="0" dirty="0" err="1"/>
-              <a:t>attribute</a:t>
-            </a:r>
-            <a:r>
-              <a:rPr lang="fr-FR" baseline="0" dirty="0"/>
-              <a:t> values</a:t>
-            </a:r>
-          </a:p>
-          <a:p>
-            <a:pPr marL="685800" lvl="1" indent="-228600">
-              <a:buAutoNum type="arabicParenR"/>
-            </a:pPr>
-            <a:r>
-              <a:rPr lang="fr-FR" baseline="0" dirty="0"/>
-              <a:t>Indiquer le nom du champ : NOM_COURT</a:t>
-            </a:r>
-          </a:p>
-          <a:p>
-            <a:pPr marL="685800" lvl="1" indent="-228600">
-              <a:buAutoNum type="arabicParenR"/>
-            </a:pPr>
-            <a:r>
-              <a:rPr lang="fr-FR" baseline="0" dirty="0"/>
-              <a:t>Utiliser une formule, depuis le champ localité</a:t>
-            </a:r>
-          </a:p>
-          <a:p>
-            <a:pPr marL="685800" lvl="1" indent="-228600">
-              <a:buAutoNum type="arabicParenR"/>
-            </a:pPr>
-            <a:r>
-              <a:rPr lang="fr-FR" baseline="0" dirty="0"/>
-              <a:t>Utiliser la fonction </a:t>
-            </a:r>
-            <a:r>
-              <a:rPr lang="fr-FR" baseline="0" dirty="0" err="1"/>
-              <a:t>left</a:t>
-            </a:r>
-            <a:r>
-              <a:rPr lang="fr-FR" baseline="0" dirty="0"/>
-              <a:t>()</a:t>
-            </a:r>
-          </a:p>
-          <a:p>
-            <a:pPr marL="685800" lvl="1" indent="-228600">
-              <a:buAutoNum type="arabicParenR"/>
-            </a:pPr>
-            <a:r>
-              <a:rPr lang="fr-FR" baseline="0" dirty="0"/>
-              <a:t>Résultat : </a:t>
-            </a:r>
-            <a:r>
-              <a:rPr lang="fr-FR" baseline="0" dirty="0" err="1"/>
-              <a:t>left</a:t>
-            </a:r>
-            <a:r>
-              <a:rPr lang="fr-FR" baseline="0" dirty="0"/>
-              <a:t>(LOCALITE, 3)</a:t>
-            </a:r>
-          </a:p>
-          <a:p>
-            <a:pPr marL="685800" lvl="1" indent="-228600">
-              <a:buAutoNum type="arabicParenR"/>
-            </a:pPr>
-            <a:r>
-              <a:rPr lang="fr-FR" baseline="0" dirty="0"/>
-              <a:t>Valider avec </a:t>
-            </a:r>
-            <a:r>
-              <a:rPr lang="fr-FR" baseline="0" dirty="0" err="1"/>
-              <a:t>calculate</a:t>
-            </a:r>
-            <a:endParaRPr lang="fr-FR" baseline="0" dirty="0"/>
-          </a:p>
-          <a:p>
-            <a:pPr marL="228600" lvl="0" indent="-228600">
-              <a:buAutoNum type="arabicParenR"/>
-            </a:pPr>
-            <a:endParaRPr lang="fr-FR" baseline="0" dirty="0"/>
-          </a:p>
-          <a:p>
-            <a:pPr marL="228600" lvl="0" indent="-228600">
-              <a:buAutoNum type="arabicParenR"/>
-            </a:pPr>
-            <a:r>
-              <a:rPr lang="fr-FR" baseline="0" dirty="0"/>
-              <a:t>Diviser la couche</a:t>
-            </a:r>
-          </a:p>
-          <a:p>
-            <a:pPr marL="685800" lvl="1" indent="-228600">
-              <a:buAutoNum type="arabicParenR"/>
-            </a:pPr>
-            <a:r>
-              <a:rPr lang="fr-FR" baseline="0" dirty="0"/>
-              <a:t>Sur la couche, clic droit</a:t>
-            </a:r>
-          </a:p>
-          <a:p>
-            <a:pPr marL="685800" lvl="1" indent="-228600">
-              <a:buAutoNum type="arabicParenR"/>
-            </a:pPr>
-            <a:r>
-              <a:rPr lang="fr-FR" baseline="0" dirty="0"/>
-              <a:t>Layer -&gt; SPLIT – Split </a:t>
-            </a:r>
-            <a:r>
-              <a:rPr lang="fr-FR" baseline="0" dirty="0" err="1"/>
-              <a:t>into</a:t>
+              <a:t>features</a:t>
             </a:r>
             <a:r>
               <a:rPr lang="fr-FR" baseline="0" dirty="0"/>
@@ -2953,7 +2942,7 @@
             </a:r>
             <a:r>
               <a:rPr lang="fr-FR" baseline="0" dirty="0" err="1"/>
-              <a:t>separate</a:t>
+              <a:t>spaced</a:t>
             </a:r>
             <a:r>
               <a:rPr lang="fr-FR" baseline="0" dirty="0"/>
@@ -2961,46 +2950,181 @@
             </a:r>
             <a:r>
               <a:rPr lang="fr-FR" baseline="0" dirty="0" err="1"/>
-              <a:t>layers</a:t>
-            </a:r>
+              <a:t>along</a:t>
+            </a:r>
+            <a:endParaRPr lang="fr-FR" baseline="0" dirty="0"/>
+          </a:p>
+          <a:p>
+            <a:pPr marL="685800" lvl="1" indent="-228600">
+              <a:buAutoNum type="arabicParenR"/>
+            </a:pPr>
             <a:r>
               <a:rPr lang="fr-FR" baseline="0" dirty="0"/>
+              <a:t>Définir un espacement de 150m</a:t>
+            </a:r>
+          </a:p>
+          <a:p>
+            <a:pPr marL="685800" lvl="1" indent="-228600">
+              <a:buAutoNum type="arabicParenR"/>
+            </a:pPr>
+            <a:r>
+              <a:rPr lang="fr-FR" baseline="0" dirty="0"/>
+              <a:t>Clic droit sur la couche des points créés, </a:t>
+            </a:r>
+            <a:r>
+              <a:rPr lang="fr-FR" baseline="0" dirty="0" err="1"/>
+              <a:t>Analysis</a:t>
+            </a:r>
+            <a:r>
+              <a:rPr lang="fr-FR" baseline="0" dirty="0"/>
+              <a:t> -&gt; </a:t>
+            </a:r>
+            <a:r>
+              <a:rPr lang="fr-FR" baseline="0" dirty="0" smtClean="0"/>
+              <a:t>DENSITY</a:t>
+            </a:r>
+          </a:p>
+          <a:p>
+            <a:pPr marL="685800" lvl="1" indent="-228600">
+              <a:buAutoNum type="arabicParenR"/>
+            </a:pPr>
+            <a:endParaRPr lang="fr-FR" baseline="0" dirty="0" smtClean="0"/>
+          </a:p>
+          <a:p>
+            <a:pPr marL="228600" lvl="0" indent="-228600">
+              <a:buAutoNum type="arabicParenR"/>
+            </a:pPr>
+            <a:r>
+              <a:rPr lang="fr-FR" baseline="0" dirty="0" smtClean="0"/>
+              <a:t>Compter les points dans une surface</a:t>
+            </a:r>
+          </a:p>
+          <a:p>
+            <a:pPr marL="685800" lvl="1" indent="-228600">
+              <a:buAutoNum type="arabicParenR"/>
+            </a:pPr>
+            <a:r>
+              <a:rPr lang="fr-FR" baseline="0" dirty="0" smtClean="0"/>
+              <a:t>Sélectionner la/les surfaces</a:t>
+            </a:r>
+          </a:p>
+          <a:p>
+            <a:pPr marL="685800" lvl="1" indent="-228600">
+              <a:buAutoNum type="arabicParenR"/>
+            </a:pPr>
+            <a:r>
+              <a:rPr lang="fr-FR" baseline="0" dirty="0" smtClean="0"/>
+              <a:t>Clic droit -&gt; </a:t>
+            </a:r>
+            <a:r>
+              <a:rPr lang="fr-FR" baseline="0" dirty="0" err="1" smtClean="0"/>
+              <a:t>Attribute</a:t>
+            </a:r>
+            <a:r>
+              <a:rPr lang="fr-FR" baseline="0" dirty="0" smtClean="0"/>
+              <a:t>/Style </a:t>
+            </a:r>
+            <a:r>
+              <a:rPr lang="fr-FR" baseline="0" dirty="0" err="1" smtClean="0"/>
+              <a:t>functions</a:t>
+            </a:r>
+            <a:endParaRPr lang="fr-FR" baseline="0" dirty="0" smtClean="0"/>
+          </a:p>
+          <a:p>
+            <a:pPr marL="685800" lvl="1" indent="-228600">
+              <a:buAutoNum type="arabicParenR"/>
+            </a:pPr>
+            <a:r>
+              <a:rPr lang="fr-FR" baseline="0" dirty="0" err="1" smtClean="0"/>
+              <a:t>Add</a:t>
+            </a:r>
+            <a:r>
+              <a:rPr lang="fr-FR" baseline="0" dirty="0" smtClean="0"/>
               <a:t> </a:t>
             </a:r>
             <a:r>
-              <a:rPr lang="fr-FR" baseline="0" dirty="0" err="1"/>
-              <a:t>based</a:t>
-            </a:r>
-            <a:r>
-              <a:rPr lang="fr-FR" baseline="0" dirty="0"/>
-              <a:t> on </a:t>
-            </a:r>
-            <a:r>
-              <a:rPr lang="fr-FR" baseline="0" dirty="0" err="1"/>
-              <a:t>attribute</a:t>
-            </a:r>
-            <a:r>
-              <a:rPr lang="fr-FR" baseline="0" dirty="0"/>
-              <a:t> value</a:t>
+              <a:rPr lang="fr-FR" baseline="0" dirty="0" err="1" smtClean="0"/>
+              <a:t>attributes</a:t>
+            </a:r>
+            <a:r>
+              <a:rPr lang="fr-FR" baseline="0" dirty="0" smtClean="0"/>
+              <a:t> </a:t>
+            </a:r>
+            <a:r>
+              <a:rPr lang="fr-FR" baseline="0" dirty="0" err="1" smtClean="0"/>
+              <a:t>with</a:t>
+            </a:r>
+            <a:r>
+              <a:rPr lang="fr-FR" baseline="0" dirty="0" smtClean="0"/>
+              <a:t> count of point and </a:t>
+            </a:r>
+            <a:r>
+              <a:rPr lang="fr-FR" baseline="0" dirty="0" err="1" smtClean="0"/>
+              <a:t>lines</a:t>
+            </a:r>
+            <a:r>
+              <a:rPr lang="fr-FR" baseline="0" dirty="0" smtClean="0"/>
+              <a:t> in </a:t>
+            </a:r>
+            <a:r>
+              <a:rPr lang="fr-FR" baseline="0" dirty="0" err="1" smtClean="0"/>
+              <a:t>selected</a:t>
+            </a:r>
+            <a:r>
+              <a:rPr lang="fr-FR" baseline="0" dirty="0" smtClean="0"/>
+              <a:t> areas</a:t>
             </a:r>
           </a:p>
           <a:p>
             <a:pPr marL="685800" lvl="1" indent="-228600">
               <a:buAutoNum type="arabicParenR"/>
             </a:pPr>
-            <a:r>
-              <a:rPr lang="fr-FR" baseline="0" dirty="0"/>
-              <a:t>Sélectionner le champ NORME</a:t>
-            </a:r>
+            <a:endParaRPr lang="fr-FR" baseline="0" dirty="0" smtClean="0"/>
           </a:p>
           <a:p>
             <a:pPr marL="685800" lvl="1" indent="-228600">
               <a:buAutoNum type="arabicParenR"/>
             </a:pPr>
-            <a:endParaRPr lang="fr-FR" baseline="0" dirty="0"/>
+            <a:r>
+              <a:rPr lang="fr-FR" baseline="0" dirty="0" smtClean="0"/>
+              <a:t>Afficher le nombre de points en étiquette</a:t>
+            </a:r>
           </a:p>
           <a:p>
             <a:pPr marL="685800" lvl="1" indent="-228600">
+              <a:buAutoNum type="arabicParenR"/>
+            </a:pPr>
+            <a:r>
+              <a:rPr lang="fr-FR" baseline="0" dirty="0" smtClean="0"/>
+              <a:t>Sur la couche de la grille</a:t>
+            </a:r>
+          </a:p>
+          <a:p>
+            <a:pPr marL="685800" lvl="1" indent="-228600">
+              <a:buAutoNum type="arabicParenR"/>
+            </a:pPr>
+            <a:r>
+              <a:rPr lang="fr-FR" baseline="0" dirty="0" smtClean="0"/>
+              <a:t>Clic droit -&gt; Options</a:t>
+            </a:r>
+          </a:p>
+          <a:p>
+            <a:pPr marL="685800" lvl="1" indent="-228600">
+              <a:buAutoNum type="arabicParenR"/>
+            </a:pPr>
+            <a:r>
+              <a:rPr lang="fr-FR" baseline="0" dirty="0" smtClean="0"/>
+              <a:t>Onglet « label », utiliser l’attribut POINT_COUNT</a:t>
+            </a:r>
+          </a:p>
+          <a:p>
+            <a:pPr marL="685800" lvl="1" indent="-228600">
+              <a:buAutoNum type="arabicParenR"/>
+            </a:pPr>
+            <a:endParaRPr lang="fr-FR" baseline="0" dirty="0" smtClean="0"/>
+          </a:p>
+          <a:p>
+            <a:pPr marL="228600" lvl="0" indent="-228600">
               <a:buAutoNum type="arabicParenR"/>
             </a:pPr>
             <a:endParaRPr lang="fr-FR" dirty="0"/>
@@ -3025,7 +3149,7 @@
             <a:fld id="{474BD0D7-0D9F-4D34-AE75-DF05F8DD5558}" type="slidenum">
               <a:rPr lang="fr-FR" smtClean="0"/>
               <a:pPr/>
-              <a:t>35</a:t>
+              <a:t>36</a:t>
             </a:fld>
             <a:endParaRPr lang="fr-FR"/>
           </a:p>
@@ -3034,7 +3158,7 @@
     </p:spTree>
     <p:extLst>
       <p:ext uri="{BB962C8B-B14F-4D97-AF65-F5344CB8AC3E}">
-        <p14:creationId xmlns:p14="http://schemas.microsoft.com/office/powerpoint/2010/main" val="3915930265"/>
+        <p14:creationId xmlns:p14="http://schemas.microsoft.com/office/powerpoint/2010/main" val="2098632172"/>
       </p:ext>
     </p:extLst>
   </p:cSld>
@@ -3088,334 +3212,618 @@
           <a:bodyPr/>
           <a:lstStyle/>
           <a:p>
-            <a:pPr marL="228600" indent="-228600">
-              <a:buAutoNum type="arabicParenR"/>
-            </a:pPr>
-            <a:r>
-              <a:rPr lang="fr-FR" dirty="0"/>
-              <a:t>Générer le diagramme</a:t>
-            </a:r>
-          </a:p>
-          <a:p>
-            <a:pPr marL="685800" lvl="1" indent="-228600">
-              <a:buAutoNum type="arabicParenR"/>
-            </a:pPr>
-            <a:r>
-              <a:rPr lang="fr-FR" dirty="0"/>
-              <a:t>Sélectionner les points de la couche relais</a:t>
-            </a:r>
-          </a:p>
-          <a:p>
-            <a:pPr marL="685800" lvl="1" indent="-228600">
-              <a:buAutoNum type="arabicParenR"/>
-            </a:pPr>
-            <a:r>
-              <a:rPr lang="fr-FR" dirty="0"/>
-              <a:t>Menu </a:t>
-            </a:r>
-            <a:r>
-              <a:rPr lang="fr-FR" dirty="0" err="1"/>
+            <a:pPr marL="228600" marR="0" indent="-228600" algn="l" defTabSz="914400" rtl="0" eaLnBrk="1" fontAlgn="auto" latinLnBrk="0" hangingPunct="1">
+              <a:lnSpc>
+                <a:spcPct val="100000"/>
+              </a:lnSpc>
+              <a:spcBef>
+                <a:spcPts val="0"/>
+              </a:spcBef>
+              <a:spcAft>
+                <a:spcPts val="0"/>
+              </a:spcAft>
+              <a:buClrTx/>
+              <a:buSzTx/>
+              <a:buFontTx/>
+              <a:buAutoNum type="arabicParenR"/>
+              <a:tabLst/>
+              <a:defRPr/>
+            </a:pPr>
+            <a:r>
+              <a:rPr lang="fr-FR" dirty="0" smtClean="0"/>
+              <a:t>Importer</a:t>
+            </a:r>
+            <a:r>
+              <a:rPr lang="fr-FR" baseline="0" dirty="0" smtClean="0"/>
+              <a:t> l’itinéraire GPX</a:t>
+            </a:r>
+          </a:p>
+          <a:p>
+            <a:pPr marL="685800" marR="0" lvl="1" indent="-228600" algn="l" defTabSz="914400" rtl="0" eaLnBrk="1" fontAlgn="auto" latinLnBrk="0" hangingPunct="1">
+              <a:lnSpc>
+                <a:spcPct val="100000"/>
+              </a:lnSpc>
+              <a:spcBef>
+                <a:spcPts val="0"/>
+              </a:spcBef>
+              <a:spcAft>
+                <a:spcPts val="0"/>
+              </a:spcAft>
+              <a:buClrTx/>
+              <a:buSzTx/>
+              <a:buFontTx/>
+              <a:buAutoNum type="arabicParenR"/>
+              <a:tabLst/>
+              <a:defRPr/>
+            </a:pPr>
+            <a:r>
+              <a:rPr lang="fr-FR" baseline="0" dirty="0" smtClean="0"/>
+              <a:t>Avec l’outil </a:t>
+            </a:r>
+            <a:r>
+              <a:rPr lang="fr-FR" baseline="0" dirty="0" err="1" smtClean="0"/>
+              <a:t>Digitizer</a:t>
+            </a:r>
+            <a:r>
+              <a:rPr lang="fr-FR" baseline="0" dirty="0" smtClean="0"/>
+              <a:t>, sélectionner l’itinéraire</a:t>
+            </a:r>
+          </a:p>
+          <a:p>
+            <a:pPr marL="685800" marR="0" lvl="1" indent="-228600" algn="l" defTabSz="914400" rtl="0" eaLnBrk="1" fontAlgn="auto" latinLnBrk="0" hangingPunct="1">
+              <a:lnSpc>
+                <a:spcPct val="100000"/>
+              </a:lnSpc>
+              <a:spcBef>
+                <a:spcPts val="0"/>
+              </a:spcBef>
+              <a:spcAft>
+                <a:spcPts val="0"/>
+              </a:spcAft>
+              <a:buClrTx/>
+              <a:buSzTx/>
+              <a:buFontTx/>
+              <a:buAutoNum type="arabicParenR"/>
+              <a:tabLst/>
+              <a:defRPr/>
+            </a:pPr>
+            <a:r>
+              <a:rPr lang="fr-FR" baseline="0" dirty="0" smtClean="0"/>
+              <a:t>Clic droit -&gt; </a:t>
+            </a:r>
+            <a:r>
+              <a:rPr lang="fr-FR" baseline="0" dirty="0" err="1" smtClean="0"/>
               <a:t>Analysis</a:t>
             </a:r>
             <a:r>
-              <a:rPr lang="fr-FR" dirty="0"/>
-              <a:t> -&gt; </a:t>
-            </a:r>
-            <a:r>
-              <a:rPr lang="fr-FR" dirty="0" err="1"/>
-              <a:t>Create</a:t>
-            </a:r>
-            <a:r>
-              <a:rPr lang="fr-FR" dirty="0"/>
+              <a:rPr lang="fr-FR" baseline="0" dirty="0" smtClean="0"/>
+              <a:t>/</a:t>
+            </a:r>
+            <a:r>
+              <a:rPr lang="fr-FR" baseline="0" dirty="0" err="1" smtClean="0"/>
+              <a:t>Measurement</a:t>
+            </a:r>
+            <a:r>
+              <a:rPr lang="fr-FR" baseline="0" dirty="0" smtClean="0"/>
+              <a:t> -&gt; PATH PROFILE</a:t>
+            </a:r>
+          </a:p>
+          <a:p>
+            <a:pPr marL="685800" marR="0" lvl="1" indent="-228600" algn="l" defTabSz="914400" rtl="0" eaLnBrk="1" fontAlgn="auto" latinLnBrk="0" hangingPunct="1">
+              <a:lnSpc>
+                <a:spcPct val="100000"/>
+              </a:lnSpc>
+              <a:spcBef>
+                <a:spcPts val="0"/>
+              </a:spcBef>
+              <a:spcAft>
+                <a:spcPts val="0"/>
+              </a:spcAft>
+              <a:buClrTx/>
+              <a:buSzTx/>
+              <a:buFontTx/>
+              <a:buAutoNum type="arabicParenR"/>
+              <a:tabLst/>
+              <a:defRPr/>
+            </a:pPr>
+            <a:endParaRPr lang="fr-FR" baseline="0" dirty="0" smtClean="0"/>
+          </a:p>
+          <a:p>
+            <a:pPr marL="685800" marR="0" lvl="1" indent="-228600" algn="l" defTabSz="914400" rtl="0" eaLnBrk="1" fontAlgn="auto" latinLnBrk="0" hangingPunct="1">
+              <a:lnSpc>
+                <a:spcPct val="100000"/>
+              </a:lnSpc>
+              <a:spcBef>
+                <a:spcPts val="0"/>
+              </a:spcBef>
+              <a:spcAft>
+                <a:spcPts val="0"/>
+              </a:spcAft>
+              <a:buClrTx/>
+              <a:buSzTx/>
+              <a:buFontTx/>
+              <a:buAutoNum type="arabicParenR"/>
+              <a:tabLst/>
+              <a:defRPr/>
+            </a:pPr>
+            <a:r>
+              <a:rPr lang="fr-FR" baseline="0" dirty="0" smtClean="0"/>
+              <a:t>2eme option</a:t>
+            </a:r>
+          </a:p>
+          <a:p>
+            <a:pPr marL="685800" marR="0" lvl="1" indent="-228600" algn="l" defTabSz="914400" rtl="0" eaLnBrk="1" fontAlgn="auto" latinLnBrk="0" hangingPunct="1">
+              <a:lnSpc>
+                <a:spcPct val="100000"/>
+              </a:lnSpc>
+              <a:spcBef>
+                <a:spcPts val="0"/>
+              </a:spcBef>
+              <a:spcAft>
+                <a:spcPts val="0"/>
+              </a:spcAft>
+              <a:buClrTx/>
+              <a:buSzTx/>
+              <a:buFontTx/>
+              <a:buAutoNum type="arabicParenR"/>
+              <a:tabLst/>
+              <a:defRPr/>
+            </a:pPr>
+            <a:r>
+              <a:rPr lang="fr-FR" baseline="0" dirty="0" smtClean="0"/>
+              <a:t>Menu Tools -&gt; </a:t>
+            </a:r>
+            <a:r>
+              <a:rPr lang="fr-FR" baseline="0" dirty="0" err="1" smtClean="0"/>
+              <a:t>Path</a:t>
+            </a:r>
+            <a:r>
+              <a:rPr lang="fr-FR" baseline="0" dirty="0" smtClean="0"/>
+              <a:t> profile</a:t>
+            </a:r>
+          </a:p>
+          <a:p>
+            <a:pPr marL="685800" marR="0" lvl="1" indent="-228600" algn="l" defTabSz="914400" rtl="0" eaLnBrk="1" fontAlgn="auto" latinLnBrk="0" hangingPunct="1">
+              <a:lnSpc>
+                <a:spcPct val="100000"/>
+              </a:lnSpc>
+              <a:spcBef>
+                <a:spcPts val="0"/>
+              </a:spcBef>
+              <a:spcAft>
+                <a:spcPts val="0"/>
+              </a:spcAft>
+              <a:buClrTx/>
+              <a:buSzTx/>
+              <a:buFontTx/>
+              <a:buAutoNum type="arabicParenR"/>
+              <a:tabLst/>
+              <a:defRPr/>
+            </a:pPr>
+            <a:r>
+              <a:rPr lang="fr-FR" baseline="0" dirty="0" smtClean="0"/>
+              <a:t>Dessiner à la main le tracé voulu.</a:t>
+            </a:r>
+          </a:p>
+          <a:p>
+            <a:pPr marL="685800" marR="0" lvl="1" indent="-228600" algn="l" defTabSz="914400" rtl="0" eaLnBrk="1" fontAlgn="auto" latinLnBrk="0" hangingPunct="1">
+              <a:lnSpc>
+                <a:spcPct val="100000"/>
+              </a:lnSpc>
+              <a:spcBef>
+                <a:spcPts val="0"/>
+              </a:spcBef>
+              <a:spcAft>
+                <a:spcPts val="0"/>
+              </a:spcAft>
+              <a:buClrTx/>
+              <a:buSzTx/>
+              <a:buFontTx/>
+              <a:buAutoNum type="arabicParenR"/>
+              <a:tabLst/>
+              <a:defRPr/>
+            </a:pPr>
+            <a:endParaRPr lang="fr-FR" baseline="0" dirty="0" smtClean="0"/>
+          </a:p>
+          <a:p>
+            <a:pPr marL="228600" marR="0" lvl="0" indent="-228600" algn="l" defTabSz="914400" rtl="0" eaLnBrk="1" fontAlgn="auto" latinLnBrk="0" hangingPunct="1">
+              <a:lnSpc>
+                <a:spcPct val="100000"/>
+              </a:lnSpc>
+              <a:spcBef>
+                <a:spcPts val="0"/>
+              </a:spcBef>
+              <a:spcAft>
+                <a:spcPts val="0"/>
+              </a:spcAft>
+              <a:buClrTx/>
+              <a:buSzTx/>
+              <a:buFontTx/>
+              <a:buAutoNum type="arabicParenR"/>
+              <a:tabLst/>
+              <a:defRPr/>
+            </a:pPr>
+            <a:r>
+              <a:rPr lang="fr-FR" baseline="0" dirty="0" smtClean="0"/>
+              <a:t>Générer les talweg</a:t>
+            </a:r>
+          </a:p>
+          <a:p>
+            <a:pPr marL="685800" marR="0" lvl="1" indent="-228600" algn="l" defTabSz="914400" rtl="0" eaLnBrk="1" fontAlgn="auto" latinLnBrk="0" hangingPunct="1">
+              <a:lnSpc>
+                <a:spcPct val="100000"/>
+              </a:lnSpc>
+              <a:spcBef>
+                <a:spcPts val="0"/>
+              </a:spcBef>
+              <a:spcAft>
+                <a:spcPts val="0"/>
+              </a:spcAft>
+              <a:buClrTx/>
+              <a:buSzTx/>
+              <a:buFontTx/>
+              <a:buAutoNum type="arabicParenR"/>
+              <a:tabLst/>
+              <a:defRPr/>
+            </a:pPr>
+            <a:r>
+              <a:rPr lang="fr-FR" baseline="0" dirty="0" smtClean="0"/>
+              <a:t>Menu Analyse -&gt; </a:t>
+            </a:r>
+            <a:r>
+              <a:rPr lang="fr-FR" baseline="0" dirty="0" err="1" smtClean="0"/>
+              <a:t>Generate</a:t>
+            </a:r>
+            <a:r>
+              <a:rPr lang="fr-FR" baseline="0" dirty="0" smtClean="0"/>
               <a:t> </a:t>
             </a:r>
             <a:r>
-              <a:rPr lang="fr-FR" dirty="0" err="1"/>
-              <a:t>Voronoi</a:t>
-            </a:r>
-            <a:r>
-              <a:rPr lang="fr-FR" dirty="0"/>
-              <a:t>/</a:t>
-            </a:r>
-            <a:r>
-              <a:rPr lang="fr-FR" dirty="0" err="1"/>
-              <a:t>Thiessen</a:t>
-            </a:r>
-            <a:r>
-              <a:rPr lang="fr-FR" dirty="0"/>
+              <a:rPr lang="fr-FR" baseline="0" dirty="0" err="1" smtClean="0"/>
+              <a:t>watershed</a:t>
+            </a:r>
+            <a:r>
+              <a:rPr lang="fr-FR" baseline="0" dirty="0" smtClean="0"/>
+              <a:t>…</a:t>
+            </a:r>
+          </a:p>
+          <a:p>
+            <a:pPr marL="685800" marR="0" lvl="1" indent="-228600" algn="l" defTabSz="914400" rtl="0" eaLnBrk="1" fontAlgn="auto" latinLnBrk="0" hangingPunct="1">
+              <a:lnSpc>
+                <a:spcPct val="100000"/>
+              </a:lnSpc>
+              <a:spcBef>
+                <a:spcPts val="0"/>
+              </a:spcBef>
+              <a:spcAft>
+                <a:spcPts val="0"/>
+              </a:spcAft>
+              <a:buClrTx/>
+              <a:buSzTx/>
+              <a:buFontTx/>
+              <a:buAutoNum type="arabicParenR"/>
+              <a:tabLst/>
+              <a:defRPr/>
+            </a:pPr>
+            <a:r>
+              <a:rPr lang="fr-FR" baseline="0" dirty="0" smtClean="0"/>
+              <a:t>Stream </a:t>
+            </a:r>
+            <a:r>
+              <a:rPr lang="fr-FR" baseline="0" dirty="0" err="1" smtClean="0"/>
+              <a:t>cell</a:t>
+            </a:r>
+            <a:r>
+              <a:rPr lang="fr-FR" baseline="0" dirty="0" smtClean="0"/>
+              <a:t> count : 50 pour des talweg simple, 500 pour plus de détail</a:t>
+            </a:r>
+          </a:p>
+          <a:p>
+            <a:pPr marL="685800" marR="0" lvl="1" indent="-228600" algn="l" defTabSz="914400" rtl="0" eaLnBrk="1" fontAlgn="auto" latinLnBrk="0" hangingPunct="1">
+              <a:lnSpc>
+                <a:spcPct val="100000"/>
+              </a:lnSpc>
+              <a:spcBef>
+                <a:spcPts val="0"/>
+              </a:spcBef>
+              <a:spcAft>
+                <a:spcPts val="0"/>
+              </a:spcAft>
+              <a:buClrTx/>
+              <a:buSzTx/>
+              <a:buFontTx/>
+              <a:buAutoNum type="arabicParenR"/>
+              <a:tabLst/>
+              <a:defRPr/>
+            </a:pPr>
+            <a:r>
+              <a:rPr lang="fr-FR" baseline="0" dirty="0" smtClean="0"/>
+              <a:t>Décocher « </a:t>
+            </a:r>
+            <a:r>
+              <a:rPr lang="fr-FR" baseline="0" dirty="0" err="1" smtClean="0"/>
+              <a:t>create</a:t>
+            </a:r>
+            <a:r>
+              <a:rPr lang="fr-FR" baseline="0" dirty="0" smtClean="0"/>
               <a:t> </a:t>
             </a:r>
             <a:r>
-              <a:rPr lang="fr-FR" dirty="0" err="1"/>
-              <a:t>Diagram</a:t>
-            </a:r>
-            <a:endParaRPr lang="fr-FR" dirty="0"/>
-          </a:p>
-          <a:p>
-            <a:pPr marL="685800" lvl="1" indent="-228600">
-              <a:buAutoNum type="arabicParenR"/>
-            </a:pPr>
-            <a:endParaRPr lang="fr-FR" dirty="0"/>
-          </a:p>
-          <a:p>
-            <a:pPr marL="228600" lvl="0" indent="-228600">
-              <a:buAutoNum type="arabicParenR"/>
-            </a:pPr>
-            <a:r>
-              <a:rPr lang="fr-FR" dirty="0"/>
-              <a:t>Carte de chaleur</a:t>
-            </a:r>
-          </a:p>
-          <a:p>
-            <a:pPr marL="685800" lvl="1" indent="-228600">
-              <a:buAutoNum type="arabicParenR"/>
-            </a:pPr>
-            <a:r>
-              <a:rPr lang="fr-FR" dirty="0"/>
-              <a:t>Importer le vecteur trajets</a:t>
-            </a:r>
-          </a:p>
-          <a:p>
-            <a:pPr marL="685800" lvl="1" indent="-228600">
-              <a:buAutoNum type="arabicParenR"/>
-            </a:pPr>
-            <a:r>
-              <a:rPr lang="fr-FR" dirty="0"/>
-              <a:t>Sélectionner les lignes</a:t>
-            </a:r>
-          </a:p>
-          <a:p>
-            <a:pPr marL="685800" lvl="1" indent="-228600">
-              <a:buAutoNum type="arabicParenR"/>
-            </a:pPr>
-            <a:r>
-              <a:rPr lang="fr-FR" dirty="0"/>
-              <a:t>Clic droit -&gt;</a:t>
-            </a:r>
-            <a:r>
-              <a:rPr lang="fr-FR" baseline="0" dirty="0"/>
-              <a:t> Advanced </a:t>
-            </a:r>
-            <a:r>
-              <a:rPr lang="fr-FR" baseline="0" dirty="0" err="1"/>
-              <a:t>feature</a:t>
-            </a:r>
-            <a:r>
-              <a:rPr lang="fr-FR" baseline="0" dirty="0"/>
+              <a:rPr lang="fr-FR" baseline="0" dirty="0" err="1" smtClean="0"/>
+              <a:t>watershed</a:t>
+            </a:r>
+            <a:r>
+              <a:rPr lang="fr-FR" baseline="0" dirty="0" smtClean="0"/>
+              <a:t> areas »</a:t>
+            </a:r>
+          </a:p>
+          <a:p>
+            <a:pPr marL="685800" marR="0" lvl="1" indent="-228600" algn="l" defTabSz="914400" rtl="0" eaLnBrk="1" fontAlgn="auto" latinLnBrk="0" hangingPunct="1">
+              <a:lnSpc>
+                <a:spcPct val="100000"/>
+              </a:lnSpc>
+              <a:spcBef>
+                <a:spcPts val="0"/>
+              </a:spcBef>
+              <a:spcAft>
+                <a:spcPts val="0"/>
+              </a:spcAft>
+              <a:buClrTx/>
+              <a:buSzTx/>
+              <a:buFontTx/>
+              <a:buAutoNum type="arabicParenR"/>
+              <a:tabLst/>
+              <a:defRPr/>
+            </a:pPr>
+            <a:endParaRPr lang="fr-FR" baseline="0" dirty="0" smtClean="0"/>
+          </a:p>
+          <a:p>
+            <a:pPr marL="228600" marR="0" lvl="0" indent="-228600" algn="l" defTabSz="914400" rtl="0" eaLnBrk="1" fontAlgn="auto" latinLnBrk="0" hangingPunct="1">
+              <a:lnSpc>
+                <a:spcPct val="100000"/>
+              </a:lnSpc>
+              <a:spcBef>
+                <a:spcPts val="0"/>
+              </a:spcBef>
+              <a:spcAft>
+                <a:spcPts val="0"/>
+              </a:spcAft>
+              <a:buClrTx/>
+              <a:buSzTx/>
+              <a:buFontTx/>
+              <a:buAutoNum type="arabicParenR"/>
+              <a:tabLst/>
+              <a:defRPr/>
+            </a:pPr>
+            <a:r>
+              <a:rPr lang="fr-FR" baseline="0" dirty="0" smtClean="0"/>
+              <a:t>Générer les lignes de crête</a:t>
+            </a:r>
+          </a:p>
+          <a:p>
+            <a:pPr marL="685800" marR="0" lvl="1" indent="-228600" algn="l" defTabSz="914400" rtl="0" eaLnBrk="1" fontAlgn="auto" latinLnBrk="0" hangingPunct="1">
+              <a:lnSpc>
+                <a:spcPct val="100000"/>
+              </a:lnSpc>
+              <a:spcBef>
+                <a:spcPts val="0"/>
+              </a:spcBef>
+              <a:spcAft>
+                <a:spcPts val="0"/>
+              </a:spcAft>
+              <a:buClrTx/>
+              <a:buSzTx/>
+              <a:buFontTx/>
+              <a:buAutoNum type="arabicParenR"/>
+              <a:tabLst/>
+              <a:defRPr/>
+            </a:pPr>
+            <a:r>
+              <a:rPr lang="fr-FR" baseline="0" dirty="0" smtClean="0"/>
+              <a:t>Menu Analyse -&gt; </a:t>
+            </a:r>
+            <a:r>
+              <a:rPr lang="fr-FR" baseline="0" dirty="0" err="1" smtClean="0"/>
+              <a:t>Find</a:t>
+            </a:r>
+            <a:r>
+              <a:rPr lang="fr-FR" baseline="0" dirty="0" smtClean="0"/>
               <a:t> </a:t>
             </a:r>
             <a:r>
-              <a:rPr lang="fr-FR" baseline="0" dirty="0" err="1"/>
-              <a:t>creation</a:t>
-            </a:r>
-            <a:r>
-              <a:rPr lang="fr-FR" baseline="0" dirty="0"/>
-              <a:t> options -&gt; </a:t>
-            </a:r>
-            <a:r>
-              <a:rPr lang="fr-FR" baseline="0" dirty="0" err="1"/>
-              <a:t>create</a:t>
-            </a:r>
-            <a:r>
-              <a:rPr lang="fr-FR" baseline="0" dirty="0"/>
-              <a:t> point </a:t>
-            </a:r>
-            <a:r>
-              <a:rPr lang="fr-FR" baseline="0" dirty="0" err="1"/>
-              <a:t>features</a:t>
-            </a:r>
-            <a:r>
-              <a:rPr lang="fr-FR" baseline="0" dirty="0"/>
+              <a:rPr lang="fr-FR" baseline="0" dirty="0" err="1" smtClean="0"/>
+              <a:t>ridge</a:t>
+            </a:r>
+            <a:r>
+              <a:rPr lang="fr-FR" baseline="0" dirty="0" smtClean="0"/>
               <a:t> </a:t>
-            </a:r>
-            <a:r>
-              <a:rPr lang="fr-FR" baseline="0" dirty="0" err="1"/>
-              <a:t>spaced</a:t>
-            </a:r>
-            <a:r>
-              <a:rPr lang="fr-FR" baseline="0" dirty="0"/>
-              <a:t> </a:t>
-            </a:r>
-            <a:r>
-              <a:rPr lang="fr-FR" baseline="0" dirty="0" err="1"/>
-              <a:t>along</a:t>
-            </a:r>
-            <a:endParaRPr lang="fr-FR" baseline="0" dirty="0"/>
-          </a:p>
-          <a:p>
-            <a:pPr marL="685800" lvl="1" indent="-228600">
-              <a:buAutoNum type="arabicParenR"/>
-            </a:pPr>
-            <a:r>
-              <a:rPr lang="fr-FR" baseline="0" dirty="0"/>
-              <a:t>Définir un espacement de 150m</a:t>
-            </a:r>
-          </a:p>
-          <a:p>
-            <a:pPr marL="685800" lvl="1" indent="-228600">
-              <a:buAutoNum type="arabicParenR"/>
-            </a:pPr>
-            <a:r>
-              <a:rPr lang="fr-FR" baseline="0" dirty="0"/>
-              <a:t>Clic droit sur la couche des points créés, </a:t>
-            </a:r>
-            <a:r>
-              <a:rPr lang="fr-FR" baseline="0" dirty="0" err="1"/>
-              <a:t>Analysis</a:t>
-            </a:r>
-            <a:r>
-              <a:rPr lang="fr-FR" baseline="0" dirty="0"/>
-              <a:t> -&gt; </a:t>
-            </a:r>
-            <a:r>
-              <a:rPr lang="fr-FR" baseline="0" dirty="0" smtClean="0"/>
-              <a:t>DENSITY</a:t>
-            </a:r>
-          </a:p>
-          <a:p>
-            <a:pPr marL="685800" lvl="1" indent="-228600">
-              <a:buAutoNum type="arabicParenR"/>
-            </a:pPr>
-            <a:endParaRPr lang="fr-FR" baseline="0" dirty="0" smtClean="0"/>
-          </a:p>
-          <a:p>
-            <a:pPr marL="228600" lvl="0" indent="-228600">
-              <a:buAutoNum type="arabicParenR"/>
-            </a:pPr>
-            <a:r>
-              <a:rPr lang="fr-FR" baseline="0" dirty="0" smtClean="0"/>
-              <a:t>Compter les points dans une surface</a:t>
-            </a:r>
-          </a:p>
-          <a:p>
-            <a:pPr marL="685800" lvl="1" indent="-228600">
-              <a:buAutoNum type="arabicParenR"/>
-            </a:pPr>
-            <a:r>
-              <a:rPr lang="fr-FR" baseline="0" dirty="0" smtClean="0"/>
-              <a:t>Sélectionner la/les surfaces</a:t>
-            </a:r>
-          </a:p>
-          <a:p>
-            <a:pPr marL="685800" lvl="1" indent="-228600">
-              <a:buAutoNum type="arabicParenR"/>
-            </a:pPr>
-            <a:r>
-              <a:rPr lang="fr-FR" baseline="0" dirty="0" smtClean="0"/>
-              <a:t>Clic droit -&gt; </a:t>
-            </a:r>
-            <a:r>
-              <a:rPr lang="fr-FR" baseline="0" dirty="0" err="1" smtClean="0"/>
-              <a:t>Attribute</a:t>
-            </a:r>
-            <a:r>
-              <a:rPr lang="fr-FR" baseline="0" dirty="0" smtClean="0"/>
-              <a:t>/Style </a:t>
-            </a:r>
-            <a:r>
-              <a:rPr lang="fr-FR" baseline="0" dirty="0" err="1" smtClean="0"/>
-              <a:t>functions</a:t>
-            </a:r>
-            <a:endParaRPr lang="fr-FR" baseline="0" dirty="0" smtClean="0"/>
-          </a:p>
-          <a:p>
-            <a:pPr marL="685800" lvl="1" indent="-228600">
-              <a:buAutoNum type="arabicParenR"/>
-            </a:pPr>
-            <a:r>
-              <a:rPr lang="fr-FR" baseline="0" dirty="0" err="1" smtClean="0"/>
-              <a:t>Add</a:t>
-            </a:r>
-            <a:r>
-              <a:rPr lang="fr-FR" baseline="0" dirty="0" smtClean="0"/>
-              <a:t> </a:t>
-            </a:r>
-            <a:r>
-              <a:rPr lang="fr-FR" baseline="0" dirty="0" err="1" smtClean="0"/>
-              <a:t>attributes</a:t>
-            </a:r>
-            <a:r>
-              <a:rPr lang="fr-FR" baseline="0" dirty="0" smtClean="0"/>
-              <a:t> </a:t>
-            </a:r>
-            <a:r>
-              <a:rPr lang="fr-FR" baseline="0" dirty="0" err="1" smtClean="0"/>
-              <a:t>with</a:t>
-            </a:r>
-            <a:r>
-              <a:rPr lang="fr-FR" baseline="0" dirty="0" smtClean="0"/>
-              <a:t> count of point and </a:t>
             </a:r>
             <a:r>
               <a:rPr lang="fr-FR" baseline="0" dirty="0" err="1" smtClean="0"/>
               <a:t>lines</a:t>
             </a:r>
-            <a:r>
-              <a:rPr lang="fr-FR" baseline="0" dirty="0" smtClean="0"/>
-              <a:t> in </a:t>
-            </a:r>
+            <a:endParaRPr lang="fr-FR" baseline="0" dirty="0" smtClean="0"/>
+          </a:p>
+          <a:p>
+            <a:pPr marL="685800" marR="0" lvl="1" indent="-228600" algn="l" defTabSz="914400" rtl="0" eaLnBrk="1" fontAlgn="auto" latinLnBrk="0" hangingPunct="1">
+              <a:lnSpc>
+                <a:spcPct val="100000"/>
+              </a:lnSpc>
+              <a:spcBef>
+                <a:spcPts val="0"/>
+              </a:spcBef>
+              <a:spcAft>
+                <a:spcPts val="0"/>
+              </a:spcAft>
+              <a:buClrTx/>
+              <a:buSzTx/>
+              <a:buFontTx/>
+              <a:buAutoNum type="arabicParenR"/>
+              <a:tabLst/>
+              <a:defRPr/>
+            </a:pPr>
             <a:r>
               <a:rPr lang="fr-FR" baseline="0" dirty="0" err="1" smtClean="0"/>
-              <a:t>selected</a:t>
-            </a:r>
-            <a:r>
-              <a:rPr lang="fr-FR" baseline="0" dirty="0" smtClean="0"/>
-              <a:t> areas</a:t>
-            </a:r>
-          </a:p>
-          <a:p>
-            <a:pPr marL="685800" lvl="1" indent="-228600">
-              <a:buAutoNum type="arabicParenR"/>
+              <a:t>Ridge</a:t>
+            </a:r>
+            <a:r>
+              <a:rPr lang="fr-FR" baseline="0" dirty="0" smtClean="0"/>
+              <a:t> </a:t>
+            </a:r>
+            <a:r>
+              <a:rPr lang="fr-FR" baseline="0" dirty="0" err="1" smtClean="0"/>
+              <a:t>Cell</a:t>
+            </a:r>
+            <a:r>
+              <a:rPr lang="fr-FR" baseline="0" dirty="0" smtClean="0"/>
+              <a:t> à 50 (default 500)</a:t>
+            </a:r>
+          </a:p>
+          <a:p>
+            <a:pPr marL="685800" marR="0" lvl="1" indent="-228600" algn="l" defTabSz="914400" rtl="0" eaLnBrk="1" fontAlgn="auto" latinLnBrk="0" hangingPunct="1">
+              <a:lnSpc>
+                <a:spcPct val="100000"/>
+              </a:lnSpc>
+              <a:spcBef>
+                <a:spcPts val="0"/>
+              </a:spcBef>
+              <a:spcAft>
+                <a:spcPts val="0"/>
+              </a:spcAft>
+              <a:buClrTx/>
+              <a:buSzTx/>
+              <a:buFontTx/>
+              <a:buAutoNum type="arabicParenR"/>
+              <a:tabLst/>
+              <a:defRPr/>
+            </a:pPr>
+            <a:r>
+              <a:rPr lang="fr-FR" baseline="0" dirty="0" smtClean="0"/>
+              <a:t>N’afficher les lignes de crêtes qu’à partir de X mètres</a:t>
+            </a:r>
+          </a:p>
+          <a:p>
+            <a:pPr marL="685800" marR="0" lvl="1" indent="-228600" algn="l" defTabSz="914400" rtl="0" eaLnBrk="1" fontAlgn="auto" latinLnBrk="0" hangingPunct="1">
+              <a:lnSpc>
+                <a:spcPct val="100000"/>
+              </a:lnSpc>
+              <a:spcBef>
+                <a:spcPts val="0"/>
+              </a:spcBef>
+              <a:spcAft>
+                <a:spcPts val="0"/>
+              </a:spcAft>
+              <a:buClrTx/>
+              <a:buSzTx/>
+              <a:buFontTx/>
+              <a:buAutoNum type="arabicParenR"/>
+              <a:tabLst/>
+              <a:defRPr/>
             </a:pPr>
             <a:endParaRPr lang="fr-FR" baseline="0" dirty="0" smtClean="0"/>
           </a:p>
           <a:p>
-            <a:pPr marL="685800" lvl="1" indent="-228600">
-              <a:buAutoNum type="arabicParenR"/>
-            </a:pPr>
-            <a:r>
-              <a:rPr lang="fr-FR" baseline="0" dirty="0" smtClean="0"/>
-              <a:t>Afficher le nombre de points en étiquette</a:t>
-            </a:r>
-          </a:p>
-          <a:p>
-            <a:pPr marL="685800" lvl="1" indent="-228600">
-              <a:buAutoNum type="arabicParenR"/>
-            </a:pPr>
-            <a:r>
-              <a:rPr lang="fr-FR" baseline="0" dirty="0" smtClean="0"/>
-              <a:t>Sur la couche de la grille</a:t>
-            </a:r>
-          </a:p>
-          <a:p>
-            <a:pPr marL="685800" lvl="1" indent="-228600">
-              <a:buAutoNum type="arabicParenR"/>
-            </a:pPr>
-            <a:r>
-              <a:rPr lang="fr-FR" baseline="0" dirty="0" smtClean="0"/>
-              <a:t>Clic droit -&gt; Options</a:t>
-            </a:r>
-          </a:p>
-          <a:p>
-            <a:pPr marL="685800" lvl="1" indent="-228600">
-              <a:buAutoNum type="arabicParenR"/>
-            </a:pPr>
-            <a:r>
-              <a:rPr lang="fr-FR" baseline="0" dirty="0" smtClean="0"/>
-              <a:t>Onglet « label », utiliser l’attribut POINT_COUNT</a:t>
-            </a:r>
-          </a:p>
-          <a:p>
-            <a:pPr marL="685800" lvl="1" indent="-228600">
-              <a:buAutoNum type="arabicParenR"/>
-            </a:pPr>
+            <a:pPr marL="228600" marR="0" lvl="0" indent="-228600" algn="l" defTabSz="914400" rtl="0" eaLnBrk="1" fontAlgn="auto" latinLnBrk="0" hangingPunct="1">
+              <a:lnSpc>
+                <a:spcPct val="100000"/>
+              </a:lnSpc>
+              <a:spcBef>
+                <a:spcPts val="0"/>
+              </a:spcBef>
+              <a:spcAft>
+                <a:spcPts val="0"/>
+              </a:spcAft>
+              <a:buClrTx/>
+              <a:buSzTx/>
+              <a:buFontTx/>
+              <a:buAutoNum type="arabicParenR"/>
+              <a:tabLst/>
+              <a:defRPr/>
+            </a:pPr>
+            <a:r>
+              <a:rPr lang="fr-FR" baseline="0" dirty="0" smtClean="0"/>
+              <a:t>Générer les courbes de niveaux</a:t>
+            </a:r>
+          </a:p>
+          <a:p>
+            <a:pPr marL="685800" marR="0" lvl="1" indent="-228600" algn="l" defTabSz="914400" rtl="0" eaLnBrk="1" fontAlgn="auto" latinLnBrk="0" hangingPunct="1">
+              <a:lnSpc>
+                <a:spcPct val="100000"/>
+              </a:lnSpc>
+              <a:spcBef>
+                <a:spcPts val="0"/>
+              </a:spcBef>
+              <a:spcAft>
+                <a:spcPts val="0"/>
+              </a:spcAft>
+              <a:buClrTx/>
+              <a:buSzTx/>
+              <a:buFontTx/>
+              <a:buAutoNum type="arabicParenR"/>
+              <a:tabLst/>
+              <a:defRPr/>
+            </a:pPr>
+            <a:r>
+              <a:rPr lang="fr-FR" baseline="0" dirty="0" smtClean="0"/>
+              <a:t>Menu Analyse -&gt; </a:t>
+            </a:r>
+            <a:r>
+              <a:rPr lang="fr-FR" baseline="0" dirty="0" err="1" smtClean="0"/>
+              <a:t>Generate</a:t>
+            </a:r>
+            <a:r>
+              <a:rPr lang="fr-FR" baseline="0" dirty="0" smtClean="0"/>
+              <a:t> Contours</a:t>
+            </a:r>
+          </a:p>
+          <a:p>
+            <a:pPr marL="685800" marR="0" lvl="1" indent="-228600" algn="l" defTabSz="914400" rtl="0" eaLnBrk="1" fontAlgn="auto" latinLnBrk="0" hangingPunct="1">
+              <a:lnSpc>
+                <a:spcPct val="100000"/>
+              </a:lnSpc>
+              <a:spcBef>
+                <a:spcPts val="0"/>
+              </a:spcBef>
+              <a:spcAft>
+                <a:spcPts val="0"/>
+              </a:spcAft>
+              <a:buClrTx/>
+              <a:buSzTx/>
+              <a:buFontTx/>
+              <a:buAutoNum type="arabicParenR"/>
+              <a:tabLst/>
+              <a:defRPr/>
+            </a:pPr>
+            <a:r>
+              <a:rPr lang="fr-FR" baseline="0" dirty="0" smtClean="0"/>
+              <a:t>Intervalle entre 25 et 50m (intervalle plus petit = plus précis, moins lisible).</a:t>
+            </a:r>
+          </a:p>
+          <a:p>
+            <a:pPr marL="685800" marR="0" lvl="1" indent="-228600" algn="l" defTabSz="914400" rtl="0" eaLnBrk="1" fontAlgn="auto" latinLnBrk="0" hangingPunct="1">
+              <a:lnSpc>
+                <a:spcPct val="100000"/>
+              </a:lnSpc>
+              <a:spcBef>
+                <a:spcPts val="0"/>
+              </a:spcBef>
+              <a:spcAft>
+                <a:spcPts val="0"/>
+              </a:spcAft>
+              <a:buClrTx/>
+              <a:buSzTx/>
+              <a:buFontTx/>
+              <a:buAutoNum type="arabicParenR"/>
+              <a:tabLst/>
+              <a:defRPr/>
+            </a:pPr>
+            <a:r>
+              <a:rPr lang="fr-FR" baseline="0" dirty="0" smtClean="0"/>
+              <a:t>On peut n’afficher que les contours au dessus de X mètres.</a:t>
+            </a:r>
+          </a:p>
+          <a:p>
             <a:endParaRPr lang="fr-FR" baseline="0" dirty="0" smtClean="0"/>
-          </a:p>
-          <a:p>
-            <a:pPr marL="228600" lvl="0" indent="-228600">
-              <a:buAutoNum type="arabicParenR"/>
-            </a:pPr>
-            <a:endParaRPr lang="fr-FR" dirty="0"/>
           </a:p>
         </p:txBody>
       </p:sp>
@@ -3437,7 +3845,7 @@
             <a:fld id="{474BD0D7-0D9F-4D34-AE75-DF05F8DD5558}" type="slidenum">
               <a:rPr lang="fr-FR" smtClean="0"/>
               <a:pPr/>
-              <a:t>36</a:t>
+              <a:t>38</a:t>
             </a:fld>
             <a:endParaRPr lang="fr-FR"/>
           </a:p>
@@ -3446,7 +3854,7 @@
     </p:spTree>
     <p:extLst>
       <p:ext uri="{BB962C8B-B14F-4D97-AF65-F5344CB8AC3E}">
-        <p14:creationId xmlns:p14="http://schemas.microsoft.com/office/powerpoint/2010/main" val="2098632172"/>
+        <p14:creationId xmlns:p14="http://schemas.microsoft.com/office/powerpoint/2010/main" val="3608016028"/>
       </p:ext>
     </p:extLst>
   </p:cSld>
@@ -3500,618 +3908,50 @@
           <a:bodyPr/>
           <a:lstStyle/>
           <a:p>
-            <a:pPr marL="228600" marR="0" indent="-228600" algn="l" defTabSz="914400" rtl="0" eaLnBrk="1" fontAlgn="auto" latinLnBrk="0" hangingPunct="1">
-              <a:lnSpc>
-                <a:spcPct val="100000"/>
-              </a:lnSpc>
-              <a:spcBef>
-                <a:spcPts val="0"/>
-              </a:spcBef>
-              <a:spcAft>
-                <a:spcPts val="0"/>
-              </a:spcAft>
-              <a:buClrTx/>
-              <a:buSzTx/>
-              <a:buFontTx/>
-              <a:buAutoNum type="arabicParenR"/>
-              <a:tabLst/>
-              <a:defRPr/>
-            </a:pPr>
-            <a:r>
-              <a:rPr lang="fr-FR" dirty="0" smtClean="0"/>
-              <a:t>Importer</a:t>
-            </a:r>
-            <a:r>
-              <a:rPr lang="fr-FR" baseline="0" dirty="0" smtClean="0"/>
-              <a:t> l’itinéraire GPX</a:t>
-            </a:r>
-          </a:p>
-          <a:p>
-            <a:pPr marL="685800" marR="0" lvl="1" indent="-228600" algn="l" defTabSz="914400" rtl="0" eaLnBrk="1" fontAlgn="auto" latinLnBrk="0" hangingPunct="1">
-              <a:lnSpc>
-                <a:spcPct val="100000"/>
-              </a:lnSpc>
-              <a:spcBef>
-                <a:spcPts val="0"/>
-              </a:spcBef>
-              <a:spcAft>
-                <a:spcPts val="0"/>
-              </a:spcAft>
-              <a:buClrTx/>
-              <a:buSzTx/>
-              <a:buFontTx/>
-              <a:buAutoNum type="arabicParenR"/>
-              <a:tabLst/>
-              <a:defRPr/>
-            </a:pPr>
-            <a:r>
-              <a:rPr lang="fr-FR" baseline="0" dirty="0" smtClean="0"/>
-              <a:t>Avec l’outil </a:t>
-            </a:r>
-            <a:r>
-              <a:rPr lang="fr-FR" baseline="0" dirty="0" err="1" smtClean="0"/>
-              <a:t>Digitizer</a:t>
-            </a:r>
-            <a:r>
-              <a:rPr lang="fr-FR" baseline="0" dirty="0" smtClean="0"/>
-              <a:t>, sélectionner l’itinéraire</a:t>
-            </a:r>
-          </a:p>
-          <a:p>
-            <a:pPr marL="685800" marR="0" lvl="1" indent="-228600" algn="l" defTabSz="914400" rtl="0" eaLnBrk="1" fontAlgn="auto" latinLnBrk="0" hangingPunct="1">
-              <a:lnSpc>
-                <a:spcPct val="100000"/>
-              </a:lnSpc>
-              <a:spcBef>
-                <a:spcPts val="0"/>
-              </a:spcBef>
-              <a:spcAft>
-                <a:spcPts val="0"/>
-              </a:spcAft>
-              <a:buClrTx/>
-              <a:buSzTx/>
-              <a:buFontTx/>
-              <a:buAutoNum type="arabicParenR"/>
-              <a:tabLst/>
-              <a:defRPr/>
-            </a:pPr>
-            <a:r>
-              <a:rPr lang="fr-FR" baseline="0" dirty="0" smtClean="0"/>
-              <a:t>Clic droit -&gt; </a:t>
-            </a:r>
-            <a:r>
-              <a:rPr lang="fr-FR" baseline="0" dirty="0" err="1" smtClean="0"/>
-              <a:t>Analysis</a:t>
-            </a:r>
-            <a:r>
-              <a:rPr lang="fr-FR" baseline="0" dirty="0" smtClean="0"/>
-              <a:t>/</a:t>
-            </a:r>
-            <a:r>
-              <a:rPr lang="fr-FR" baseline="0" dirty="0" err="1" smtClean="0"/>
-              <a:t>Measurement</a:t>
-            </a:r>
-            <a:r>
-              <a:rPr lang="fr-FR" baseline="0" dirty="0" smtClean="0"/>
-              <a:t> -&gt; PATH PROFILE</a:t>
-            </a:r>
-          </a:p>
-          <a:p>
-            <a:pPr marL="685800" marR="0" lvl="1" indent="-228600" algn="l" defTabSz="914400" rtl="0" eaLnBrk="1" fontAlgn="auto" latinLnBrk="0" hangingPunct="1">
-              <a:lnSpc>
-                <a:spcPct val="100000"/>
-              </a:lnSpc>
-              <a:spcBef>
-                <a:spcPts val="0"/>
-              </a:spcBef>
-              <a:spcAft>
-                <a:spcPts val="0"/>
-              </a:spcAft>
-              <a:buClrTx/>
-              <a:buSzTx/>
-              <a:buFontTx/>
-              <a:buAutoNum type="arabicParenR"/>
-              <a:tabLst/>
-              <a:defRPr/>
-            </a:pPr>
-            <a:endParaRPr lang="fr-FR" baseline="0" dirty="0" smtClean="0"/>
-          </a:p>
-          <a:p>
-            <a:pPr marL="685800" marR="0" lvl="1" indent="-228600" algn="l" defTabSz="914400" rtl="0" eaLnBrk="1" fontAlgn="auto" latinLnBrk="0" hangingPunct="1">
-              <a:lnSpc>
-                <a:spcPct val="100000"/>
-              </a:lnSpc>
-              <a:spcBef>
-                <a:spcPts val="0"/>
-              </a:spcBef>
-              <a:spcAft>
-                <a:spcPts val="0"/>
-              </a:spcAft>
-              <a:buClrTx/>
-              <a:buSzTx/>
-              <a:buFontTx/>
-              <a:buAutoNum type="arabicParenR"/>
-              <a:tabLst/>
-              <a:defRPr/>
-            </a:pPr>
-            <a:r>
-              <a:rPr lang="fr-FR" baseline="0" dirty="0" smtClean="0"/>
-              <a:t>2eme option</a:t>
-            </a:r>
-          </a:p>
-          <a:p>
-            <a:pPr marL="685800" marR="0" lvl="1" indent="-228600" algn="l" defTabSz="914400" rtl="0" eaLnBrk="1" fontAlgn="auto" latinLnBrk="0" hangingPunct="1">
-              <a:lnSpc>
-                <a:spcPct val="100000"/>
-              </a:lnSpc>
-              <a:spcBef>
-                <a:spcPts val="0"/>
-              </a:spcBef>
-              <a:spcAft>
-                <a:spcPts val="0"/>
-              </a:spcAft>
-              <a:buClrTx/>
-              <a:buSzTx/>
-              <a:buFontTx/>
-              <a:buAutoNum type="arabicParenR"/>
-              <a:tabLst/>
-              <a:defRPr/>
-            </a:pPr>
-            <a:r>
-              <a:rPr lang="fr-FR" baseline="0" dirty="0" smtClean="0"/>
-              <a:t>Menu Tools -&gt; </a:t>
-            </a:r>
-            <a:r>
-              <a:rPr lang="fr-FR" baseline="0" dirty="0" err="1" smtClean="0"/>
-              <a:t>Path</a:t>
-            </a:r>
-            <a:r>
-              <a:rPr lang="fr-FR" baseline="0" dirty="0" smtClean="0"/>
-              <a:t> profile</a:t>
-            </a:r>
-          </a:p>
-          <a:p>
-            <a:pPr marL="685800" marR="0" lvl="1" indent="-228600" algn="l" defTabSz="914400" rtl="0" eaLnBrk="1" fontAlgn="auto" latinLnBrk="0" hangingPunct="1">
-              <a:lnSpc>
-                <a:spcPct val="100000"/>
-              </a:lnSpc>
-              <a:spcBef>
-                <a:spcPts val="0"/>
-              </a:spcBef>
-              <a:spcAft>
-                <a:spcPts val="0"/>
-              </a:spcAft>
-              <a:buClrTx/>
-              <a:buSzTx/>
-              <a:buFontTx/>
-              <a:buAutoNum type="arabicParenR"/>
-              <a:tabLst/>
-              <a:defRPr/>
-            </a:pPr>
-            <a:r>
-              <a:rPr lang="fr-FR" baseline="0" dirty="0" smtClean="0"/>
-              <a:t>Dessiner à la main le tracé voulu.</a:t>
-            </a:r>
-          </a:p>
-          <a:p>
-            <a:pPr marL="685800" marR="0" lvl="1" indent="-228600" algn="l" defTabSz="914400" rtl="0" eaLnBrk="1" fontAlgn="auto" latinLnBrk="0" hangingPunct="1">
-              <a:lnSpc>
-                <a:spcPct val="100000"/>
-              </a:lnSpc>
-              <a:spcBef>
-                <a:spcPts val="0"/>
-              </a:spcBef>
-              <a:spcAft>
-                <a:spcPts val="0"/>
-              </a:spcAft>
-              <a:buClrTx/>
-              <a:buSzTx/>
-              <a:buFontTx/>
-              <a:buAutoNum type="arabicParenR"/>
-              <a:tabLst/>
-              <a:defRPr/>
-            </a:pPr>
-            <a:endParaRPr lang="fr-FR" baseline="0" dirty="0" smtClean="0"/>
-          </a:p>
-          <a:p>
-            <a:pPr marL="228600" marR="0" lvl="0" indent="-228600" algn="l" defTabSz="914400" rtl="0" eaLnBrk="1" fontAlgn="auto" latinLnBrk="0" hangingPunct="1">
-              <a:lnSpc>
-                <a:spcPct val="100000"/>
-              </a:lnSpc>
-              <a:spcBef>
-                <a:spcPts val="0"/>
-              </a:spcBef>
-              <a:spcAft>
-                <a:spcPts val="0"/>
-              </a:spcAft>
-              <a:buClrTx/>
-              <a:buSzTx/>
-              <a:buFontTx/>
-              <a:buAutoNum type="arabicParenR"/>
-              <a:tabLst/>
-              <a:defRPr/>
-            </a:pPr>
-            <a:r>
-              <a:rPr lang="fr-FR" baseline="0" dirty="0" smtClean="0"/>
-              <a:t>Générer les talweg</a:t>
-            </a:r>
-          </a:p>
-          <a:p>
-            <a:pPr marL="685800" marR="0" lvl="1" indent="-228600" algn="l" defTabSz="914400" rtl="0" eaLnBrk="1" fontAlgn="auto" latinLnBrk="0" hangingPunct="1">
-              <a:lnSpc>
-                <a:spcPct val="100000"/>
-              </a:lnSpc>
-              <a:spcBef>
-                <a:spcPts val="0"/>
-              </a:spcBef>
-              <a:spcAft>
-                <a:spcPts val="0"/>
-              </a:spcAft>
-              <a:buClrTx/>
-              <a:buSzTx/>
-              <a:buFontTx/>
-              <a:buAutoNum type="arabicParenR"/>
-              <a:tabLst/>
-              <a:defRPr/>
-            </a:pPr>
-            <a:r>
-              <a:rPr lang="fr-FR" baseline="0" dirty="0" smtClean="0"/>
-              <a:t>Menu Analyse -&gt; </a:t>
-            </a:r>
-            <a:r>
-              <a:rPr lang="fr-FR" baseline="0" dirty="0" err="1" smtClean="0"/>
-              <a:t>Generate</a:t>
-            </a:r>
-            <a:r>
-              <a:rPr lang="fr-FR" baseline="0" dirty="0" smtClean="0"/>
+            <a:pPr marL="228600" indent="-228600">
+              <a:buAutoNum type="arabicParenR"/>
+            </a:pPr>
+            <a:r>
+              <a:rPr lang="fr-FR" dirty="0"/>
+              <a:t>Outil</a:t>
+            </a:r>
+            <a:r>
+              <a:rPr lang="fr-FR" baseline="0" dirty="0"/>
               <a:t> </a:t>
             </a:r>
             <a:r>
-              <a:rPr lang="fr-FR" baseline="0" dirty="0" err="1" smtClean="0"/>
-              <a:t>watershed</a:t>
-            </a:r>
-            <a:r>
-              <a:rPr lang="fr-FR" baseline="0" dirty="0" smtClean="0"/>
-              <a:t>…</a:t>
-            </a:r>
-          </a:p>
-          <a:p>
-            <a:pPr marL="685800" marR="0" lvl="1" indent="-228600" algn="l" defTabSz="914400" rtl="0" eaLnBrk="1" fontAlgn="auto" latinLnBrk="0" hangingPunct="1">
-              <a:lnSpc>
-                <a:spcPct val="100000"/>
-              </a:lnSpc>
-              <a:spcBef>
-                <a:spcPts val="0"/>
-              </a:spcBef>
-              <a:spcAft>
-                <a:spcPts val="0"/>
-              </a:spcAft>
-              <a:buClrTx/>
-              <a:buSzTx/>
-              <a:buFontTx/>
-              <a:buAutoNum type="arabicParenR"/>
-              <a:tabLst/>
-              <a:defRPr/>
-            </a:pPr>
-            <a:r>
-              <a:rPr lang="fr-FR" baseline="0" dirty="0" smtClean="0"/>
-              <a:t>Stream </a:t>
-            </a:r>
-            <a:r>
-              <a:rPr lang="fr-FR" baseline="0" dirty="0" err="1" smtClean="0"/>
-              <a:t>cell</a:t>
-            </a:r>
-            <a:r>
-              <a:rPr lang="fr-FR" baseline="0" dirty="0" smtClean="0"/>
-              <a:t> count : 50 pour des talweg simple, 500 pour plus de détail</a:t>
-            </a:r>
-          </a:p>
-          <a:p>
-            <a:pPr marL="685800" marR="0" lvl="1" indent="-228600" algn="l" defTabSz="914400" rtl="0" eaLnBrk="1" fontAlgn="auto" latinLnBrk="0" hangingPunct="1">
-              <a:lnSpc>
-                <a:spcPct val="100000"/>
-              </a:lnSpc>
-              <a:spcBef>
-                <a:spcPts val="0"/>
-              </a:spcBef>
-              <a:spcAft>
-                <a:spcPts val="0"/>
-              </a:spcAft>
-              <a:buClrTx/>
-              <a:buSzTx/>
-              <a:buFontTx/>
-              <a:buAutoNum type="arabicParenR"/>
-              <a:tabLst/>
-              <a:defRPr/>
-            </a:pPr>
-            <a:r>
-              <a:rPr lang="fr-FR" baseline="0" dirty="0" smtClean="0"/>
-              <a:t>Décocher « </a:t>
-            </a:r>
-            <a:r>
-              <a:rPr lang="fr-FR" baseline="0" dirty="0" err="1" smtClean="0"/>
-              <a:t>create</a:t>
-            </a:r>
-            <a:r>
-              <a:rPr lang="fr-FR" baseline="0" dirty="0" smtClean="0"/>
-              <a:t> </a:t>
-            </a:r>
-            <a:r>
-              <a:rPr lang="fr-FR" baseline="0" dirty="0" err="1" smtClean="0"/>
-              <a:t>watershed</a:t>
-            </a:r>
-            <a:r>
-              <a:rPr lang="fr-FR" baseline="0" dirty="0" smtClean="0"/>
-              <a:t> areas »</a:t>
-            </a:r>
-          </a:p>
-          <a:p>
-            <a:pPr marL="685800" marR="0" lvl="1" indent="-228600" algn="l" defTabSz="914400" rtl="0" eaLnBrk="1" fontAlgn="auto" latinLnBrk="0" hangingPunct="1">
-              <a:lnSpc>
-                <a:spcPct val="100000"/>
-              </a:lnSpc>
-              <a:spcBef>
-                <a:spcPts val="0"/>
-              </a:spcBef>
-              <a:spcAft>
-                <a:spcPts val="0"/>
-              </a:spcAft>
-              <a:buClrTx/>
-              <a:buSzTx/>
-              <a:buFontTx/>
-              <a:buAutoNum type="arabicParenR"/>
-              <a:tabLst/>
-              <a:defRPr/>
-            </a:pPr>
-            <a:endParaRPr lang="fr-FR" baseline="0" dirty="0" smtClean="0"/>
-          </a:p>
-          <a:p>
-            <a:pPr marL="228600" marR="0" lvl="0" indent="-228600" algn="l" defTabSz="914400" rtl="0" eaLnBrk="1" fontAlgn="auto" latinLnBrk="0" hangingPunct="1">
-              <a:lnSpc>
-                <a:spcPct val="100000"/>
-              </a:lnSpc>
-              <a:spcBef>
-                <a:spcPts val="0"/>
-              </a:spcBef>
-              <a:spcAft>
-                <a:spcPts val="0"/>
-              </a:spcAft>
-              <a:buClrTx/>
-              <a:buSzTx/>
-              <a:buFontTx/>
-              <a:buAutoNum type="arabicParenR"/>
-              <a:tabLst/>
-              <a:defRPr/>
-            </a:pPr>
-            <a:r>
-              <a:rPr lang="fr-FR" baseline="0" dirty="0" smtClean="0"/>
-              <a:t>Générer les lignes de crête</a:t>
-            </a:r>
-          </a:p>
-          <a:p>
-            <a:pPr marL="685800" marR="0" lvl="1" indent="-228600" algn="l" defTabSz="914400" rtl="0" eaLnBrk="1" fontAlgn="auto" latinLnBrk="0" hangingPunct="1">
-              <a:lnSpc>
-                <a:spcPct val="100000"/>
-              </a:lnSpc>
-              <a:spcBef>
-                <a:spcPts val="0"/>
-              </a:spcBef>
-              <a:spcAft>
-                <a:spcPts val="0"/>
-              </a:spcAft>
-              <a:buClrTx/>
-              <a:buSzTx/>
-              <a:buFontTx/>
-              <a:buAutoNum type="arabicParenR"/>
-              <a:tabLst/>
-              <a:defRPr/>
-            </a:pPr>
-            <a:r>
-              <a:rPr lang="fr-FR" baseline="0" dirty="0" smtClean="0"/>
-              <a:t>Menu Analyse -&gt; </a:t>
-            </a:r>
-            <a:r>
-              <a:rPr lang="fr-FR" baseline="0" dirty="0" err="1" smtClean="0"/>
-              <a:t>Find</a:t>
-            </a:r>
-            <a:r>
-              <a:rPr lang="fr-FR" baseline="0" dirty="0" smtClean="0"/>
-              <a:t> </a:t>
-            </a:r>
-            <a:r>
-              <a:rPr lang="fr-FR" baseline="0" dirty="0" err="1" smtClean="0"/>
-              <a:t>ridge</a:t>
-            </a:r>
-            <a:r>
-              <a:rPr lang="fr-FR" baseline="0" dirty="0" smtClean="0"/>
-              <a:t> </a:t>
-            </a:r>
-            <a:r>
-              <a:rPr lang="fr-FR" baseline="0" dirty="0" err="1" smtClean="0"/>
-              <a:t>lines</a:t>
-            </a:r>
-            <a:endParaRPr lang="fr-FR" baseline="0" dirty="0" smtClean="0"/>
-          </a:p>
-          <a:p>
-            <a:pPr marL="685800" marR="0" lvl="1" indent="-228600" algn="l" defTabSz="914400" rtl="0" eaLnBrk="1" fontAlgn="auto" latinLnBrk="0" hangingPunct="1">
-              <a:lnSpc>
-                <a:spcPct val="100000"/>
-              </a:lnSpc>
-              <a:spcBef>
-                <a:spcPts val="0"/>
-              </a:spcBef>
-              <a:spcAft>
-                <a:spcPts val="0"/>
-              </a:spcAft>
-              <a:buClrTx/>
-              <a:buSzTx/>
-              <a:buFontTx/>
-              <a:buAutoNum type="arabicParenR"/>
-              <a:tabLst/>
-              <a:defRPr/>
-            </a:pPr>
-            <a:r>
-              <a:rPr lang="fr-FR" baseline="0" dirty="0" err="1" smtClean="0"/>
-              <a:t>Ridge</a:t>
-            </a:r>
-            <a:r>
-              <a:rPr lang="fr-FR" baseline="0" dirty="0" smtClean="0"/>
-              <a:t> </a:t>
-            </a:r>
-            <a:r>
-              <a:rPr lang="fr-FR" baseline="0" dirty="0" err="1" smtClean="0"/>
-              <a:t>Cell</a:t>
-            </a:r>
-            <a:r>
-              <a:rPr lang="fr-FR" baseline="0" dirty="0" smtClean="0"/>
-              <a:t> à 50 (default 500)</a:t>
-            </a:r>
-          </a:p>
-          <a:p>
-            <a:pPr marL="685800" marR="0" lvl="1" indent="-228600" algn="l" defTabSz="914400" rtl="0" eaLnBrk="1" fontAlgn="auto" latinLnBrk="0" hangingPunct="1">
-              <a:lnSpc>
-                <a:spcPct val="100000"/>
-              </a:lnSpc>
-              <a:spcBef>
-                <a:spcPts val="0"/>
-              </a:spcBef>
-              <a:spcAft>
-                <a:spcPts val="0"/>
-              </a:spcAft>
-              <a:buClrTx/>
-              <a:buSzTx/>
-              <a:buFontTx/>
-              <a:buAutoNum type="arabicParenR"/>
-              <a:tabLst/>
-              <a:defRPr/>
-            </a:pPr>
-            <a:r>
-              <a:rPr lang="fr-FR" baseline="0" dirty="0" smtClean="0"/>
-              <a:t>N’afficher les lignes de crêtes qu’à partir de X mètres</a:t>
-            </a:r>
-          </a:p>
-          <a:p>
-            <a:pPr marL="685800" marR="0" lvl="1" indent="-228600" algn="l" defTabSz="914400" rtl="0" eaLnBrk="1" fontAlgn="auto" latinLnBrk="0" hangingPunct="1">
-              <a:lnSpc>
-                <a:spcPct val="100000"/>
-              </a:lnSpc>
-              <a:spcBef>
-                <a:spcPts val="0"/>
-              </a:spcBef>
-              <a:spcAft>
-                <a:spcPts val="0"/>
-              </a:spcAft>
-              <a:buClrTx/>
-              <a:buSzTx/>
-              <a:buFontTx/>
-              <a:buAutoNum type="arabicParenR"/>
-              <a:tabLst/>
-              <a:defRPr/>
-            </a:pPr>
-            <a:endParaRPr lang="fr-FR" baseline="0" dirty="0" smtClean="0"/>
-          </a:p>
-          <a:p>
-            <a:pPr marL="228600" marR="0" lvl="0" indent="-228600" algn="l" defTabSz="914400" rtl="0" eaLnBrk="1" fontAlgn="auto" latinLnBrk="0" hangingPunct="1">
-              <a:lnSpc>
-                <a:spcPct val="100000"/>
-              </a:lnSpc>
-              <a:spcBef>
-                <a:spcPts val="0"/>
-              </a:spcBef>
-              <a:spcAft>
-                <a:spcPts val="0"/>
-              </a:spcAft>
-              <a:buClrTx/>
-              <a:buSzTx/>
-              <a:buFontTx/>
-              <a:buAutoNum type="arabicParenR"/>
-              <a:tabLst/>
-              <a:defRPr/>
-            </a:pPr>
-            <a:r>
-              <a:rPr lang="fr-FR" baseline="0" dirty="0" smtClean="0"/>
-              <a:t>Générer les courbes de niveaux</a:t>
-            </a:r>
-          </a:p>
-          <a:p>
-            <a:pPr marL="685800" marR="0" lvl="1" indent="-228600" algn="l" defTabSz="914400" rtl="0" eaLnBrk="1" fontAlgn="auto" latinLnBrk="0" hangingPunct="1">
-              <a:lnSpc>
-                <a:spcPct val="100000"/>
-              </a:lnSpc>
-              <a:spcBef>
-                <a:spcPts val="0"/>
-              </a:spcBef>
-              <a:spcAft>
-                <a:spcPts val="0"/>
-              </a:spcAft>
-              <a:buClrTx/>
-              <a:buSzTx/>
-              <a:buFontTx/>
-              <a:buAutoNum type="arabicParenR"/>
-              <a:tabLst/>
-              <a:defRPr/>
-            </a:pPr>
-            <a:r>
-              <a:rPr lang="fr-FR" baseline="0" dirty="0" smtClean="0"/>
-              <a:t>Menu Analyse -&gt; </a:t>
-            </a:r>
-            <a:r>
-              <a:rPr lang="fr-FR" baseline="0" dirty="0" err="1" smtClean="0"/>
-              <a:t>Generate</a:t>
-            </a:r>
-            <a:r>
-              <a:rPr lang="fr-FR" baseline="0" dirty="0" smtClean="0"/>
-              <a:t> Contours</a:t>
-            </a:r>
-          </a:p>
-          <a:p>
-            <a:pPr marL="685800" marR="0" lvl="1" indent="-228600" algn="l" defTabSz="914400" rtl="0" eaLnBrk="1" fontAlgn="auto" latinLnBrk="0" hangingPunct="1">
-              <a:lnSpc>
-                <a:spcPct val="100000"/>
-              </a:lnSpc>
-              <a:spcBef>
-                <a:spcPts val="0"/>
-              </a:spcBef>
-              <a:spcAft>
-                <a:spcPts val="0"/>
-              </a:spcAft>
-              <a:buClrTx/>
-              <a:buSzTx/>
-              <a:buFontTx/>
-              <a:buAutoNum type="arabicParenR"/>
-              <a:tabLst/>
-              <a:defRPr/>
-            </a:pPr>
-            <a:r>
-              <a:rPr lang="fr-FR" baseline="0" dirty="0" smtClean="0"/>
-              <a:t>Intervalle entre 25 et 50m (intervalle plus petit = plus précis, moins lisible).</a:t>
-            </a:r>
-          </a:p>
-          <a:p>
-            <a:pPr marL="685800" marR="0" lvl="1" indent="-228600" algn="l" defTabSz="914400" rtl="0" eaLnBrk="1" fontAlgn="auto" latinLnBrk="0" hangingPunct="1">
-              <a:lnSpc>
-                <a:spcPct val="100000"/>
-              </a:lnSpc>
-              <a:spcBef>
-                <a:spcPts val="0"/>
-              </a:spcBef>
-              <a:spcAft>
-                <a:spcPts val="0"/>
-              </a:spcAft>
-              <a:buClrTx/>
-              <a:buSzTx/>
-              <a:buFontTx/>
-              <a:buAutoNum type="arabicParenR"/>
-              <a:tabLst/>
-              <a:defRPr/>
-            </a:pPr>
-            <a:r>
-              <a:rPr lang="fr-FR" baseline="0" dirty="0" smtClean="0"/>
-              <a:t>On peut n’afficher que les contours au dessus de X mètres.</a:t>
-            </a:r>
-          </a:p>
-          <a:p>
-            <a:endParaRPr lang="fr-FR" baseline="0" dirty="0" smtClean="0"/>
+              <a:rPr lang="fr-FR" baseline="0" dirty="0" err="1"/>
+              <a:t>intervisibilité</a:t>
+            </a:r>
+            <a:endParaRPr lang="fr-FR" baseline="0" dirty="0"/>
+          </a:p>
+          <a:p>
+            <a:pPr marL="228600" indent="-228600">
+              <a:buAutoNum type="arabicParenR"/>
+            </a:pPr>
+            <a:endParaRPr lang="fr-FR" baseline="0" dirty="0"/>
+          </a:p>
+          <a:p>
+            <a:pPr marL="228600" indent="-228600">
+              <a:buAutoNum type="arabicParenR"/>
+            </a:pPr>
+            <a:r>
+              <a:rPr lang="fr-FR" baseline="0" dirty="0"/>
+              <a:t>Zone commune</a:t>
+            </a:r>
+            <a:endParaRPr lang="fr-FR" dirty="0"/>
+          </a:p>
+          <a:p>
+            <a:pPr marL="228600" indent="-228600">
+              <a:buAutoNum type="arabicParenR"/>
+            </a:pPr>
+            <a:endParaRPr lang="fr-FR" dirty="0"/>
+          </a:p>
+          <a:p>
+            <a:pPr marL="685800" lvl="1" indent="-228600">
+              <a:buAutoNum type="arabicParenR"/>
+            </a:pPr>
+            <a:endParaRPr lang="fr-FR" dirty="0"/>
           </a:p>
         </p:txBody>
       </p:sp>
@@ -4133,7 +3973,7 @@
             <a:fld id="{474BD0D7-0D9F-4D34-AE75-DF05F8DD5558}" type="slidenum">
               <a:rPr lang="fr-FR" smtClean="0"/>
               <a:pPr/>
-              <a:t>38</a:t>
+              <a:t>39</a:t>
             </a:fld>
             <a:endParaRPr lang="fr-FR"/>
           </a:p>
@@ -4142,7 +3982,7 @@
     </p:spTree>
     <p:extLst>
       <p:ext uri="{BB962C8B-B14F-4D97-AF65-F5344CB8AC3E}">
-        <p14:creationId xmlns:p14="http://schemas.microsoft.com/office/powerpoint/2010/main" val="3608016028"/>
+        <p14:creationId xmlns:p14="http://schemas.microsoft.com/office/powerpoint/2010/main" val="4175458019"/>
       </p:ext>
     </p:extLst>
   </p:cSld>
@@ -4193,52 +4033,77 @@
         </p:nvSpPr>
         <p:spPr/>
         <p:txBody>
-          <a:bodyPr/>
+          <a:bodyPr>
+            <a:normAutofit/>
+          </a:bodyPr>
           <a:lstStyle/>
           <a:p>
             <a:pPr marL="228600" indent="-228600">
               <a:buAutoNum type="arabicParenR"/>
             </a:pPr>
             <a:r>
-              <a:rPr lang="fr-FR" dirty="0"/>
-              <a:t>Outil</a:t>
-            </a:r>
-            <a:r>
-              <a:rPr lang="fr-FR" baseline="0" dirty="0"/>
-              <a:t> </a:t>
-            </a:r>
-            <a:r>
-              <a:rPr lang="fr-FR" baseline="0" dirty="0" err="1"/>
-              <a:t>intervisibilité</a:t>
-            </a:r>
-            <a:endParaRPr lang="fr-FR" baseline="0" dirty="0"/>
-          </a:p>
-          <a:p>
-            <a:pPr marL="228600" indent="-228600">
-              <a:buAutoNum type="arabicParenR"/>
-            </a:pPr>
-            <a:endParaRPr lang="fr-FR" baseline="0" dirty="0"/>
-          </a:p>
-          <a:p>
-            <a:pPr marL="228600" indent="-228600">
-              <a:buAutoNum type="arabicParenR"/>
-            </a:pPr>
-            <a:r>
-              <a:rPr lang="fr-FR" baseline="0" dirty="0"/>
-              <a:t>Zone commune</a:t>
-            </a:r>
-            <a:endParaRPr lang="fr-FR" dirty="0"/>
-          </a:p>
-          <a:p>
-            <a:pPr marL="228600" indent="-228600">
-              <a:buAutoNum type="arabicParenR"/>
-            </a:pPr>
-            <a:endParaRPr lang="fr-FR" dirty="0"/>
+              <a:rPr lang="fr-FR" dirty="0" smtClean="0"/>
+              <a:t>Créer</a:t>
+            </a:r>
+            <a:r>
+              <a:rPr lang="fr-FR" baseline="0" dirty="0" smtClean="0"/>
+              <a:t> un bâtiment 3D</a:t>
+            </a:r>
           </a:p>
           <a:p>
             <a:pPr marL="685800" lvl="1" indent="-228600">
               <a:buAutoNum type="arabicParenR"/>
             </a:pPr>
+            <a:r>
+              <a:rPr lang="fr-FR" baseline="0" dirty="0" smtClean="0"/>
+              <a:t>Créer une surface</a:t>
+            </a:r>
+          </a:p>
+          <a:p>
+            <a:pPr marL="685800" lvl="1" indent="-228600">
+              <a:buAutoNum type="arabicParenR"/>
+            </a:pPr>
+            <a:r>
+              <a:rPr lang="fr-FR" baseline="0" dirty="0" smtClean="0"/>
+              <a:t>Ajouter un attribut « HAUTEUR » avec valeur « 30 »</a:t>
+            </a:r>
+          </a:p>
+          <a:p>
+            <a:pPr marL="685800" lvl="1" indent="-228600">
+              <a:buAutoNum type="arabicParenR"/>
+            </a:pPr>
+            <a:r>
+              <a:rPr lang="fr-FR" baseline="0" dirty="0" smtClean="0"/>
+              <a:t>Sur la couche du bâtiment clic droit -&gt; Options</a:t>
+            </a:r>
+          </a:p>
+          <a:p>
+            <a:pPr marL="685800" lvl="1" indent="-228600">
+              <a:buAutoNum type="arabicParenR"/>
+            </a:pPr>
+            <a:r>
+              <a:rPr lang="fr-FR" baseline="0" dirty="0" smtClean="0"/>
+              <a:t>Onglet « </a:t>
+            </a:r>
+            <a:r>
+              <a:rPr lang="fr-FR" baseline="0" dirty="0" err="1" smtClean="0"/>
+              <a:t>Elevations</a:t>
+            </a:r>
+            <a:r>
+              <a:rPr lang="fr-FR" baseline="0" dirty="0" smtClean="0"/>
+              <a:t> », utiliser l’attribut « HAUTEUR » pour définir la taille</a:t>
+            </a:r>
+          </a:p>
+          <a:p>
+            <a:pPr marL="685800" lvl="1" indent="-228600">
+              <a:buAutoNum type="arabicParenR"/>
+            </a:pPr>
+            <a:r>
+              <a:rPr lang="fr-FR" baseline="0" dirty="0" smtClean="0"/>
+              <a:t>Choisir le mode d’altitude « Relatif au sol »</a:t>
+            </a:r>
+          </a:p>
+          <a:p>
             <a:endParaRPr lang="fr-FR" dirty="0"/>
           </a:p>
         </p:txBody>
@@ -4261,7 +4126,7 @@
             <a:fld id="{474BD0D7-0D9F-4D34-AE75-DF05F8DD5558}" type="slidenum">
               <a:rPr lang="fr-FR" smtClean="0"/>
               <a:pPr/>
-              <a:t>39</a:t>
+              <a:t>40</a:t>
             </a:fld>
             <a:endParaRPr lang="fr-FR"/>
           </a:p>
@@ -4270,7 +4135,7 @@
     </p:spTree>
     <p:extLst>
       <p:ext uri="{BB962C8B-B14F-4D97-AF65-F5344CB8AC3E}">
-        <p14:creationId xmlns:p14="http://schemas.microsoft.com/office/powerpoint/2010/main" val="4175458019"/>
+        <p14:creationId xmlns:p14="http://schemas.microsoft.com/office/powerpoint/2010/main" val="2309861742"/>
       </p:ext>
     </p:extLst>
   </p:cSld>
@@ -4331,159 +4196,6 @@
             </a:pPr>
             <a:r>
               <a:rPr lang="fr-FR" dirty="0" smtClean="0"/>
-              <a:t>Créer</a:t>
-            </a:r>
-            <a:r>
-              <a:rPr lang="fr-FR" baseline="0" dirty="0" smtClean="0"/>
-              <a:t> un bâtiment 3D</a:t>
-            </a:r>
-          </a:p>
-          <a:p>
-            <a:pPr marL="685800" lvl="1" indent="-228600">
-              <a:buAutoNum type="arabicParenR"/>
-            </a:pPr>
-            <a:r>
-              <a:rPr lang="fr-FR" baseline="0" dirty="0" smtClean="0"/>
-              <a:t>Créer une surface</a:t>
-            </a:r>
-          </a:p>
-          <a:p>
-            <a:pPr marL="685800" lvl="1" indent="-228600">
-              <a:buAutoNum type="arabicParenR"/>
-            </a:pPr>
-            <a:r>
-              <a:rPr lang="fr-FR" baseline="0" dirty="0" smtClean="0"/>
-              <a:t>Ajouter un attribut « HAUTEUR » avec valeur « 30 »</a:t>
-            </a:r>
-          </a:p>
-          <a:p>
-            <a:pPr marL="685800" lvl="1" indent="-228600">
-              <a:buAutoNum type="arabicParenR"/>
-            </a:pPr>
-            <a:r>
-              <a:rPr lang="fr-FR" baseline="0" dirty="0" smtClean="0"/>
-              <a:t>Sur la couche du bâtiment clic droit -&gt; Options</a:t>
-            </a:r>
-          </a:p>
-          <a:p>
-            <a:pPr marL="685800" lvl="1" indent="-228600">
-              <a:buAutoNum type="arabicParenR"/>
-            </a:pPr>
-            <a:r>
-              <a:rPr lang="fr-FR" baseline="0" dirty="0" smtClean="0"/>
-              <a:t>Onglet « </a:t>
-            </a:r>
-            <a:r>
-              <a:rPr lang="fr-FR" baseline="0" dirty="0" err="1" smtClean="0"/>
-              <a:t>Elevations</a:t>
-            </a:r>
-            <a:r>
-              <a:rPr lang="fr-FR" baseline="0" dirty="0" smtClean="0"/>
-              <a:t> », utiliser l’attribut « HAUTEUR » pour définir la taille</a:t>
-            </a:r>
-          </a:p>
-          <a:p>
-            <a:pPr marL="685800" lvl="1" indent="-228600">
-              <a:buAutoNum type="arabicParenR"/>
-            </a:pPr>
-            <a:r>
-              <a:rPr lang="fr-FR" baseline="0" dirty="0" smtClean="0"/>
-              <a:t>Choisir le mode d’altitude « Relatif au sol »</a:t>
-            </a:r>
-          </a:p>
-          <a:p>
-            <a:endParaRPr lang="fr-FR" dirty="0"/>
-          </a:p>
-        </p:txBody>
-      </p:sp>
-      <p:sp>
-        <p:nvSpPr>
-          <p:cNvPr id="4" name="Espace réservé du numéro de diapositive 3"/>
-          <p:cNvSpPr>
-            <a:spLocks noGrp="1"/>
-          </p:cNvSpPr>
-          <p:nvPr>
-            <p:ph type="sldNum" sz="quarter" idx="10"/>
-          </p:nvPr>
-        </p:nvSpPr>
-        <p:spPr/>
-        <p:txBody>
-          <a:bodyPr/>
-          <a:lstStyle/>
-          <a:p>
-            <a:fld id="{474BD0D7-0D9F-4D34-AE75-DF05F8DD5558}" type="slidenum">
-              <a:rPr lang="fr-FR" smtClean="0"/>
-              <a:pPr/>
-              <a:t>40</a:t>
-            </a:fld>
-            <a:endParaRPr lang="fr-FR"/>
-          </a:p>
-        </p:txBody>
-      </p:sp>
-    </p:spTree>
-    <p:extLst>
-      <p:ext uri="{BB962C8B-B14F-4D97-AF65-F5344CB8AC3E}">
-        <p14:creationId xmlns:p14="http://schemas.microsoft.com/office/powerpoint/2010/main" val="2309861742"/>
-      </p:ext>
-    </p:extLst>
-  </p:cSld>
-  <p:clrMapOvr>
-    <a:masterClrMapping/>
-  </p:clrMapOvr>
-</p:notes>
-</file>
-
-<file path=ppt/notesSlides/notesSlide25.xml><?xml version="1.0" encoding="utf-8"?>
-<p:notes xmlns:a="http://schemas.openxmlformats.org/drawingml/2006/main" xmlns:r="http://schemas.openxmlformats.org/officeDocument/2006/relationships" xmlns:p="http://schemas.openxmlformats.org/presentationml/2006/main">
-  <p:cSld>
-    <p:spTree>
-      <p:nvGrpSpPr>
-        <p:cNvPr id="1" name=""/>
-        <p:cNvGrpSpPr/>
-        <p:nvPr/>
-      </p:nvGrpSpPr>
-      <p:grpSpPr>
-        <a:xfrm>
-          <a:off x="0" y="0"/>
-          <a:ext cx="0" cy="0"/>
-          <a:chOff x="0" y="0"/>
-          <a:chExt cx="0" cy="0"/>
-        </a:xfrm>
-      </p:grpSpPr>
-      <p:sp>
-        <p:nvSpPr>
-          <p:cNvPr id="2" name="Espace réservé de l'image des diapositives 1"/>
-          <p:cNvSpPr>
-            <a:spLocks noGrp="1" noRot="1" noChangeAspect="1"/>
-          </p:cNvSpPr>
-          <p:nvPr>
-            <p:ph type="sldImg"/>
-          </p:nvPr>
-        </p:nvSpPr>
-        <p:spPr/>
-      </p:sp>
-      <p:sp>
-        <p:nvSpPr>
-          <p:cNvPr id="3" name="Espace réservé des commentaires 2"/>
-          <p:cNvSpPr>
-            <a:spLocks noGrp="1"/>
-          </p:cNvSpPr>
-          <p:nvPr>
-            <p:ph type="body" idx="1"/>
-          </p:nvPr>
-        </p:nvSpPr>
-        <p:spPr/>
-        <p:txBody>
-          <a:bodyPr>
-            <a:normAutofit/>
-          </a:bodyPr>
-          <a:lstStyle/>
-          <a:p>
-            <a:pPr marL="228600" indent="-228600">
-              <a:buAutoNum type="arabicParenR"/>
-            </a:pPr>
-            <a:r>
-              <a:rPr lang="fr-FR" dirty="0" smtClean="0"/>
               <a:t>Fusionner</a:t>
             </a:r>
             <a:r>
@@ -4607,7 +4319,7 @@
 </p:notes>
 </file>
 
-<file path=ppt/notesSlides/notesSlide26.xml><?xml version="1.0" encoding="utf-8"?>
+<file path=ppt/notesSlides/notesSlide25.xml><?xml version="1.0" encoding="utf-8"?>
 <p:notes xmlns:a="http://schemas.openxmlformats.org/drawingml/2006/main" xmlns:r="http://schemas.openxmlformats.org/officeDocument/2006/relationships" xmlns:p="http://schemas.openxmlformats.org/presentationml/2006/main">
   <p:cSld>
     <p:spTree>
@@ -5046,12 +4758,65 @@
         </p:nvSpPr>
         <p:spPr/>
         <p:txBody>
-          <a:bodyPr>
-            <a:normAutofit/>
-          </a:bodyPr>
-          <a:lstStyle/>
-          <a:p>
-            <a:endParaRPr lang="fr-FR" dirty="0"/>
+          <a:bodyPr/>
+          <a:lstStyle/>
+          <a:p>
+            <a:r>
+              <a:rPr lang="fr-FR" dirty="0" smtClean="0"/>
+              <a:t>CSV : particulièrement utile pour l’import massif, pour les points avec</a:t>
+            </a:r>
+            <a:r>
+              <a:rPr lang="fr-FR" baseline="0" dirty="0" smtClean="0"/>
+              <a:t> métadonnées</a:t>
+            </a:r>
+          </a:p>
+          <a:p>
+            <a:r>
+              <a:rPr lang="fr-FR" baseline="0" dirty="0" smtClean="0"/>
+              <a:t>TXT : pratique pour point/ligne/surface, avec du style</a:t>
+            </a:r>
+            <a:endParaRPr lang="fr-FR" dirty="0" smtClean="0"/>
+          </a:p>
+          <a:p>
+            <a:endParaRPr lang="fr-FR" baseline="0" dirty="0" smtClean="0"/>
+          </a:p>
+          <a:p>
+            <a:r>
+              <a:rPr lang="fr-FR" baseline="0" dirty="0" smtClean="0"/>
+              <a:t>Pour mieux comprendre les fichiers TXT/CSV, exporter une couche existante</a:t>
+            </a:r>
+          </a:p>
+          <a:p>
+            <a:endParaRPr lang="fr-FR" baseline="0" dirty="0" smtClean="0"/>
+          </a:p>
+          <a:p>
+            <a:r>
+              <a:rPr lang="fr-FR" baseline="0" dirty="0" smtClean="0"/>
+              <a:t>Export TXT : coordonnées </a:t>
+            </a:r>
+            <a:r>
+              <a:rPr lang="fr-FR" baseline="0" dirty="0" err="1" smtClean="0"/>
+              <a:t>Geo</a:t>
+            </a:r>
+            <a:r>
+              <a:rPr lang="fr-FR" baseline="0" dirty="0" smtClean="0"/>
+              <a:t>, MGRS ou ECEF, génère attributs, style, et fichier de projection</a:t>
+            </a:r>
+          </a:p>
+          <a:p>
+            <a:r>
+              <a:rPr lang="fr-FR" baseline="0" dirty="0" smtClean="0"/>
+              <a:t>Export CSV : coordonnées en projection courante, génère attributs, symbole</a:t>
+            </a:r>
+          </a:p>
+          <a:p>
+            <a:endParaRPr lang="fr-FR" baseline="0" dirty="0" smtClean="0"/>
+          </a:p>
+          <a:p>
+            <a:r>
+              <a:rPr lang="fr-FR" baseline="0" dirty="0" smtClean="0"/>
+              <a:t>Si les points n’apparaissent pas ou en décalé : vérifier X/Y ou Y/X, la projection</a:t>
+            </a:r>
           </a:p>
         </p:txBody>
       </p:sp>
@@ -5073,7 +4838,7 @@
             <a:fld id="{474BD0D7-0D9F-4D34-AE75-DF05F8DD5558}" type="slidenum">
               <a:rPr lang="fr-FR" smtClean="0"/>
               <a:pPr/>
-              <a:t>6</a:t>
+              <a:t>13</a:t>
             </a:fld>
             <a:endParaRPr lang="fr-FR"/>
           </a:p>
@@ -5082,7 +4847,7 @@
     </p:spTree>
     <p:extLst>
       <p:ext uri="{BB962C8B-B14F-4D97-AF65-F5344CB8AC3E}">
-        <p14:creationId xmlns:p14="http://schemas.microsoft.com/office/powerpoint/2010/main" val="1421281048"/>
+        <p14:creationId xmlns:p14="http://schemas.microsoft.com/office/powerpoint/2010/main" val="2536020782"/>
       </p:ext>
     </p:extLst>
   </p:cSld>
@@ -5405,7 +5170,7 @@
             <a:fld id="{474BD0D7-0D9F-4D34-AE75-DF05F8DD5558}" type="slidenum">
               <a:rPr lang="fr-FR" smtClean="0"/>
               <a:pPr/>
-              <a:t>13</a:t>
+              <a:t>19</a:t>
             </a:fld>
             <a:endParaRPr lang="fr-FR"/>
           </a:p>
@@ -5468,62 +5233,452 @@
           <a:bodyPr/>
           <a:lstStyle/>
           <a:p>
-            <a:r>
-              <a:rPr lang="fr-FR" dirty="0" smtClean="0"/>
-              <a:t>CSV : particulièrement utile pour l’import massif, pour les points avec</a:t>
-            </a:r>
-            <a:r>
-              <a:rPr lang="fr-FR" baseline="0" dirty="0" smtClean="0"/>
-              <a:t> métadonnées</a:t>
-            </a:r>
-          </a:p>
-          <a:p>
-            <a:r>
-              <a:rPr lang="fr-FR" baseline="0" dirty="0" smtClean="0"/>
-              <a:t>TXT : pratique pour point/ligne/surface, avec du style</a:t>
+            <a:pPr marL="228600" indent="-228600">
+              <a:buAutoNum type="arabicParenR"/>
+            </a:pPr>
+            <a:r>
+              <a:rPr lang="fr-FR" baseline="0" dirty="0" smtClean="0"/>
+              <a:t>Ouvrir alsace2.tif</a:t>
+            </a:r>
+          </a:p>
+          <a:p>
+            <a:pPr marL="685800" marR="0" lvl="1" indent="-228600" algn="l" defTabSz="914400" rtl="0" eaLnBrk="1" fontAlgn="auto" latinLnBrk="0" hangingPunct="1">
+              <a:lnSpc>
+                <a:spcPct val="100000"/>
+              </a:lnSpc>
+              <a:spcBef>
+                <a:spcPts val="0"/>
+              </a:spcBef>
+              <a:spcAft>
+                <a:spcPts val="0"/>
+              </a:spcAft>
+              <a:buClrTx/>
+              <a:buSzTx/>
+              <a:buFontTx/>
+              <a:buAutoNum type="arabicParenR"/>
+              <a:tabLst/>
+              <a:defRPr/>
+            </a:pPr>
+            <a:r>
+              <a:rPr lang="fr-FR" baseline="0" dirty="0" smtClean="0"/>
+              <a:t>Faire glisser le fichier cartes/alsace2.tif</a:t>
+            </a:r>
+          </a:p>
+          <a:p>
+            <a:pPr marL="685800" marR="0" lvl="1" indent="-228600" algn="l" defTabSz="914400" rtl="0" eaLnBrk="1" fontAlgn="auto" latinLnBrk="0" hangingPunct="1">
+              <a:lnSpc>
+                <a:spcPct val="100000"/>
+              </a:lnSpc>
+              <a:spcBef>
+                <a:spcPts val="0"/>
+              </a:spcBef>
+              <a:spcAft>
+                <a:spcPts val="0"/>
+              </a:spcAft>
+              <a:buClrTx/>
+              <a:buSzTx/>
+              <a:buFontTx/>
+              <a:buAutoNum type="arabicParenR"/>
+              <a:tabLst/>
+              <a:defRPr/>
+            </a:pPr>
+            <a:endParaRPr lang="fr-FR" baseline="0" dirty="0" smtClean="0"/>
+          </a:p>
+          <a:p>
+            <a:pPr marL="228600" marR="0" lvl="0" indent="-228600" algn="l" defTabSz="914400" rtl="0" eaLnBrk="1" fontAlgn="auto" latinLnBrk="0" hangingPunct="1">
+              <a:lnSpc>
+                <a:spcPct val="100000"/>
+              </a:lnSpc>
+              <a:spcBef>
+                <a:spcPts val="0"/>
+              </a:spcBef>
+              <a:spcAft>
+                <a:spcPts val="0"/>
+              </a:spcAft>
+              <a:buClrTx/>
+              <a:buSzTx/>
+              <a:buFontTx/>
+              <a:buAutoNum type="arabicParenR"/>
+              <a:tabLst/>
+              <a:defRPr/>
+            </a:pPr>
+            <a:r>
+              <a:rPr lang="fr-FR" baseline="0" dirty="0" smtClean="0"/>
+              <a:t>Importer ORTHO</a:t>
+            </a:r>
+          </a:p>
+          <a:p>
+            <a:pPr marL="685800" marR="0" lvl="1" indent="-228600" algn="l" defTabSz="914400" rtl="0" eaLnBrk="1" fontAlgn="auto" latinLnBrk="0" hangingPunct="1">
+              <a:lnSpc>
+                <a:spcPct val="100000"/>
+              </a:lnSpc>
+              <a:spcBef>
+                <a:spcPts val="0"/>
+              </a:spcBef>
+              <a:spcAft>
+                <a:spcPts val="0"/>
+              </a:spcAft>
+              <a:buClrTx/>
+              <a:buSzTx/>
+              <a:buFontTx/>
+              <a:buAutoNum type="arabicParenR"/>
+              <a:tabLst/>
+              <a:defRPr/>
+            </a:pPr>
+            <a:r>
+              <a:rPr lang="fr-FR" baseline="0" dirty="0" smtClean="0"/>
+              <a:t>fichier -&gt; ouvrir tous les fichiers dans une arborescence</a:t>
+            </a:r>
+          </a:p>
+          <a:p>
+            <a:pPr marL="685800" marR="0" lvl="1" indent="-228600" algn="l" defTabSz="914400" rtl="0" eaLnBrk="1" fontAlgn="auto" latinLnBrk="0" hangingPunct="1">
+              <a:lnSpc>
+                <a:spcPct val="100000"/>
+              </a:lnSpc>
+              <a:spcBef>
+                <a:spcPts val="0"/>
+              </a:spcBef>
+              <a:spcAft>
+                <a:spcPts val="0"/>
+              </a:spcAft>
+              <a:buClrTx/>
+              <a:buSzTx/>
+              <a:buFontTx/>
+              <a:buAutoNum type="arabicParenR"/>
+              <a:tabLst/>
+              <a:defRPr/>
+            </a:pPr>
+            <a:r>
+              <a:rPr lang="fr-FR" baseline="0" dirty="0" smtClean="0"/>
+              <a:t>définir l’extension sur *.ecw</a:t>
+            </a:r>
+          </a:p>
+          <a:p>
+            <a:pPr marL="685800" marR="0" lvl="1" indent="-228600" algn="l" defTabSz="914400" rtl="0" eaLnBrk="1" fontAlgn="auto" latinLnBrk="0" hangingPunct="1">
+              <a:lnSpc>
+                <a:spcPct val="100000"/>
+              </a:lnSpc>
+              <a:spcBef>
+                <a:spcPts val="0"/>
+              </a:spcBef>
+              <a:spcAft>
+                <a:spcPts val="0"/>
+              </a:spcAft>
+              <a:buClrTx/>
+              <a:buSzTx/>
+              <a:buFontTx/>
+              <a:buAutoNum type="arabicParenR"/>
+              <a:tabLst/>
+              <a:defRPr/>
+            </a:pPr>
+            <a:endParaRPr lang="fr-FR" baseline="0" dirty="0" smtClean="0"/>
+          </a:p>
+          <a:p>
+            <a:pPr marL="228600" marR="0" lvl="0" indent="-228600" algn="l" defTabSz="914400" rtl="0" eaLnBrk="1" fontAlgn="auto" latinLnBrk="0" hangingPunct="1">
+              <a:lnSpc>
+                <a:spcPct val="100000"/>
+              </a:lnSpc>
+              <a:spcBef>
+                <a:spcPts val="0"/>
+              </a:spcBef>
+              <a:spcAft>
+                <a:spcPts val="0"/>
+              </a:spcAft>
+              <a:buClrTx/>
+              <a:buSzTx/>
+              <a:buFontTx/>
+              <a:buAutoNum type="arabicParenR"/>
+              <a:tabLst/>
+              <a:defRPr/>
+            </a:pPr>
+            <a:r>
+              <a:rPr lang="fr-FR" baseline="0" dirty="0" smtClean="0"/>
+              <a:t>Importer </a:t>
+            </a:r>
+            <a:r>
+              <a:rPr lang="fr-FR" baseline="0" dirty="0" err="1" smtClean="0"/>
+              <a:t>villes_alsace</a:t>
+            </a:r>
+            <a:endParaRPr lang="fr-FR" baseline="0" dirty="0" smtClean="0"/>
+          </a:p>
+          <a:p>
+            <a:pPr marL="685800" marR="0" lvl="1" indent="-228600" algn="l" defTabSz="914400" rtl="0" eaLnBrk="1" fontAlgn="auto" latinLnBrk="0" hangingPunct="1">
+              <a:lnSpc>
+                <a:spcPct val="100000"/>
+              </a:lnSpc>
+              <a:spcBef>
+                <a:spcPts val="0"/>
+              </a:spcBef>
+              <a:spcAft>
+                <a:spcPts val="0"/>
+              </a:spcAft>
+              <a:buClrTx/>
+              <a:buSzTx/>
+              <a:buFontTx/>
+              <a:buAutoNum type="arabicParenR"/>
+              <a:tabLst/>
+              <a:defRPr/>
+            </a:pPr>
+            <a:r>
+              <a:rPr lang="fr-FR" baseline="0" dirty="0" smtClean="0"/>
+              <a:t>Faire glisser le fichier vecteurs/</a:t>
+            </a:r>
+            <a:r>
+              <a:rPr lang="fr-FR" baseline="0" dirty="0" err="1" smtClean="0"/>
+              <a:t>villes_alsace</a:t>
+            </a:r>
+            <a:r>
+              <a:rPr lang="fr-FR" baseline="0" dirty="0" smtClean="0"/>
+              <a:t>/villes_alsace.shp</a:t>
+            </a:r>
+          </a:p>
+          <a:p>
+            <a:pPr marL="685800" marR="0" lvl="1" indent="-228600" algn="l" defTabSz="914400" rtl="0" eaLnBrk="1" fontAlgn="auto" latinLnBrk="0" hangingPunct="1">
+              <a:lnSpc>
+                <a:spcPct val="100000"/>
+              </a:lnSpc>
+              <a:spcBef>
+                <a:spcPts val="0"/>
+              </a:spcBef>
+              <a:spcAft>
+                <a:spcPts val="0"/>
+              </a:spcAft>
+              <a:buClrTx/>
+              <a:buSzTx/>
+              <a:buFontTx/>
+              <a:buAutoNum type="arabicParenR"/>
+              <a:tabLst/>
+              <a:defRPr/>
+            </a:pPr>
+            <a:endParaRPr lang="fr-FR" baseline="0" dirty="0" smtClean="0"/>
+          </a:p>
+          <a:p>
+            <a:pPr marL="228600" marR="0" lvl="0" indent="-228600" algn="l" defTabSz="914400" rtl="0" eaLnBrk="1" fontAlgn="auto" latinLnBrk="0" hangingPunct="1">
+              <a:lnSpc>
+                <a:spcPct val="100000"/>
+              </a:lnSpc>
+              <a:spcBef>
+                <a:spcPts val="0"/>
+              </a:spcBef>
+              <a:spcAft>
+                <a:spcPts val="0"/>
+              </a:spcAft>
+              <a:buClrTx/>
+              <a:buSzTx/>
+              <a:buFontTx/>
+              <a:buAutoNum type="arabicParenR"/>
+              <a:tabLst/>
+              <a:defRPr/>
+            </a:pPr>
+            <a:r>
+              <a:rPr lang="fr-FR" baseline="0" dirty="0" smtClean="0"/>
+              <a:t>Importer relais.csv</a:t>
+            </a:r>
+          </a:p>
+          <a:p>
+            <a:pPr marL="685800" lvl="1" indent="-228600">
+              <a:buFontTx/>
+              <a:buAutoNum type="arabicParenR"/>
+            </a:pPr>
+            <a:r>
+              <a:rPr lang="fr-FR" dirty="0" smtClean="0"/>
+              <a:t>Point </a:t>
+            </a:r>
+            <a:r>
+              <a:rPr lang="fr-FR" dirty="0" err="1" smtClean="0"/>
+              <a:t>only</a:t>
             </a:r>
             <a:endParaRPr lang="fr-FR" dirty="0" smtClean="0"/>
           </a:p>
           <a:p>
+            <a:pPr marL="685800" lvl="1" indent="-228600">
+              <a:buFontTx/>
+              <a:buAutoNum type="arabicParenR"/>
+            </a:pPr>
+            <a:r>
+              <a:rPr lang="fr-FR" dirty="0" smtClean="0"/>
+              <a:t>Coordonnées</a:t>
+            </a:r>
+            <a:r>
+              <a:rPr lang="fr-FR" baseline="0" dirty="0" smtClean="0"/>
+              <a:t> MGRS</a:t>
+            </a:r>
+          </a:p>
+          <a:p>
+            <a:pPr marL="685800" lvl="1" indent="-228600">
+              <a:buFontTx/>
+              <a:buAutoNum type="arabicParenR"/>
+            </a:pPr>
+            <a:r>
+              <a:rPr lang="fr-FR" baseline="0" dirty="0" err="1" smtClean="0"/>
+              <a:t>Delimiter</a:t>
+            </a:r>
+            <a:r>
+              <a:rPr lang="fr-FR" baseline="0" dirty="0" smtClean="0"/>
+              <a:t> : auto-</a:t>
+            </a:r>
+            <a:r>
+              <a:rPr lang="fr-FR" baseline="0" dirty="0" err="1" smtClean="0"/>
+              <a:t>detect</a:t>
+            </a:r>
+            <a:endParaRPr lang="fr-FR" dirty="0" smtClean="0"/>
+          </a:p>
+          <a:p>
+            <a:pPr marL="685800" lvl="1" indent="-228600">
+              <a:buFontTx/>
+              <a:buAutoNum type="arabicParenR"/>
+            </a:pPr>
+            <a:r>
+              <a:rPr lang="fr-FR" dirty="0" smtClean="0"/>
+              <a:t>Cocher « </a:t>
+            </a:r>
+            <a:r>
+              <a:rPr lang="fr-FR" dirty="0" err="1" smtClean="0"/>
+              <a:t>Include</a:t>
+            </a:r>
+            <a:r>
+              <a:rPr lang="fr-FR" dirty="0" smtClean="0"/>
+              <a:t> </a:t>
+            </a:r>
+            <a:r>
+              <a:rPr lang="fr-FR" dirty="0" err="1" smtClean="0"/>
+              <a:t>attributes</a:t>
+            </a:r>
+            <a:r>
+              <a:rPr lang="fr-FR" dirty="0" smtClean="0"/>
+              <a:t> </a:t>
+            </a:r>
+            <a:r>
+              <a:rPr lang="fr-FR" dirty="0" err="1" smtClean="0"/>
+              <a:t>from</a:t>
+            </a:r>
+            <a:r>
+              <a:rPr lang="fr-FR" dirty="0" smtClean="0"/>
+              <a:t> </a:t>
+            </a:r>
+            <a:r>
+              <a:rPr lang="fr-FR" dirty="0" err="1" smtClean="0"/>
+              <a:t>lines</a:t>
+            </a:r>
+            <a:r>
+              <a:rPr lang="fr-FR" dirty="0" smtClean="0"/>
+              <a:t> » </a:t>
+            </a:r>
+          </a:p>
+          <a:p>
+            <a:pPr marL="685800" lvl="1" indent="-228600">
+              <a:buFontTx/>
+              <a:buAutoNum type="arabicParenR"/>
+            </a:pPr>
+            <a:r>
+              <a:rPr lang="fr-FR" dirty="0" smtClean="0"/>
+              <a:t>Cocher</a:t>
+            </a:r>
+            <a:r>
+              <a:rPr lang="fr-FR" baseline="0" dirty="0" smtClean="0"/>
+              <a:t> </a:t>
+            </a:r>
+            <a:r>
+              <a:rPr lang="fr-FR" dirty="0" smtClean="0"/>
+              <a:t>« </a:t>
+            </a:r>
+            <a:r>
+              <a:rPr lang="fr-FR" dirty="0" err="1" smtClean="0"/>
+              <a:t>Column</a:t>
+            </a:r>
+            <a:r>
+              <a:rPr lang="fr-FR" dirty="0" smtClean="0"/>
+              <a:t> headers in first </a:t>
+            </a:r>
+            <a:r>
+              <a:rPr lang="fr-FR" dirty="0" err="1" smtClean="0"/>
+              <a:t>row</a:t>
+            </a:r>
+            <a:r>
+              <a:rPr lang="fr-FR" dirty="0" smtClean="0"/>
+              <a:t> »</a:t>
+            </a:r>
+          </a:p>
+          <a:p>
+            <a:pPr marL="685800" lvl="1" indent="-228600">
+              <a:buFontTx/>
+              <a:buAutoNum type="arabicParenR"/>
+            </a:pPr>
+            <a:r>
+              <a:rPr lang="fr-FR" dirty="0" smtClean="0"/>
+              <a:t>Décocher « </a:t>
+            </a:r>
+            <a:r>
+              <a:rPr lang="fr-FR" dirty="0" err="1" smtClean="0"/>
+              <a:t>Treat</a:t>
+            </a:r>
+            <a:r>
+              <a:rPr lang="fr-FR" dirty="0" smtClean="0"/>
+              <a:t> 3rd</a:t>
+            </a:r>
+            <a:r>
+              <a:rPr lang="fr-FR" baseline="0" dirty="0" smtClean="0"/>
+              <a:t> </a:t>
+            </a:r>
+            <a:r>
+              <a:rPr lang="fr-FR" baseline="0" dirty="0" err="1" smtClean="0"/>
+              <a:t>coordinate</a:t>
+            </a:r>
+            <a:r>
+              <a:rPr lang="fr-FR" baseline="0" dirty="0" smtClean="0"/>
+              <a:t> value as </a:t>
+            </a:r>
+            <a:r>
+              <a:rPr lang="fr-FR" baseline="0" dirty="0" err="1" smtClean="0"/>
+              <a:t>elevation</a:t>
+            </a:r>
+            <a:r>
+              <a:rPr lang="fr-FR" baseline="0" dirty="0" smtClean="0"/>
+              <a:t> »</a:t>
+            </a:r>
+            <a:endParaRPr lang="fr-FR" dirty="0" smtClean="0"/>
+          </a:p>
+          <a:p>
+            <a:pPr marL="685800" lvl="1" indent="-228600">
+              <a:buFontTx/>
+              <a:buAutoNum type="arabicParenR"/>
+            </a:pPr>
+            <a:r>
+              <a:rPr lang="fr-FR" baseline="0" dirty="0" smtClean="0"/>
+              <a:t>Attribuer le style de point « relais » </a:t>
+            </a:r>
+          </a:p>
+          <a:p>
+            <a:pPr marL="685800" lvl="1" indent="-228600">
+              <a:buFontTx/>
+              <a:buAutoNum type="arabicParenR"/>
+            </a:pPr>
+            <a:r>
+              <a:rPr lang="fr-FR" dirty="0" smtClean="0"/>
+              <a:t>Projection</a:t>
+            </a:r>
+            <a:r>
+              <a:rPr lang="fr-FR" baseline="0" dirty="0" smtClean="0"/>
+              <a:t> = </a:t>
+            </a:r>
+            <a:r>
+              <a:rPr lang="fr-FR" baseline="0" dirty="0" err="1" smtClean="0"/>
+              <a:t>Geographic</a:t>
+            </a:r>
+            <a:r>
+              <a:rPr lang="fr-FR" baseline="0" dirty="0" smtClean="0"/>
+              <a:t>/WGS84</a:t>
+            </a:r>
+            <a:endParaRPr lang="fr-FR" dirty="0" smtClean="0"/>
+          </a:p>
+          <a:p>
+            <a:pPr marL="685800" lvl="1" indent="-228600">
+              <a:buAutoNum type="arabicParenR"/>
+            </a:pPr>
             <a:endParaRPr lang="fr-FR" baseline="0" dirty="0" smtClean="0"/>
           </a:p>
           <a:p>
-            <a:r>
-              <a:rPr lang="fr-FR" baseline="0" dirty="0" smtClean="0"/>
-              <a:t>Pour mieux comprendre les fichiers TXT/CSV, exporter une couche existante</a:t>
-            </a:r>
-          </a:p>
-          <a:p>
             <a:endParaRPr lang="fr-FR" baseline="0" dirty="0" smtClean="0"/>
-          </a:p>
-          <a:p>
-            <a:r>
-              <a:rPr lang="fr-FR" baseline="0" dirty="0" smtClean="0"/>
-              <a:t>Export TXT : coordonnées </a:t>
-            </a:r>
-            <a:r>
-              <a:rPr lang="fr-FR" baseline="0" dirty="0" err="1" smtClean="0"/>
-              <a:t>Geo</a:t>
-            </a:r>
-            <a:r>
-              <a:rPr lang="fr-FR" baseline="0" dirty="0" smtClean="0"/>
-              <a:t>, MGRS ou ECEF, génère attributs, style, et fichier de projection</a:t>
-            </a:r>
-          </a:p>
-          <a:p>
-            <a:r>
-              <a:rPr lang="fr-FR" baseline="0" dirty="0" smtClean="0"/>
-              <a:t>Export CSV : coordonnées en projection courante, génère attributs, symbole</a:t>
-            </a:r>
-          </a:p>
-          <a:p>
-            <a:endParaRPr lang="fr-FR" baseline="0" dirty="0" smtClean="0"/>
-          </a:p>
-          <a:p>
-            <a:r>
-              <a:rPr lang="fr-FR" baseline="0" dirty="0" smtClean="0"/>
-              <a:t>Si les points n’apparaissent pas ou en décalé : vérifier X/Y ou Y/X, la projection</a:t>
-            </a:r>
           </a:p>
         </p:txBody>
       </p:sp>
@@ -5545,7 +5700,7 @@
             <a:fld id="{474BD0D7-0D9F-4D34-AE75-DF05F8DD5558}" type="slidenum">
               <a:rPr lang="fr-FR" smtClean="0"/>
               <a:pPr/>
-              <a:t>14</a:t>
+              <a:t>20</a:t>
             </a:fld>
             <a:endParaRPr lang="fr-FR"/>
           </a:p>
@@ -5554,7 +5709,7 @@
     </p:spTree>
     <p:extLst>
       <p:ext uri="{BB962C8B-B14F-4D97-AF65-F5344CB8AC3E}">
-        <p14:creationId xmlns:p14="http://schemas.microsoft.com/office/powerpoint/2010/main" val="2536020782"/>
+        <p14:creationId xmlns:p14="http://schemas.microsoft.com/office/powerpoint/2010/main" val="3669630892"/>
       </p:ext>
     </p:extLst>
   </p:cSld>
@@ -5612,448 +5767,169 @@
               <a:buAutoNum type="arabicParenR"/>
             </a:pPr>
             <a:r>
-              <a:rPr lang="fr-FR" baseline="0" dirty="0" smtClean="0"/>
-              <a:t>Ouvrir alsace2.tif</a:t>
-            </a:r>
-          </a:p>
-          <a:p>
-            <a:pPr marL="685800" marR="0" lvl="1" indent="-228600" algn="l" defTabSz="914400" rtl="0" eaLnBrk="1" fontAlgn="auto" latinLnBrk="0" hangingPunct="1">
-              <a:lnSpc>
-                <a:spcPct val="100000"/>
-              </a:lnSpc>
-              <a:spcBef>
-                <a:spcPts val="0"/>
-              </a:spcBef>
-              <a:spcAft>
-                <a:spcPts val="0"/>
-              </a:spcAft>
-              <a:buClrTx/>
-              <a:buSzTx/>
-              <a:buFontTx/>
-              <a:buAutoNum type="arabicParenR"/>
-              <a:tabLst/>
-              <a:defRPr/>
-            </a:pPr>
-            <a:r>
-              <a:rPr lang="fr-FR" baseline="0" dirty="0" smtClean="0"/>
-              <a:t>Faire glisser le fichier cartes/alsace2.tif</a:t>
-            </a:r>
-          </a:p>
-          <a:p>
-            <a:pPr marL="685800" marR="0" lvl="1" indent="-228600" algn="l" defTabSz="914400" rtl="0" eaLnBrk="1" fontAlgn="auto" latinLnBrk="0" hangingPunct="1">
-              <a:lnSpc>
-                <a:spcPct val="100000"/>
-              </a:lnSpc>
-              <a:spcBef>
-                <a:spcPts val="0"/>
-              </a:spcBef>
-              <a:spcAft>
-                <a:spcPts val="0"/>
-              </a:spcAft>
-              <a:buClrTx/>
-              <a:buSzTx/>
-              <a:buFontTx/>
-              <a:buAutoNum type="arabicParenR"/>
-              <a:tabLst/>
-              <a:defRPr/>
-            </a:pPr>
-            <a:endParaRPr lang="fr-FR" baseline="0" dirty="0" smtClean="0"/>
-          </a:p>
-          <a:p>
-            <a:pPr marL="228600" marR="0" lvl="0" indent="-228600" algn="l" defTabSz="914400" rtl="0" eaLnBrk="1" fontAlgn="auto" latinLnBrk="0" hangingPunct="1">
-              <a:lnSpc>
-                <a:spcPct val="100000"/>
-              </a:lnSpc>
-              <a:spcBef>
-                <a:spcPts val="0"/>
-              </a:spcBef>
-              <a:spcAft>
-                <a:spcPts val="0"/>
-              </a:spcAft>
-              <a:buClrTx/>
-              <a:buSzTx/>
-              <a:buFontTx/>
-              <a:buAutoNum type="arabicParenR"/>
-              <a:tabLst/>
-              <a:defRPr/>
-            </a:pPr>
-            <a:r>
-              <a:rPr lang="fr-FR" baseline="0" dirty="0" smtClean="0"/>
-              <a:t>Importer ORTHO</a:t>
-            </a:r>
-          </a:p>
-          <a:p>
-            <a:pPr marL="685800" marR="0" lvl="1" indent="-228600" algn="l" defTabSz="914400" rtl="0" eaLnBrk="1" fontAlgn="auto" latinLnBrk="0" hangingPunct="1">
-              <a:lnSpc>
-                <a:spcPct val="100000"/>
-              </a:lnSpc>
-              <a:spcBef>
-                <a:spcPts val="0"/>
-              </a:spcBef>
-              <a:spcAft>
-                <a:spcPts val="0"/>
-              </a:spcAft>
-              <a:buClrTx/>
-              <a:buSzTx/>
-              <a:buFontTx/>
-              <a:buAutoNum type="arabicParenR"/>
-              <a:tabLst/>
-              <a:defRPr/>
-            </a:pPr>
-            <a:r>
-              <a:rPr lang="fr-FR" baseline="0" dirty="0" smtClean="0"/>
-              <a:t>fichier -&gt; ouvrir tous les fichiers dans une arborescence</a:t>
-            </a:r>
-          </a:p>
-          <a:p>
-            <a:pPr marL="685800" marR="0" lvl="1" indent="-228600" algn="l" defTabSz="914400" rtl="0" eaLnBrk="1" fontAlgn="auto" latinLnBrk="0" hangingPunct="1">
-              <a:lnSpc>
-                <a:spcPct val="100000"/>
-              </a:lnSpc>
-              <a:spcBef>
-                <a:spcPts val="0"/>
-              </a:spcBef>
-              <a:spcAft>
-                <a:spcPts val="0"/>
-              </a:spcAft>
-              <a:buClrTx/>
-              <a:buSzTx/>
-              <a:buFontTx/>
-              <a:buAutoNum type="arabicParenR"/>
-              <a:tabLst/>
-              <a:defRPr/>
-            </a:pPr>
-            <a:r>
-              <a:rPr lang="fr-FR" baseline="0" dirty="0" smtClean="0"/>
-              <a:t>définir l’extension sur *.ecw</a:t>
-            </a:r>
-          </a:p>
-          <a:p>
-            <a:pPr marL="685800" marR="0" lvl="1" indent="-228600" algn="l" defTabSz="914400" rtl="0" eaLnBrk="1" fontAlgn="auto" latinLnBrk="0" hangingPunct="1">
-              <a:lnSpc>
-                <a:spcPct val="100000"/>
-              </a:lnSpc>
-              <a:spcBef>
-                <a:spcPts val="0"/>
-              </a:spcBef>
-              <a:spcAft>
-                <a:spcPts val="0"/>
-              </a:spcAft>
-              <a:buClrTx/>
-              <a:buSzTx/>
-              <a:buFontTx/>
-              <a:buAutoNum type="arabicParenR"/>
-              <a:tabLst/>
-              <a:defRPr/>
-            </a:pPr>
-            <a:endParaRPr lang="fr-FR" baseline="0" dirty="0" smtClean="0"/>
-          </a:p>
-          <a:p>
-            <a:pPr marL="228600" marR="0" lvl="0" indent="-228600" algn="l" defTabSz="914400" rtl="0" eaLnBrk="1" fontAlgn="auto" latinLnBrk="0" hangingPunct="1">
-              <a:lnSpc>
-                <a:spcPct val="100000"/>
-              </a:lnSpc>
-              <a:spcBef>
-                <a:spcPts val="0"/>
-              </a:spcBef>
-              <a:spcAft>
-                <a:spcPts val="0"/>
-              </a:spcAft>
-              <a:buClrTx/>
-              <a:buSzTx/>
-              <a:buFontTx/>
-              <a:buAutoNum type="arabicParenR"/>
-              <a:tabLst/>
-              <a:defRPr/>
-            </a:pPr>
-            <a:r>
-              <a:rPr lang="fr-FR" baseline="0" dirty="0" smtClean="0"/>
-              <a:t>Importer </a:t>
+              <a:rPr lang="fr-FR" dirty="0"/>
+              <a:t>Export KMZ</a:t>
+            </a:r>
+          </a:p>
+          <a:p>
+            <a:pPr marL="685800" lvl="1" indent="-228600">
+              <a:buAutoNum type="arabicParenR"/>
+            </a:pPr>
+            <a:r>
+              <a:rPr lang="fr-FR" dirty="0"/>
+              <a:t>Sélectionner la couche</a:t>
+            </a:r>
+          </a:p>
+          <a:p>
+            <a:pPr marL="685800" lvl="1" indent="-228600">
+              <a:buAutoNum type="arabicParenR"/>
+            </a:pPr>
+            <a:r>
+              <a:rPr lang="fr-FR" dirty="0"/>
+              <a:t>Clic droit</a:t>
+            </a:r>
+            <a:r>
+              <a:rPr lang="fr-FR" baseline="0" dirty="0"/>
+              <a:t> -&gt; Couche -&gt; Exporter</a:t>
+            </a:r>
+          </a:p>
+          <a:p>
+            <a:pPr marL="685800" lvl="1" indent="-228600">
+              <a:buAutoNum type="arabicParenR"/>
+            </a:pPr>
+            <a:r>
+              <a:rPr lang="fr-FR" baseline="0" dirty="0"/>
+              <a:t>Choisir le format KML/KMZ (</a:t>
+            </a:r>
+            <a:r>
+              <a:rPr lang="fr-FR" baseline="0" dirty="0" err="1"/>
+              <a:t>vector</a:t>
+            </a:r>
+            <a:r>
+              <a:rPr lang="fr-FR" baseline="0" dirty="0"/>
+              <a:t> data </a:t>
+            </a:r>
+            <a:r>
+              <a:rPr lang="fr-FR" baseline="0" dirty="0" err="1"/>
+              <a:t>only</a:t>
+            </a:r>
+            <a:r>
+              <a:rPr lang="fr-FR" baseline="0" dirty="0"/>
+              <a:t>)</a:t>
+            </a:r>
+          </a:p>
+          <a:p>
+            <a:pPr marL="685800" lvl="1" indent="-228600">
+              <a:buAutoNum type="arabicParenR"/>
+            </a:pPr>
+            <a:endParaRPr lang="fr-FR" baseline="0" dirty="0"/>
+          </a:p>
+          <a:p>
+            <a:pPr marL="228600" lvl="0" indent="-228600">
+              <a:buAutoNum type="arabicParenR"/>
+            </a:pPr>
+            <a:r>
+              <a:rPr lang="fr-FR" baseline="0" dirty="0"/>
+              <a:t>Export </a:t>
+            </a:r>
+            <a:r>
+              <a:rPr lang="fr-FR" baseline="0" dirty="0" smtClean="0"/>
+              <a:t>SHP</a:t>
+            </a:r>
+            <a:endParaRPr lang="fr-FR" baseline="0" dirty="0"/>
+          </a:p>
+          <a:p>
+            <a:pPr marL="685800" lvl="1" indent="-228600">
+              <a:buAutoNum type="arabicParenR"/>
+            </a:pPr>
+            <a:r>
+              <a:rPr lang="fr-FR" dirty="0"/>
+              <a:t>Sélectionner la couche</a:t>
+            </a:r>
+          </a:p>
+          <a:p>
+            <a:pPr marL="685800" lvl="1" indent="-228600">
+              <a:buAutoNum type="arabicParenR"/>
+            </a:pPr>
+            <a:r>
+              <a:rPr lang="fr-FR" dirty="0"/>
+              <a:t>Clic droit</a:t>
+            </a:r>
+            <a:r>
+              <a:rPr lang="fr-FR" baseline="0" dirty="0"/>
+              <a:t> -&gt; Couche -&gt; Exporter</a:t>
+            </a:r>
+          </a:p>
+          <a:p>
+            <a:pPr marL="685800" lvl="1" indent="-228600">
+              <a:buAutoNum type="arabicParenR"/>
+            </a:pPr>
+            <a:r>
+              <a:rPr lang="fr-FR" baseline="0" dirty="0"/>
+              <a:t>Choisir le format </a:t>
             </a:r>
             <a:r>
               <a:rPr lang="fr-FR" baseline="0" dirty="0" err="1" smtClean="0"/>
-              <a:t>villes_alsace</a:t>
-            </a:r>
-            <a:endParaRPr lang="fr-FR" baseline="0" dirty="0" smtClean="0"/>
-          </a:p>
-          <a:p>
-            <a:pPr marL="685800" marR="0" lvl="1" indent="-228600" algn="l" defTabSz="914400" rtl="0" eaLnBrk="1" fontAlgn="auto" latinLnBrk="0" hangingPunct="1">
-              <a:lnSpc>
-                <a:spcPct val="100000"/>
-              </a:lnSpc>
-              <a:spcBef>
-                <a:spcPts val="0"/>
-              </a:spcBef>
-              <a:spcAft>
-                <a:spcPts val="0"/>
-              </a:spcAft>
-              <a:buClrTx/>
-              <a:buSzTx/>
-              <a:buFontTx/>
-              <a:buAutoNum type="arabicParenR"/>
-              <a:tabLst/>
-              <a:defRPr/>
-            </a:pPr>
-            <a:r>
-              <a:rPr lang="fr-FR" baseline="0" dirty="0" smtClean="0"/>
-              <a:t>Faire glisser le fichier vecteurs/</a:t>
-            </a:r>
-            <a:r>
-              <a:rPr lang="fr-FR" baseline="0" dirty="0" err="1" smtClean="0"/>
-              <a:t>villes_alsace</a:t>
-            </a:r>
-            <a:r>
-              <a:rPr lang="fr-FR" baseline="0" dirty="0" smtClean="0"/>
-              <a:t>/villes_alsace.shp</a:t>
-            </a:r>
-          </a:p>
-          <a:p>
-            <a:pPr marL="685800" marR="0" lvl="1" indent="-228600" algn="l" defTabSz="914400" rtl="0" eaLnBrk="1" fontAlgn="auto" latinLnBrk="0" hangingPunct="1">
-              <a:lnSpc>
-                <a:spcPct val="100000"/>
-              </a:lnSpc>
-              <a:spcBef>
-                <a:spcPts val="0"/>
-              </a:spcBef>
-              <a:spcAft>
-                <a:spcPts val="0"/>
-              </a:spcAft>
-              <a:buClrTx/>
-              <a:buSzTx/>
-              <a:buFontTx/>
-              <a:buAutoNum type="arabicParenR"/>
-              <a:tabLst/>
-              <a:defRPr/>
-            </a:pPr>
-            <a:endParaRPr lang="fr-FR" baseline="0" dirty="0" smtClean="0"/>
-          </a:p>
-          <a:p>
-            <a:pPr marL="228600" marR="0" lvl="0" indent="-228600" algn="l" defTabSz="914400" rtl="0" eaLnBrk="1" fontAlgn="auto" latinLnBrk="0" hangingPunct="1">
-              <a:lnSpc>
-                <a:spcPct val="100000"/>
-              </a:lnSpc>
-              <a:spcBef>
-                <a:spcPts val="0"/>
-              </a:spcBef>
-              <a:spcAft>
-                <a:spcPts val="0"/>
-              </a:spcAft>
-              <a:buClrTx/>
-              <a:buSzTx/>
-              <a:buFontTx/>
-              <a:buAutoNum type="arabicParenR"/>
-              <a:tabLst/>
-              <a:defRPr/>
-            </a:pPr>
-            <a:r>
-              <a:rPr lang="fr-FR" baseline="0" dirty="0" smtClean="0"/>
-              <a:t>Importer relais.csv</a:t>
-            </a:r>
+              <a:t>Shapefile</a:t>
+            </a:r>
+            <a:endParaRPr lang="fr-FR" baseline="0" dirty="0"/>
           </a:p>
           <a:p>
             <a:pPr marL="685800" lvl="1" indent="-228600">
-              <a:buFontTx/>
-              <a:buAutoNum type="arabicParenR"/>
-            </a:pPr>
-            <a:r>
-              <a:rPr lang="fr-FR" dirty="0" smtClean="0"/>
-              <a:t>Point </a:t>
-            </a:r>
-            <a:r>
-              <a:rPr lang="fr-FR" dirty="0" err="1" smtClean="0"/>
-              <a:t>only</a:t>
-            </a:r>
-            <a:endParaRPr lang="fr-FR" dirty="0" smtClean="0"/>
+              <a:buAutoNum type="arabicParenR"/>
+            </a:pPr>
+            <a:endParaRPr lang="fr-FR" baseline="0" dirty="0"/>
+          </a:p>
+          <a:p>
+            <a:pPr marL="228600" lvl="0" indent="-228600">
+              <a:buAutoNum type="arabicParenR"/>
+            </a:pPr>
+            <a:r>
+              <a:rPr lang="fr-FR" baseline="0" dirty="0"/>
+              <a:t>Export DTED</a:t>
+            </a:r>
           </a:p>
           <a:p>
             <a:pPr marL="685800" lvl="1" indent="-228600">
-              <a:buFontTx/>
-              <a:buAutoNum type="arabicParenR"/>
-            </a:pPr>
-            <a:r>
-              <a:rPr lang="fr-FR" dirty="0" smtClean="0"/>
-              <a:t>Coordonnées</a:t>
-            </a:r>
-            <a:r>
-              <a:rPr lang="fr-FR" baseline="0" dirty="0" smtClean="0"/>
-              <a:t> MGRS</a:t>
+              <a:buAutoNum type="arabicParenR"/>
+            </a:pPr>
+            <a:r>
+              <a:rPr lang="fr-FR" dirty="0"/>
+              <a:t>Sélectionner la/les couche</a:t>
             </a:r>
           </a:p>
           <a:p>
             <a:pPr marL="685800" lvl="1" indent="-228600">
-              <a:buFontTx/>
-              <a:buAutoNum type="arabicParenR"/>
-            </a:pPr>
-            <a:r>
-              <a:rPr lang="fr-FR" baseline="0" dirty="0" err="1" smtClean="0"/>
-              <a:t>Delimiter</a:t>
-            </a:r>
-            <a:r>
-              <a:rPr lang="fr-FR" baseline="0" dirty="0" smtClean="0"/>
-              <a:t> : auto-</a:t>
-            </a:r>
-            <a:r>
-              <a:rPr lang="fr-FR" baseline="0" dirty="0" err="1" smtClean="0"/>
-              <a:t>detect</a:t>
-            </a:r>
-            <a:endParaRPr lang="fr-FR" dirty="0" smtClean="0"/>
+              <a:buAutoNum type="arabicParenR"/>
+            </a:pPr>
+            <a:r>
+              <a:rPr lang="fr-FR" dirty="0"/>
+              <a:t>Clic droit</a:t>
+            </a:r>
+            <a:r>
+              <a:rPr lang="fr-FR" baseline="0" dirty="0"/>
+              <a:t> -&gt; Couche -&gt; Exporter</a:t>
+            </a:r>
           </a:p>
           <a:p>
             <a:pPr marL="685800" lvl="1" indent="-228600">
-              <a:buFontTx/>
-              <a:buAutoNum type="arabicParenR"/>
-            </a:pPr>
-            <a:r>
-              <a:rPr lang="fr-FR" dirty="0" smtClean="0"/>
-              <a:t>Cocher « </a:t>
-            </a:r>
-            <a:r>
-              <a:rPr lang="fr-FR" dirty="0" err="1" smtClean="0"/>
-              <a:t>Include</a:t>
-            </a:r>
-            <a:r>
-              <a:rPr lang="fr-FR" dirty="0" smtClean="0"/>
-              <a:t> </a:t>
-            </a:r>
-            <a:r>
-              <a:rPr lang="fr-FR" dirty="0" err="1" smtClean="0"/>
-              <a:t>attributes</a:t>
-            </a:r>
-            <a:r>
-              <a:rPr lang="fr-FR" dirty="0" smtClean="0"/>
-              <a:t> </a:t>
-            </a:r>
-            <a:r>
-              <a:rPr lang="fr-FR" dirty="0" err="1" smtClean="0"/>
-              <a:t>from</a:t>
-            </a:r>
-            <a:r>
-              <a:rPr lang="fr-FR" dirty="0" smtClean="0"/>
-              <a:t> </a:t>
-            </a:r>
-            <a:r>
-              <a:rPr lang="fr-FR" dirty="0" err="1" smtClean="0"/>
-              <a:t>lines</a:t>
-            </a:r>
-            <a:r>
-              <a:rPr lang="fr-FR" dirty="0" smtClean="0"/>
-              <a:t> » </a:t>
-            </a:r>
+              <a:buAutoNum type="arabicParenR"/>
+            </a:pPr>
+            <a:r>
+              <a:rPr lang="fr-FR" baseline="0" dirty="0"/>
+              <a:t>Choisir le format </a:t>
+            </a:r>
+            <a:r>
+              <a:rPr lang="fr-FR" baseline="0" dirty="0" err="1"/>
+              <a:t>Geotiff</a:t>
+            </a:r>
+            <a:endParaRPr lang="fr-FR" baseline="0" dirty="0"/>
           </a:p>
           <a:p>
             <a:pPr marL="685800" lvl="1" indent="-228600">
-              <a:buFontTx/>
-              <a:buAutoNum type="arabicParenR"/>
-            </a:pPr>
-            <a:r>
-              <a:rPr lang="fr-FR" dirty="0" smtClean="0"/>
-              <a:t>Cocher</a:t>
-            </a:r>
-            <a:r>
-              <a:rPr lang="fr-FR" baseline="0" dirty="0" smtClean="0"/>
-              <a:t> </a:t>
-            </a:r>
-            <a:r>
-              <a:rPr lang="fr-FR" dirty="0" smtClean="0"/>
-              <a:t>« </a:t>
-            </a:r>
-            <a:r>
-              <a:rPr lang="fr-FR" dirty="0" err="1" smtClean="0"/>
-              <a:t>Column</a:t>
-            </a:r>
-            <a:r>
-              <a:rPr lang="fr-FR" dirty="0" smtClean="0"/>
-              <a:t> headers in first </a:t>
-            </a:r>
-            <a:r>
-              <a:rPr lang="fr-FR" dirty="0" err="1" smtClean="0"/>
-              <a:t>row</a:t>
-            </a:r>
-            <a:r>
-              <a:rPr lang="fr-FR" dirty="0" smtClean="0"/>
-              <a:t> »</a:t>
-            </a:r>
-          </a:p>
-          <a:p>
-            <a:pPr marL="685800" lvl="1" indent="-228600">
-              <a:buFontTx/>
-              <a:buAutoNum type="arabicParenR"/>
-            </a:pPr>
-            <a:r>
-              <a:rPr lang="fr-FR" dirty="0" smtClean="0"/>
-              <a:t>Décocher « </a:t>
-            </a:r>
-            <a:r>
-              <a:rPr lang="fr-FR" dirty="0" err="1" smtClean="0"/>
-              <a:t>Treat</a:t>
-            </a:r>
-            <a:r>
-              <a:rPr lang="fr-FR" dirty="0" smtClean="0"/>
-              <a:t> 3rd</a:t>
-            </a:r>
-            <a:r>
-              <a:rPr lang="fr-FR" baseline="0" dirty="0" smtClean="0"/>
-              <a:t> </a:t>
-            </a:r>
-            <a:r>
-              <a:rPr lang="fr-FR" baseline="0" dirty="0" err="1" smtClean="0"/>
-              <a:t>coordinate</a:t>
-            </a:r>
-            <a:r>
-              <a:rPr lang="fr-FR" baseline="0" dirty="0" smtClean="0"/>
-              <a:t> value as </a:t>
-            </a:r>
-            <a:r>
-              <a:rPr lang="fr-FR" baseline="0" dirty="0" err="1" smtClean="0"/>
-              <a:t>elevation</a:t>
-            </a:r>
-            <a:r>
-              <a:rPr lang="fr-FR" baseline="0" dirty="0" smtClean="0"/>
-              <a:t> »</a:t>
-            </a:r>
-            <a:endParaRPr lang="fr-FR" dirty="0" smtClean="0"/>
-          </a:p>
-          <a:p>
-            <a:pPr marL="685800" lvl="1" indent="-228600">
-              <a:buFontTx/>
-              <a:buAutoNum type="arabicParenR"/>
-            </a:pPr>
-            <a:r>
-              <a:rPr lang="fr-FR" baseline="0" dirty="0" smtClean="0"/>
-              <a:t>Attribuer le style de point « relais » </a:t>
-            </a:r>
-          </a:p>
-          <a:p>
-            <a:pPr marL="685800" lvl="1" indent="-228600">
-              <a:buFontTx/>
-              <a:buAutoNum type="arabicParenR"/>
-            </a:pPr>
-            <a:r>
-              <a:rPr lang="fr-FR" dirty="0" smtClean="0"/>
-              <a:t>Projection</a:t>
-            </a:r>
-            <a:r>
-              <a:rPr lang="fr-FR" baseline="0" dirty="0" smtClean="0"/>
-              <a:t> = </a:t>
-            </a:r>
-            <a:r>
-              <a:rPr lang="fr-FR" baseline="0" dirty="0" err="1" smtClean="0"/>
-              <a:t>Geographic</a:t>
-            </a:r>
-            <a:r>
-              <a:rPr lang="fr-FR" baseline="0" dirty="0" smtClean="0"/>
-              <a:t>/WGS84</a:t>
-            </a:r>
-            <a:endParaRPr lang="fr-FR" dirty="0" smtClean="0"/>
-          </a:p>
-          <a:p>
-            <a:pPr marL="685800" lvl="1" indent="-228600">
-              <a:buAutoNum type="arabicParenR"/>
-            </a:pPr>
-            <a:endParaRPr lang="fr-FR" baseline="0" dirty="0" smtClean="0"/>
-          </a:p>
-          <a:p>
-            <a:endParaRPr lang="fr-FR" baseline="0" dirty="0" smtClean="0"/>
+              <a:buNone/>
+            </a:pPr>
+            <a:endParaRPr lang="fr-FR" baseline="0" dirty="0"/>
           </a:p>
         </p:txBody>
       </p:sp>
@@ -6075,7 +5951,7 @@
             <a:fld id="{474BD0D7-0D9F-4D34-AE75-DF05F8DD5558}" type="slidenum">
               <a:rPr lang="fr-FR" smtClean="0"/>
               <a:pPr/>
-              <a:t>20</a:t>
+              <a:t>21</a:t>
             </a:fld>
             <a:endParaRPr lang="fr-FR"/>
           </a:p>
@@ -6084,7 +5960,7 @@
     </p:spTree>
     <p:extLst>
       <p:ext uri="{BB962C8B-B14F-4D97-AF65-F5344CB8AC3E}">
-        <p14:creationId xmlns:p14="http://schemas.microsoft.com/office/powerpoint/2010/main" val="3669630892"/>
+        <p14:creationId xmlns:p14="http://schemas.microsoft.com/office/powerpoint/2010/main" val="3833848508"/>
       </p:ext>
     </p:extLst>
   </p:cSld>
@@ -6142,8 +6018,8 @@
               <a:buAutoNum type="arabicParenR"/>
             </a:pPr>
             <a:r>
-              <a:rPr lang="fr-FR" dirty="0"/>
-              <a:t>Export KMZ</a:t>
+              <a:rPr lang="fr-FR" baseline="0" dirty="0" smtClean="0"/>
+              <a:t>Créer un catalogue</a:t>
             </a:r>
           </a:p>
           <a:p>
@@ -6151,21 +6027,38 @@
               <a:buAutoNum type="arabicParenR"/>
             </a:pPr>
             <a:r>
-              <a:rPr lang="fr-FR" dirty="0"/>
-              <a:t>Sélectionner la couche</a:t>
-            </a:r>
+              <a:rPr lang="fr-FR" baseline="0" dirty="0" smtClean="0"/>
+              <a:t>Menu File -&gt; </a:t>
+            </a:r>
+            <a:r>
+              <a:rPr lang="fr-FR" baseline="0" dirty="0" err="1" smtClean="0"/>
+              <a:t>Create</a:t>
+            </a:r>
+            <a:r>
+              <a:rPr lang="fr-FR" baseline="0" dirty="0" smtClean="0"/>
+              <a:t> New </a:t>
+            </a:r>
+            <a:r>
+              <a:rPr lang="fr-FR" baseline="0" dirty="0" err="1" smtClean="0"/>
+              <a:t>Map</a:t>
+            </a:r>
+            <a:r>
+              <a:rPr lang="fr-FR" baseline="0" dirty="0" smtClean="0"/>
+              <a:t> </a:t>
+            </a:r>
+            <a:r>
+              <a:rPr lang="fr-FR" baseline="0" dirty="0" err="1" smtClean="0"/>
+              <a:t>Catalog</a:t>
+            </a:r>
+            <a:endParaRPr lang="fr-FR" baseline="0" dirty="0" smtClean="0"/>
           </a:p>
           <a:p>
             <a:pPr marL="685800" lvl="1" indent="-228600">
               <a:buAutoNum type="arabicParenR"/>
             </a:pPr>
             <a:r>
-              <a:rPr lang="fr-FR" dirty="0"/>
-              <a:t>Clic droit</a:t>
-            </a:r>
-            <a:r>
-              <a:rPr lang="fr-FR" baseline="0" dirty="0"/>
-              <a:t> -&gt; Couche -&gt; Exporter</a:t>
+              <a:rPr lang="fr-FR" baseline="0" dirty="0" smtClean="0"/>
+              <a:t>Sélectionner les fichiers/dossiers de cartes à inclure</a:t>
             </a:r>
           </a:p>
           <a:p>
@@ -6173,138 +6066,61 @@
               <a:buAutoNum type="arabicParenR"/>
             </a:pPr>
             <a:r>
-              <a:rPr lang="fr-FR" baseline="0" dirty="0"/>
-              <a:t>Choisir le format KML/KMZ (</a:t>
-            </a:r>
-            <a:r>
-              <a:rPr lang="fr-FR" baseline="0" dirty="0" err="1"/>
-              <a:t>vector</a:t>
-            </a:r>
-            <a:r>
-              <a:rPr lang="fr-FR" baseline="0" dirty="0"/>
-              <a:t> data </a:t>
-            </a:r>
-            <a:r>
-              <a:rPr lang="fr-FR" baseline="0" dirty="0" err="1"/>
-              <a:t>only</a:t>
-            </a:r>
-            <a:r>
-              <a:rPr lang="fr-FR" baseline="0" dirty="0"/>
-              <a:t>)</a:t>
+              <a:rPr lang="fr-FR" baseline="0" dirty="0" smtClean="0"/>
+              <a:t>Choisir à quel moment afficher la carte</a:t>
+            </a:r>
+          </a:p>
+          <a:p>
+            <a:pPr marL="228600" lvl="0" indent="-228600">
+              <a:buAutoNum type="arabicParenR"/>
+            </a:pPr>
+            <a:endParaRPr lang="fr-FR" baseline="0" dirty="0" smtClean="0"/>
+          </a:p>
+          <a:p>
+            <a:pPr marL="228600" lvl="0" indent="-228600">
+              <a:buAutoNum type="arabicParenR"/>
+            </a:pPr>
+            <a:r>
+              <a:rPr lang="fr-FR" baseline="0" dirty="0" smtClean="0"/>
+              <a:t>Importer un catalogue</a:t>
             </a:r>
           </a:p>
           <a:p>
             <a:pPr marL="685800" lvl="1" indent="-228600">
               <a:buAutoNum type="arabicParenR"/>
             </a:pPr>
-            <a:endParaRPr lang="fr-FR" baseline="0" dirty="0"/>
+            <a:r>
+              <a:rPr lang="fr-FR" baseline="0" dirty="0" smtClean="0"/>
+              <a:t>Faire glisser le fichier </a:t>
+            </a:r>
+            <a:r>
+              <a:rPr lang="fr-FR" baseline="0" dirty="0" err="1" smtClean="0"/>
+              <a:t>gmc</a:t>
+            </a:r>
+            <a:endParaRPr lang="fr-FR" baseline="0" dirty="0" smtClean="0"/>
+          </a:p>
+          <a:p>
+            <a:pPr marL="685800" lvl="1" indent="-228600">
+              <a:buAutoNum type="arabicParenR"/>
+            </a:pPr>
+            <a:r>
+              <a:rPr lang="fr-FR" baseline="0" dirty="0" smtClean="0"/>
+              <a:t>Selon le réglage lors de la création, zoomer pour voir la </a:t>
+            </a:r>
+            <a:r>
+              <a:rPr lang="fr-FR" baseline="0" dirty="0" err="1" smtClean="0"/>
+              <a:t>carto</a:t>
+            </a:r>
+            <a:r>
+              <a:rPr lang="fr-FR" baseline="0" dirty="0" smtClean="0"/>
+              <a:t> s’afficher</a:t>
+            </a:r>
           </a:p>
           <a:p>
             <a:pPr marL="228600" lvl="0" indent="-228600">
               <a:buAutoNum type="arabicParenR"/>
             </a:pPr>
-            <a:r>
-              <a:rPr lang="fr-FR" baseline="0" dirty="0"/>
-              <a:t>Export </a:t>
-            </a:r>
-            <a:r>
-              <a:rPr lang="fr-FR" baseline="0" dirty="0" smtClean="0"/>
-              <a:t>SHP</a:t>
-            </a:r>
-            <a:endParaRPr lang="fr-FR" baseline="0" dirty="0"/>
-          </a:p>
-          <a:p>
-            <a:pPr marL="685800" lvl="1" indent="-228600">
-              <a:buAutoNum type="arabicParenR"/>
-            </a:pPr>
-            <a:r>
-              <a:rPr lang="fr-FR" dirty="0"/>
-              <a:t>Sélectionner la couche</a:t>
-            </a:r>
-          </a:p>
-          <a:p>
-            <a:pPr marL="685800" lvl="1" indent="-228600">
-              <a:buAutoNum type="arabicParenR"/>
-            </a:pPr>
-            <a:r>
-              <a:rPr lang="fr-FR" dirty="0"/>
-              <a:t>Clic droit</a:t>
-            </a:r>
-            <a:r>
-              <a:rPr lang="fr-FR" baseline="0" dirty="0"/>
-              <a:t> -&gt; Couche -&gt; Exporter</a:t>
-            </a:r>
-          </a:p>
-          <a:p>
-            <a:pPr marL="685800" lvl="1" indent="-228600">
-              <a:buAutoNum type="arabicParenR"/>
-            </a:pPr>
-            <a:r>
-              <a:rPr lang="fr-FR" baseline="0" dirty="0"/>
-              <a:t>Choisir le format </a:t>
-            </a:r>
-            <a:r>
-              <a:rPr lang="fr-FR" baseline="0" dirty="0" err="1" smtClean="0"/>
-              <a:t>Shapefile</a:t>
-            </a:r>
-            <a:endParaRPr lang="fr-FR" baseline="0" dirty="0"/>
-          </a:p>
-          <a:p>
-            <a:pPr marL="685800" lvl="1" indent="-228600">
-              <a:buAutoNum type="arabicParenR"/>
-            </a:pPr>
-            <a:endParaRPr lang="fr-FR" baseline="0" dirty="0"/>
-          </a:p>
-          <a:p>
-            <a:pPr marL="228600" lvl="0" indent="-228600">
-              <a:buAutoNum type="arabicParenR"/>
-            </a:pPr>
-            <a:r>
-              <a:rPr lang="fr-FR" baseline="0" dirty="0"/>
-              <a:t>Export DTED</a:t>
-            </a:r>
-          </a:p>
-          <a:p>
-            <a:pPr marL="685800" lvl="1" indent="-228600">
-              <a:buAutoNum type="arabicParenR"/>
-            </a:pPr>
-            <a:r>
-              <a:rPr lang="fr-FR" dirty="0"/>
-              <a:t>Sélectionner la/les couche</a:t>
-            </a:r>
-          </a:p>
-          <a:p>
-            <a:pPr marL="685800" lvl="1" indent="-228600">
-              <a:buAutoNum type="arabicParenR"/>
-            </a:pPr>
-            <a:r>
-              <a:rPr lang="fr-FR" dirty="0"/>
-              <a:t>Clic droit</a:t>
-            </a:r>
-            <a:r>
-              <a:rPr lang="fr-FR" baseline="0" dirty="0"/>
-              <a:t> -&gt; Couche -&gt; Exporter</a:t>
-            </a:r>
-          </a:p>
-          <a:p>
-            <a:pPr marL="685800" lvl="1" indent="-228600">
-              <a:buAutoNum type="arabicParenR"/>
-            </a:pPr>
-            <a:r>
-              <a:rPr lang="fr-FR" baseline="0" dirty="0"/>
-              <a:t>Choisir le format </a:t>
-            </a:r>
-            <a:r>
-              <a:rPr lang="fr-FR" baseline="0" dirty="0" err="1"/>
-              <a:t>Geotiff</a:t>
-            </a:r>
-            <a:endParaRPr lang="fr-FR" baseline="0" dirty="0"/>
-          </a:p>
-          <a:p>
-            <a:pPr marL="685800" lvl="1" indent="-228600">
-              <a:buNone/>
-            </a:pPr>
-            <a:endParaRPr lang="fr-FR" baseline="0" dirty="0"/>
+            <a:endParaRPr lang="fr-FR" baseline="0" dirty="0" smtClean="0"/>
           </a:p>
         </p:txBody>
       </p:sp>
@@ -6326,7 +6142,7 @@
             <a:fld id="{474BD0D7-0D9F-4D34-AE75-DF05F8DD5558}" type="slidenum">
               <a:rPr lang="fr-FR" smtClean="0"/>
               <a:pPr/>
-              <a:t>21</a:t>
+              <a:t>22</a:t>
             </a:fld>
             <a:endParaRPr lang="fr-FR"/>
           </a:p>
@@ -6335,7 +6151,7 @@
     </p:spTree>
     <p:extLst>
       <p:ext uri="{BB962C8B-B14F-4D97-AF65-F5344CB8AC3E}">
-        <p14:creationId xmlns:p14="http://schemas.microsoft.com/office/powerpoint/2010/main" val="3833848508"/>
+        <p14:creationId xmlns:p14="http://schemas.microsoft.com/office/powerpoint/2010/main" val="430516259"/>
       </p:ext>
     </p:extLst>
   </p:cSld>
@@ -6393,8 +6209,8 @@
               <a:buAutoNum type="arabicParenR"/>
             </a:pPr>
             <a:r>
-              <a:rPr lang="fr-FR" baseline="0" dirty="0" smtClean="0"/>
-              <a:t>Créer un catalogue</a:t>
+              <a:rPr lang="fr-FR" dirty="0"/>
+              <a:t>Retirer la couleur de fond</a:t>
             </a:r>
           </a:p>
           <a:p>
@@ -6402,28 +6218,228 @@
               <a:buAutoNum type="arabicParenR"/>
             </a:pPr>
             <a:r>
-              <a:rPr lang="fr-FR" baseline="0" dirty="0" smtClean="0"/>
-              <a:t>Menu File -&gt; </a:t>
+              <a:rPr lang="fr-FR" dirty="0"/>
+              <a:t>Sur</a:t>
+            </a:r>
+            <a:r>
+              <a:rPr lang="fr-FR" baseline="0" dirty="0"/>
+              <a:t> la couche, clic droit -&gt; Options</a:t>
+            </a:r>
+          </a:p>
+          <a:p>
+            <a:pPr marL="685800" lvl="1" indent="-228600">
+              <a:buAutoNum type="arabicParenR"/>
+            </a:pPr>
+            <a:r>
+              <a:rPr lang="fr-FR" baseline="0" dirty="0"/>
+              <a:t>Dans l’onglet « display », cocher « transparent » et sélectionner la couleur</a:t>
+            </a:r>
+          </a:p>
+          <a:p>
+            <a:pPr marL="685800" lvl="1" indent="-228600">
+              <a:buAutoNum type="arabicParenR"/>
+            </a:pPr>
+            <a:r>
+              <a:rPr lang="fr-FR" baseline="0" dirty="0"/>
+              <a:t>Si nécessaire, augmenter la tolérance de couleur de transparence</a:t>
+            </a:r>
+          </a:p>
+          <a:p>
+            <a:pPr marL="228600" lvl="0" indent="-228600">
+              <a:buNone/>
+            </a:pPr>
+            <a:endParaRPr lang="fr-FR" baseline="0" dirty="0" smtClean="0"/>
+          </a:p>
+          <a:p>
+            <a:pPr marL="228600" lvl="0" indent="-228600">
+              <a:buAutoNum type="arabicParenR"/>
+            </a:pPr>
+            <a:r>
+              <a:rPr lang="fr-FR" baseline="0" dirty="0" smtClean="0"/>
+              <a:t>Exporter une coupe de la ville</a:t>
+            </a:r>
+          </a:p>
+          <a:p>
+            <a:pPr marL="685800" marR="0" lvl="1" indent="-228600" algn="l" defTabSz="914400" rtl="0" eaLnBrk="1" fontAlgn="auto" latinLnBrk="0" hangingPunct="1">
+              <a:lnSpc>
+                <a:spcPct val="100000"/>
+              </a:lnSpc>
+              <a:spcBef>
+                <a:spcPts val="0"/>
+              </a:spcBef>
+              <a:spcAft>
+                <a:spcPts val="0"/>
+              </a:spcAft>
+              <a:buClrTx/>
+              <a:buSzTx/>
+              <a:buFontTx/>
+              <a:buAutoNum type="arabicParenR"/>
+              <a:tabLst/>
+              <a:defRPr/>
+            </a:pPr>
+            <a:r>
+              <a:rPr lang="fr-FR" dirty="0" smtClean="0"/>
+              <a:t>Sur</a:t>
+            </a:r>
+            <a:r>
+              <a:rPr lang="fr-FR" baseline="0" dirty="0" smtClean="0"/>
+              <a:t> la couche, clic droit -&gt; Layer -&gt; Export</a:t>
+            </a:r>
+          </a:p>
+          <a:p>
+            <a:pPr marL="685800" marR="0" lvl="1" indent="-228600" algn="l" defTabSz="914400" rtl="0" eaLnBrk="1" fontAlgn="auto" latinLnBrk="0" hangingPunct="1">
+              <a:lnSpc>
+                <a:spcPct val="100000"/>
+              </a:lnSpc>
+              <a:spcBef>
+                <a:spcPts val="0"/>
+              </a:spcBef>
+              <a:spcAft>
+                <a:spcPts val="0"/>
+              </a:spcAft>
+              <a:buClrTx/>
+              <a:buSzTx/>
+              <a:buFontTx/>
+              <a:buAutoNum type="arabicParenR"/>
+              <a:tabLst/>
+              <a:defRPr/>
+            </a:pPr>
+            <a:r>
+              <a:rPr lang="fr-FR" baseline="0" dirty="0" smtClean="0"/>
+              <a:t>Dans l’onglet « Export </a:t>
             </a:r>
             <a:r>
               <a:rPr lang="fr-FR" baseline="0" dirty="0" err="1" smtClean="0"/>
-              <a:t>Create</a:t>
-            </a:r>
-            <a:r>
-              <a:rPr lang="fr-FR" baseline="0" dirty="0" smtClean="0"/>
-              <a:t> New </a:t>
+              <a:t>bounds</a:t>
+            </a:r>
+            <a:r>
+              <a:rPr lang="fr-FR" baseline="0" dirty="0" smtClean="0"/>
+              <a:t> », choisir « </a:t>
             </a:r>
             <a:r>
               <a:rPr lang="fr-FR" baseline="0" dirty="0" err="1" smtClean="0"/>
-              <a:t>Map</a:t>
+              <a:t>draw</a:t>
+            </a:r>
+            <a:r>
+              <a:rPr lang="fr-FR" baseline="0" dirty="0" smtClean="0"/>
+              <a:t> a box »</a:t>
+            </a:r>
+          </a:p>
+          <a:p>
+            <a:pPr marL="685800" marR="0" lvl="1" indent="-228600" algn="l" defTabSz="914400" rtl="0" eaLnBrk="1" fontAlgn="auto" latinLnBrk="0" hangingPunct="1">
+              <a:lnSpc>
+                <a:spcPct val="100000"/>
+              </a:lnSpc>
+              <a:spcBef>
+                <a:spcPts val="0"/>
+              </a:spcBef>
+              <a:spcAft>
+                <a:spcPts val="0"/>
+              </a:spcAft>
+              <a:buClrTx/>
+              <a:buSzTx/>
+              <a:buFontTx/>
+              <a:buAutoNum type="arabicParenR"/>
+              <a:tabLst/>
+              <a:defRPr/>
+            </a:pPr>
+            <a:endParaRPr lang="fr-FR" baseline="0" dirty="0" smtClean="0"/>
+          </a:p>
+          <a:p>
+            <a:pPr marL="685800" marR="0" lvl="1" indent="-228600" algn="l" defTabSz="914400" rtl="0" eaLnBrk="1" fontAlgn="auto" latinLnBrk="0" hangingPunct="1">
+              <a:lnSpc>
+                <a:spcPct val="100000"/>
+              </a:lnSpc>
+              <a:spcBef>
+                <a:spcPts val="0"/>
+              </a:spcBef>
+              <a:spcAft>
+                <a:spcPts val="0"/>
+              </a:spcAft>
+              <a:buClrTx/>
+              <a:buSzTx/>
+              <a:buFontTx/>
+              <a:buAutoNum type="arabicParenR"/>
+              <a:tabLst/>
+              <a:defRPr/>
+            </a:pPr>
+            <a:r>
+              <a:rPr lang="fr-FR" baseline="0" dirty="0" smtClean="0"/>
+              <a:t>2</a:t>
+            </a:r>
+            <a:r>
+              <a:rPr lang="fr-FR" baseline="30000" dirty="0" smtClean="0"/>
+              <a:t>e</a:t>
+            </a:r>
+            <a:r>
+              <a:rPr lang="fr-FR" baseline="0" dirty="0" smtClean="0"/>
+              <a:t> option :</a:t>
+            </a:r>
+          </a:p>
+          <a:p>
+            <a:pPr marL="685800" lvl="1" indent="-228600">
+              <a:buAutoNum type="arabicParenR"/>
+            </a:pPr>
+            <a:r>
+              <a:rPr lang="fr-FR" dirty="0" smtClean="0"/>
+              <a:t>Tracer une</a:t>
+            </a:r>
+            <a:r>
+              <a:rPr lang="fr-FR" baseline="0" dirty="0" smtClean="0"/>
+              <a:t> surface couvrant la ville</a:t>
+            </a:r>
+          </a:p>
+          <a:p>
+            <a:pPr marL="685800" lvl="1" indent="-228600">
+              <a:buAutoNum type="arabicParenR"/>
+            </a:pPr>
+            <a:r>
+              <a:rPr lang="fr-FR" baseline="0" dirty="0" smtClean="0"/>
+              <a:t>Avec le numériseur, sélectionner la surface</a:t>
+            </a:r>
+            <a:endParaRPr lang="fr-FR" dirty="0" smtClean="0"/>
+          </a:p>
+          <a:p>
+            <a:pPr marL="685800" lvl="1" indent="-228600">
+              <a:buAutoNum type="arabicParenR"/>
+            </a:pPr>
+            <a:r>
+              <a:rPr lang="fr-FR" dirty="0" smtClean="0"/>
+              <a:t>Sélectionner la/les</a:t>
             </a:r>
             <a:r>
               <a:rPr lang="fr-FR" baseline="0" dirty="0" smtClean="0"/>
               <a:t> </a:t>
             </a:r>
             <a:r>
+              <a:rPr lang="fr-FR" dirty="0" smtClean="0"/>
+              <a:t>couches</a:t>
+            </a:r>
+          </a:p>
+          <a:p>
+            <a:pPr marL="685800" lvl="1" indent="-228600">
+              <a:buAutoNum type="arabicParenR"/>
+            </a:pPr>
+            <a:r>
+              <a:rPr lang="fr-FR" dirty="0" smtClean="0"/>
+              <a:t>Clic droit</a:t>
+            </a:r>
+            <a:r>
+              <a:rPr lang="fr-FR" baseline="0" dirty="0" smtClean="0"/>
+              <a:t> -&gt; Couche -&gt; Exporter</a:t>
+            </a:r>
+          </a:p>
+          <a:p>
+            <a:pPr marL="685800" lvl="1" indent="-228600">
+              <a:buAutoNum type="arabicParenR"/>
+            </a:pPr>
+            <a:r>
+              <a:rPr lang="fr-FR" baseline="0" dirty="0" smtClean="0"/>
+              <a:t>Choisir le format </a:t>
+            </a:r>
+            <a:r>
               <a:rPr lang="fr-FR" baseline="0" dirty="0" err="1" smtClean="0"/>
-              <a:t>Catalog</a:t>
+              <a:t>Geotiff</a:t>
             </a:r>
             <a:endParaRPr lang="fr-FR" baseline="0" dirty="0" smtClean="0"/>
           </a:p>
@@ -6433,31 +6449,34 @@
             </a:pPr>
             <a:r>
               <a:rPr lang="fr-FR" baseline="0" dirty="0" smtClean="0"/>
-              <a:t>Sélectionner les fichiers/dossiers de cartes à inclure</a:t>
+              <a:t>Dans l’onglet « Export </a:t>
+            </a:r>
+            <a:r>
+              <a:rPr lang="fr-FR" baseline="0" dirty="0" err="1" smtClean="0"/>
+              <a:t>bound</a:t>
+            </a:r>
+            <a:r>
+              <a:rPr lang="fr-FR" baseline="0" dirty="0" smtClean="0"/>
+              <a:t> », choisir de rogner selon la surface sélectionnée</a:t>
             </a:r>
           </a:p>
           <a:p>
             <a:pPr marL="685800" lvl="1" indent="-228600">
               <a:buAutoNum type="arabicParenR"/>
             </a:pPr>
-            <a:r>
-              <a:rPr lang="fr-FR" baseline="0" dirty="0" smtClean="0"/>
-              <a:t>Choisir à quel moment afficher la carte</a:t>
-            </a:r>
+            <a:endParaRPr lang="fr-FR" baseline="0" dirty="0" smtClean="0"/>
           </a:p>
           <a:p>
             <a:pPr marL="228600" lvl="0" indent="-228600">
               <a:buAutoNum type="arabicParenR"/>
             </a:pPr>
-            <a:endParaRPr lang="fr-FR" baseline="0" dirty="0" smtClean="0"/>
-          </a:p>
-          <a:p>
-            <a:pPr marL="228600" lvl="0" indent="-228600">
-              <a:buAutoNum type="arabicParenR"/>
-            </a:pPr>
-            <a:r>
-              <a:rPr lang="fr-FR" baseline="0" dirty="0" smtClean="0"/>
-              <a:t>Importer un catalogue</a:t>
+            <a:r>
+              <a:rPr lang="fr-FR" baseline="0" dirty="0" smtClean="0"/>
+              <a:t>Importer </a:t>
+            </a:r>
+            <a:r>
+              <a:rPr lang="fr-FR" baseline="0" dirty="0"/>
+              <a:t>l’image</a:t>
             </a:r>
           </a:p>
           <a:p>
@@ -6465,37 +6484,18 @@
               <a:buAutoNum type="arabicParenR"/>
             </a:pPr>
             <a:r>
-              <a:rPr lang="fr-FR" baseline="0" dirty="0" smtClean="0"/>
-              <a:t>Faire glisser le fichier </a:t>
-            </a:r>
-            <a:r>
-              <a:rPr lang="fr-FR" baseline="0" dirty="0" err="1" smtClean="0"/>
-              <a:t>gmc</a:t>
-            </a:r>
-            <a:endParaRPr lang="fr-FR" baseline="0" dirty="0" smtClean="0"/>
+              <a:rPr lang="fr-FR" baseline="0" dirty="0"/>
+              <a:t>Rectifier manuellement l’image</a:t>
+            </a:r>
           </a:p>
           <a:p>
             <a:pPr marL="685800" lvl="1" indent="-228600">
               <a:buAutoNum type="arabicParenR"/>
             </a:pPr>
             <a:r>
-              <a:rPr lang="fr-FR" baseline="0" dirty="0" smtClean="0"/>
-              <a:t>Selon le réglage lors de la création, zoomer pour voir la </a:t>
-            </a:r>
-            <a:r>
-              <a:rPr lang="fr-FR" baseline="0" dirty="0" err="1" smtClean="0"/>
-              <a:t>carto</a:t>
-            </a:r>
-            <a:r>
-              <a:rPr lang="fr-FR" baseline="0" dirty="0" smtClean="0"/>
-              <a:t> s’afficher</a:t>
-            </a:r>
-          </a:p>
-          <a:p>
-            <a:pPr marL="228600" lvl="0" indent="-228600">
-              <a:buAutoNum type="arabicParenR"/>
-            </a:pPr>
-            <a:endParaRPr lang="fr-FR" baseline="0" dirty="0" smtClean="0"/>
+              <a:rPr lang="fr-FR" baseline="0" dirty="0"/>
+              <a:t>Placer une dizaine de points et valider</a:t>
+            </a:r>
           </a:p>
         </p:txBody>
       </p:sp>
@@ -6517,7 +6517,7 @@
             <a:fld id="{474BD0D7-0D9F-4D34-AE75-DF05F8DD5558}" type="slidenum">
               <a:rPr lang="fr-FR" smtClean="0"/>
               <a:pPr/>
-              <a:t>22</a:t>
+              <a:t>23</a:t>
             </a:fld>
             <a:endParaRPr lang="fr-FR"/>
           </a:p>
@@ -6526,7 +6526,7 @@
     </p:spTree>
     <p:extLst>
       <p:ext uri="{BB962C8B-B14F-4D97-AF65-F5344CB8AC3E}">
-        <p14:creationId xmlns:p14="http://schemas.microsoft.com/office/powerpoint/2010/main" val="430516259"/>
+        <p14:creationId xmlns:p14="http://schemas.microsoft.com/office/powerpoint/2010/main" val="4023158941"/>
       </p:ext>
     </p:extLst>
   </p:cSld>
@@ -6584,21 +6584,65 @@
               <a:buAutoNum type="arabicParenR"/>
             </a:pPr>
             <a:r>
-              <a:rPr lang="fr-FR" dirty="0"/>
-              <a:t>Retirer la couleur de fond</a:t>
-            </a:r>
+              <a:rPr lang="fr-FR" baseline="0" dirty="0"/>
+              <a:t>Sélectionner le point, clic droit -&gt; Move/</a:t>
+            </a:r>
+            <a:r>
+              <a:rPr lang="fr-FR" baseline="0" dirty="0" err="1"/>
+              <a:t>Reshape</a:t>
+            </a:r>
+            <a:r>
+              <a:rPr lang="fr-FR" baseline="0" dirty="0"/>
+              <a:t> </a:t>
+            </a:r>
+            <a:r>
+              <a:rPr lang="fr-FR" baseline="0" dirty="0" err="1"/>
+              <a:t>features</a:t>
+            </a:r>
+            <a:r>
+              <a:rPr lang="fr-FR" baseline="0" dirty="0"/>
+              <a:t> -&gt; </a:t>
+            </a:r>
+            <a:r>
+              <a:rPr lang="fr-FR" baseline="0" dirty="0" smtClean="0"/>
+              <a:t>Shift </a:t>
+            </a:r>
+            <a:r>
+              <a:rPr lang="fr-FR" baseline="0" dirty="0"/>
+              <a:t>(offset) point </a:t>
+            </a:r>
+            <a:r>
+              <a:rPr lang="fr-FR" baseline="0" dirty="0" err="1"/>
+              <a:t>features</a:t>
+            </a:r>
+            <a:endParaRPr lang="fr-FR" baseline="0" dirty="0"/>
           </a:p>
           <a:p>
             <a:pPr marL="685800" lvl="1" indent="-228600">
               <a:buAutoNum type="arabicParenR"/>
             </a:pPr>
             <a:r>
-              <a:rPr lang="fr-FR" dirty="0"/>
-              <a:t>Sur</a:t>
-            </a:r>
-            <a:r>
               <a:rPr lang="fr-FR" baseline="0" dirty="0"/>
-              <a:t> la couche, clic droit -&gt; Options</a:t>
+              <a:t>Décaler de +60m en latitude et -165m en longitude</a:t>
+            </a:r>
+          </a:p>
+          <a:p>
+            <a:pPr marL="0" lvl="0" indent="0">
+              <a:buNone/>
+            </a:pPr>
+            <a:endParaRPr lang="fr-FR" baseline="0" dirty="0"/>
+          </a:p>
+          <a:p>
+            <a:pPr marL="0" lvl="0" indent="0">
+              <a:buNone/>
+            </a:pPr>
+            <a:r>
+              <a:rPr lang="fr-FR" baseline="0" dirty="0" smtClean="0"/>
+              <a:t>2) Pour </a:t>
+            </a:r>
+            <a:r>
+              <a:rPr lang="fr-FR" baseline="0" dirty="0"/>
+              <a:t>appliquer la zone tampon</a:t>
             </a:r>
           </a:p>
           <a:p>
@@ -6607,7 +6651,7 @@
             </a:pPr>
             <a:r>
               <a:rPr lang="fr-FR" baseline="0" dirty="0"/>
-              <a:t>Dans l’onglet « display », cocher « transparent » et sélectionner la couleur</a:t>
+              <a:t>Sélectionner la surface</a:t>
             </a:r>
           </a:p>
           <a:p>
@@ -6616,139 +6660,51 @@
             </a:pPr>
             <a:r>
               <a:rPr lang="fr-FR" baseline="0" dirty="0"/>
-              <a:t>Si nécessaire, augmenter la tolérance de couleur de transparence</a:t>
-            </a:r>
-          </a:p>
-          <a:p>
-            <a:pPr marL="228600" lvl="0" indent="-228600">
+              <a:t>Clic droit -&gt; </a:t>
+            </a:r>
+            <a:r>
+              <a:rPr lang="fr-FR" baseline="0" dirty="0" err="1"/>
+              <a:t>create</a:t>
+            </a:r>
+            <a:r>
+              <a:rPr lang="fr-FR" baseline="0" dirty="0"/>
+              <a:t> area </a:t>
+            </a:r>
+            <a:r>
+              <a:rPr lang="fr-FR" baseline="0" dirty="0" err="1"/>
+              <a:t>features</a:t>
+            </a:r>
+            <a:r>
+              <a:rPr lang="fr-FR" baseline="0" dirty="0"/>
+              <a:t> -&gt; Buffer</a:t>
+            </a:r>
+          </a:p>
+          <a:p>
+            <a:pPr marL="685800" lvl="1" indent="-228600">
+              <a:buAutoNum type="arabicParenR"/>
+            </a:pPr>
+            <a:r>
+              <a:rPr lang="fr-FR" baseline="0" dirty="0"/>
+              <a:t>Définir sur 300m</a:t>
+            </a:r>
+          </a:p>
+          <a:p>
+            <a:pPr marL="685800" lvl="1" indent="-228600">
+              <a:buAutoNum type="arabicParenR"/>
+            </a:pPr>
+            <a:endParaRPr lang="fr-FR" baseline="0" dirty="0"/>
+          </a:p>
+          <a:p>
+            <a:pPr marL="0" lvl="0" indent="0">
               <a:buNone/>
             </a:pPr>
-            <a:endParaRPr lang="fr-FR" baseline="0" dirty="0" smtClean="0"/>
-          </a:p>
-          <a:p>
-            <a:pPr marL="228600" lvl="0" indent="-228600">
-              <a:buAutoNum type="arabicParenR"/>
-            </a:pPr>
-            <a:r>
-              <a:rPr lang="fr-FR" baseline="0" dirty="0" smtClean="0"/>
-              <a:t>Exporter une coupe de la ville</a:t>
-            </a:r>
-          </a:p>
-          <a:p>
-            <a:pPr marL="685800" marR="0" lvl="1" indent="-228600" algn="l" defTabSz="914400" rtl="0" eaLnBrk="1" fontAlgn="auto" latinLnBrk="0" hangingPunct="1">
-              <a:lnSpc>
-                <a:spcPct val="100000"/>
-              </a:lnSpc>
-              <a:spcBef>
-                <a:spcPts val="0"/>
-              </a:spcBef>
-              <a:spcAft>
-                <a:spcPts val="0"/>
-              </a:spcAft>
-              <a:buClrTx/>
-              <a:buSzTx/>
-              <a:buFontTx/>
-              <a:buAutoNum type="arabicParenR"/>
-              <a:tabLst/>
-              <a:defRPr/>
-            </a:pPr>
-            <a:r>
-              <a:rPr lang="fr-FR" dirty="0" smtClean="0"/>
-              <a:t>Sur</a:t>
-            </a:r>
-            <a:r>
-              <a:rPr lang="fr-FR" baseline="0" dirty="0" smtClean="0"/>
-              <a:t> la couche, clic droit -&gt; Layer -&gt; Export</a:t>
-            </a:r>
-          </a:p>
-          <a:p>
-            <a:pPr marL="685800" marR="0" lvl="1" indent="-228600" algn="l" defTabSz="914400" rtl="0" eaLnBrk="1" fontAlgn="auto" latinLnBrk="0" hangingPunct="1">
-              <a:lnSpc>
-                <a:spcPct val="100000"/>
-              </a:lnSpc>
-              <a:spcBef>
-                <a:spcPts val="0"/>
-              </a:spcBef>
-              <a:spcAft>
-                <a:spcPts val="0"/>
-              </a:spcAft>
-              <a:buClrTx/>
-              <a:buSzTx/>
-              <a:buFontTx/>
-              <a:buAutoNum type="arabicParenR"/>
-              <a:tabLst/>
-              <a:defRPr/>
-            </a:pPr>
-            <a:r>
-              <a:rPr lang="fr-FR" baseline="0" dirty="0" smtClean="0"/>
-              <a:t>Dans l’onglet « Export </a:t>
-            </a:r>
-            <a:r>
-              <a:rPr lang="fr-FR" baseline="0" dirty="0" err="1" smtClean="0"/>
-              <a:t>bounds</a:t>
-            </a:r>
-            <a:r>
-              <a:rPr lang="fr-FR" baseline="0" dirty="0" smtClean="0"/>
-              <a:t> », choisir « </a:t>
-            </a:r>
-            <a:r>
-              <a:rPr lang="fr-FR" baseline="0" dirty="0" err="1" smtClean="0"/>
-              <a:t>draw</a:t>
-            </a:r>
-            <a:r>
-              <a:rPr lang="fr-FR" baseline="0" dirty="0" smtClean="0"/>
-              <a:t> a box »</a:t>
-            </a:r>
-          </a:p>
-          <a:p>
-            <a:pPr marL="685800" marR="0" lvl="1" indent="-228600" algn="l" defTabSz="914400" rtl="0" eaLnBrk="1" fontAlgn="auto" latinLnBrk="0" hangingPunct="1">
-              <a:lnSpc>
-                <a:spcPct val="100000"/>
-              </a:lnSpc>
-              <a:spcBef>
-                <a:spcPts val="0"/>
-              </a:spcBef>
-              <a:spcAft>
-                <a:spcPts val="0"/>
-              </a:spcAft>
-              <a:buClrTx/>
-              <a:buSzTx/>
-              <a:buFontTx/>
-              <a:buAutoNum type="arabicParenR"/>
-              <a:tabLst/>
-              <a:defRPr/>
-            </a:pPr>
-            <a:endParaRPr lang="fr-FR" baseline="0" dirty="0" smtClean="0"/>
-          </a:p>
-          <a:p>
-            <a:pPr marL="685800" marR="0" lvl="1" indent="-228600" algn="l" defTabSz="914400" rtl="0" eaLnBrk="1" fontAlgn="auto" latinLnBrk="0" hangingPunct="1">
-              <a:lnSpc>
-                <a:spcPct val="100000"/>
-              </a:lnSpc>
-              <a:spcBef>
-                <a:spcPts val="0"/>
-              </a:spcBef>
-              <a:spcAft>
-                <a:spcPts val="0"/>
-              </a:spcAft>
-              <a:buClrTx/>
-              <a:buSzTx/>
-              <a:buFontTx/>
-              <a:buAutoNum type="arabicParenR"/>
-              <a:tabLst/>
-              <a:defRPr/>
-            </a:pPr>
-            <a:r>
-              <a:rPr lang="fr-FR" baseline="0" dirty="0" smtClean="0"/>
-              <a:t>2</a:t>
-            </a:r>
-            <a:r>
-              <a:rPr lang="fr-FR" baseline="30000" dirty="0" smtClean="0"/>
-              <a:t>e</a:t>
-            </a:r>
-            <a:r>
-              <a:rPr lang="fr-FR" baseline="0" dirty="0" smtClean="0"/>
-              <a:t> option :</a:t>
+            <a:r>
+              <a:rPr lang="fr-FR" baseline="0" dirty="0" smtClean="0"/>
+              <a:t>3) Découper </a:t>
+            </a:r>
+            <a:r>
+              <a:rPr lang="fr-FR" baseline="0" dirty="0"/>
+              <a:t>une zone dans une autre (création d’île)</a:t>
             </a:r>
           </a:p>
           <a:p>
@@ -6756,12 +6712,8 @@
               <a:buAutoNum type="arabicParenR"/>
             </a:pPr>
             <a:r>
-              <a:rPr lang="fr-FR" dirty="0" smtClean="0"/>
-              <a:t>Tracer une</a:t>
-            </a:r>
-            <a:r>
-              <a:rPr lang="fr-FR" baseline="0" dirty="0" smtClean="0"/>
-              <a:t> surface couvrant la ville</a:t>
+              <a:rPr lang="fr-FR" baseline="0" dirty="0"/>
+              <a:t>Sélectionner la petite zone/future île</a:t>
             </a:r>
           </a:p>
           <a:p>
@@ -6769,26 +6721,58 @@
               <a:buAutoNum type="arabicParenR"/>
             </a:pPr>
             <a:r>
-              <a:rPr lang="fr-FR" baseline="0" dirty="0" smtClean="0"/>
-              <a:t>Avec le numériseur, sélectionner la surface</a:t>
-            </a:r>
-            <a:endParaRPr lang="fr-FR" dirty="0" smtClean="0"/>
+              <a:rPr lang="fr-FR" baseline="0" dirty="0"/>
+              <a:t>Clic droit -&gt; </a:t>
+            </a:r>
+            <a:r>
+              <a:rPr lang="fr-FR" baseline="0" dirty="0" err="1"/>
+              <a:t>Crop</a:t>
+            </a:r>
+            <a:r>
+              <a:rPr lang="fr-FR" baseline="0" dirty="0"/>
+              <a:t>/combine/split </a:t>
+            </a:r>
+            <a:r>
+              <a:rPr lang="fr-FR" baseline="0" dirty="0" err="1"/>
+              <a:t>functions</a:t>
+            </a:r>
+            <a:endParaRPr lang="fr-FR" baseline="0" dirty="0"/>
           </a:p>
           <a:p>
             <a:pPr marL="685800" lvl="1" indent="-228600">
               <a:buAutoNum type="arabicParenR"/>
             </a:pPr>
             <a:r>
-              <a:rPr lang="fr-FR" dirty="0" smtClean="0"/>
-              <a:t>Sélectionner la/les</a:t>
-            </a:r>
-            <a:r>
-              <a:rPr lang="fr-FR" baseline="0" dirty="0" smtClean="0"/>
+              <a:rPr lang="fr-FR" baseline="0" dirty="0" err="1"/>
+              <a:t>Cut</a:t>
+            </a:r>
+            <a:r>
+              <a:rPr lang="fr-FR" baseline="0" dirty="0"/>
               <a:t> </a:t>
             </a:r>
             <a:r>
-              <a:rPr lang="fr-FR" dirty="0" smtClean="0"/>
-              <a:t>couches</a:t>
+              <a:rPr lang="fr-FR" baseline="0" dirty="0" err="1"/>
+              <a:t>selected</a:t>
+            </a:r>
+            <a:r>
+              <a:rPr lang="fr-FR" baseline="0" dirty="0"/>
+              <a:t> areas </a:t>
+            </a:r>
+            <a:r>
+              <a:rPr lang="fr-FR" baseline="0" dirty="0" err="1"/>
+              <a:t>from</a:t>
+            </a:r>
+            <a:r>
+              <a:rPr lang="fr-FR" baseline="0" dirty="0"/>
+              <a:t> </a:t>
+            </a:r>
+            <a:r>
+              <a:rPr lang="fr-FR" baseline="0" dirty="0" err="1"/>
+              <a:t>another</a:t>
+            </a:r>
+            <a:r>
+              <a:rPr lang="fr-FR" baseline="0" dirty="0"/>
+              <a:t> area</a:t>
             </a:r>
           </a:p>
           <a:p>
@@ -6796,81 +6780,10 @@
               <a:buAutoNum type="arabicParenR"/>
             </a:pPr>
             <a:r>
-              <a:rPr lang="fr-FR" dirty="0" smtClean="0"/>
-              <a:t>Clic droit</a:t>
-            </a:r>
-            <a:r>
-              <a:rPr lang="fr-FR" baseline="0" dirty="0" smtClean="0"/>
-              <a:t> -&gt; Couche -&gt; Exporter</a:t>
-            </a:r>
-          </a:p>
-          <a:p>
-            <a:pPr marL="685800" lvl="1" indent="-228600">
-              <a:buAutoNum type="arabicParenR"/>
-            </a:pPr>
-            <a:r>
-              <a:rPr lang="fr-FR" baseline="0" dirty="0" smtClean="0"/>
-              <a:t>Choisir le format </a:t>
-            </a:r>
-            <a:r>
-              <a:rPr lang="fr-FR" baseline="0" dirty="0" err="1" smtClean="0"/>
-              <a:t>Geotiff</a:t>
-            </a:r>
-            <a:endParaRPr lang="fr-FR" baseline="0" dirty="0" smtClean="0"/>
-          </a:p>
-          <a:p>
-            <a:pPr marL="685800" lvl="1" indent="-228600">
-              <a:buAutoNum type="arabicParenR"/>
-            </a:pPr>
-            <a:r>
-              <a:rPr lang="fr-FR" baseline="0" dirty="0" smtClean="0"/>
-              <a:t>Dans l’onglet « Export </a:t>
-            </a:r>
-            <a:r>
-              <a:rPr lang="fr-FR" baseline="0" dirty="0" err="1" smtClean="0"/>
-              <a:t>bound</a:t>
-            </a:r>
-            <a:r>
-              <a:rPr lang="fr-FR" baseline="0" dirty="0" smtClean="0"/>
-              <a:t> », choisir de rogner selon la surface sélectionnée</a:t>
-            </a:r>
-          </a:p>
-          <a:p>
-            <a:pPr marL="685800" lvl="1" indent="-228600">
-              <a:buAutoNum type="arabicParenR"/>
-            </a:pPr>
-            <a:endParaRPr lang="fr-FR" baseline="0" dirty="0" smtClean="0"/>
-          </a:p>
-          <a:p>
-            <a:pPr marL="228600" lvl="0" indent="-228600">
-              <a:buAutoNum type="arabicParenR"/>
-            </a:pPr>
-            <a:r>
-              <a:rPr lang="fr-FR" baseline="0" dirty="0" smtClean="0"/>
-              <a:t>Importer </a:t>
-            </a:r>
-            <a:r>
               <a:rPr lang="fr-FR" baseline="0" dirty="0"/>
-              <a:t>l’image</a:t>
-            </a:r>
-          </a:p>
-          <a:p>
-            <a:pPr marL="685800" lvl="1" indent="-228600">
-              <a:buAutoNum type="arabicParenR"/>
-            </a:pPr>
-            <a:r>
-              <a:rPr lang="fr-FR" baseline="0" dirty="0"/>
-              <a:t>Rectifier manuellement l’image</a:t>
-            </a:r>
-          </a:p>
-          <a:p>
-            <a:pPr marL="685800" lvl="1" indent="-228600">
-              <a:buAutoNum type="arabicParenR"/>
-            </a:pPr>
-            <a:r>
-              <a:rPr lang="fr-FR" baseline="0" dirty="0"/>
-              <a:t>Placer une dizaine de points et valider</a:t>
-            </a:r>
+              <a:t>Sélectionner la grande zone (zone parent)</a:t>
+            </a:r>
+            <a:endParaRPr lang="fr-FR" dirty="0"/>
           </a:p>
         </p:txBody>
       </p:sp>
@@ -6892,7 +6805,7 @@
             <a:fld id="{474BD0D7-0D9F-4D34-AE75-DF05F8DD5558}" type="slidenum">
               <a:rPr lang="fr-FR" smtClean="0"/>
               <a:pPr/>
-              <a:t>23</a:t>
+              <a:t>25</a:t>
             </a:fld>
             <a:endParaRPr lang="fr-FR"/>
           </a:p>
@@ -6901,7 +6814,7 @@
     </p:spTree>
     <p:extLst>
       <p:ext uri="{BB962C8B-B14F-4D97-AF65-F5344CB8AC3E}">
-        <p14:creationId xmlns:p14="http://schemas.microsoft.com/office/powerpoint/2010/main" val="4023158941"/>
+        <p14:creationId xmlns:p14="http://schemas.microsoft.com/office/powerpoint/2010/main" val="317745351"/>
       </p:ext>
     </p:extLst>
   </p:cSld>
@@ -7093,7 +7006,7 @@
             <a:fld id="{AA309A6D-C09C-4548-B29A-6CF363A7E532}" type="datetimeFigureOut">
               <a:rPr lang="fr-FR" smtClean="0"/>
               <a:pPr/>
-              <a:t>01/05/2021</a:t>
+              <a:t>26/05/2021</a:t>
             </a:fld>
             <a:endParaRPr lang="fr-BE"/>
           </a:p>
@@ -7260,7 +7173,7 @@
             <a:fld id="{AA309A6D-C09C-4548-B29A-6CF363A7E532}" type="datetimeFigureOut">
               <a:rPr lang="fr-FR" smtClean="0"/>
               <a:pPr/>
-              <a:t>01/05/2021</a:t>
+              <a:t>26/05/2021</a:t>
             </a:fld>
             <a:endParaRPr lang="fr-BE"/>
           </a:p>
@@ -7530,7 +7443,7 @@
             <a:fld id="{AA309A6D-C09C-4548-B29A-6CF363A7E532}" type="datetimeFigureOut">
               <a:rPr lang="fr-FR" smtClean="0"/>
               <a:pPr/>
-              <a:t>01/05/2021</a:t>
+              <a:t>26/05/2021</a:t>
             </a:fld>
             <a:endParaRPr lang="fr-BE"/>
           </a:p>
@@ -7978,28 +7891,22 @@
       </p:sp>
       <p:pic>
         <p:nvPicPr>
-          <p:cNvPr id="5" name="Image 4"/>
+          <p:cNvPr id="6" name="Image 5"/>
           <p:cNvPicPr>
             <a:picLocks noChangeAspect="1"/>
           </p:cNvPicPr>
           <p:nvPr/>
         </p:nvPicPr>
         <p:blipFill>
-          <a:blip r:embed="rId3">
-            <a:extLst>
-              <a:ext uri="{28A0092B-C50C-407E-A947-70E740481C1C}">
-                <a14:useLocalDpi xmlns:a14="http://schemas.microsoft.com/office/drawing/2010/main"/>
-              </a:ext>
-            </a:extLst>
-          </a:blip>
+          <a:blip r:embed="rId3"/>
           <a:stretch>
             <a:fillRect/>
           </a:stretch>
         </p:blipFill>
         <p:spPr>
           <a:xfrm>
-            <a:off x="2771800" y="3257600"/>
-            <a:ext cx="3600400" cy="3600400"/>
+            <a:off x="3352800" y="4005064"/>
+            <a:ext cx="2438400" cy="2438400"/>
           </a:xfrm>
           <a:prstGeom prst="rect">
             <a:avLst/>
@@ -8427,141 +8334,6 @@
           <a:lstStyle/>
           <a:p>
             <a:r>
-              <a:rPr lang="fr-FR" dirty="0"/>
-              <a:t>Configuration</a:t>
-            </a:r>
-          </a:p>
-        </p:txBody>
-      </p:sp>
-      <p:sp>
-        <p:nvSpPr>
-          <p:cNvPr id="3" name="Espace réservé du contenu 2"/>
-          <p:cNvSpPr>
-            <a:spLocks noGrp="1"/>
-          </p:cNvSpPr>
-          <p:nvPr>
-            <p:ph idx="1"/>
-          </p:nvPr>
-        </p:nvSpPr>
-        <p:spPr>
-          <a:xfrm>
-            <a:off x="457200" y="1600200"/>
-            <a:ext cx="8435280" cy="4525963"/>
-          </a:xfrm>
-        </p:spPr>
-        <p:txBody>
-          <a:bodyPr>
-            <a:normAutofit/>
-          </a:bodyPr>
-          <a:lstStyle/>
-          <a:p>
-            <a:r>
-              <a:rPr lang="fr-FR" dirty="0"/>
-              <a:t>Afficher un carroyage</a:t>
-            </a:r>
-          </a:p>
-          <a:p>
-            <a:endParaRPr lang="fr-FR" dirty="0"/>
-          </a:p>
-          <a:p>
-            <a:r>
-              <a:rPr lang="fr-FR" dirty="0"/>
-              <a:t>Définir l’affichage des coordonnées en D°M’S ’’</a:t>
-            </a:r>
-          </a:p>
-          <a:p>
-            <a:endParaRPr lang="fr-FR" dirty="0" smtClean="0"/>
-          </a:p>
-          <a:p>
-            <a:r>
-              <a:rPr lang="fr-FR" dirty="0" smtClean="0"/>
-              <a:t>Afficher la carte à l’échelle 1:25000</a:t>
-            </a:r>
-            <a:endParaRPr lang="fr-FR" dirty="0"/>
-          </a:p>
-          <a:p>
-            <a:endParaRPr lang="fr-FR" dirty="0"/>
-          </a:p>
-          <a:p>
-            <a:r>
-              <a:rPr lang="fr-FR" dirty="0" smtClean="0"/>
-              <a:t>Régler le « </a:t>
-            </a:r>
-            <a:r>
-              <a:rPr lang="fr-FR" dirty="0" err="1" smtClean="0"/>
-              <a:t>snap</a:t>
-            </a:r>
-            <a:r>
-              <a:rPr lang="fr-FR" dirty="0" smtClean="0"/>
-              <a:t>-to-</a:t>
-            </a:r>
-            <a:r>
-              <a:rPr lang="fr-FR" dirty="0" err="1" smtClean="0"/>
-              <a:t>feature</a:t>
-            </a:r>
-            <a:r>
-              <a:rPr lang="fr-FR" dirty="0" smtClean="0"/>
-              <a:t> »</a:t>
-            </a:r>
-            <a:endParaRPr lang="fr-FR" dirty="0"/>
-          </a:p>
-          <a:p>
-            <a:endParaRPr lang="fr-FR" dirty="0"/>
-          </a:p>
-          <a:p>
-            <a:endParaRPr lang="fr-FR" dirty="0"/>
-          </a:p>
-          <a:p>
-            <a:endParaRPr lang="fr-FR" dirty="0"/>
-          </a:p>
-        </p:txBody>
-      </p:sp>
-    </p:spTree>
-    <p:extLst>
-      <p:ext uri="{BB962C8B-B14F-4D97-AF65-F5344CB8AC3E}">
-        <p14:creationId xmlns:p14="http://schemas.microsoft.com/office/powerpoint/2010/main" val="2577625112"/>
-      </p:ext>
-    </p:extLst>
-  </p:cSld>
-  <p:clrMapOvr>
-    <a:masterClrMapping/>
-  </p:clrMapOvr>
-</p:sld>
-</file>
-
-<file path=ppt/slides/slide14.xml><?xml version="1.0" encoding="utf-8"?>
-<p:sld xmlns:a="http://schemas.openxmlformats.org/drawingml/2006/main" xmlns:r="http://schemas.openxmlformats.org/officeDocument/2006/relationships" xmlns:p="http://schemas.openxmlformats.org/presentationml/2006/main">
-  <p:cSld>
-    <p:spTree>
-      <p:nvGrpSpPr>
-        <p:cNvPr id="1" name=""/>
-        <p:cNvGrpSpPr/>
-        <p:nvPr/>
-      </p:nvGrpSpPr>
-      <p:grpSpPr>
-        <a:xfrm>
-          <a:off x="0" y="0"/>
-          <a:ext cx="0" cy="0"/>
-          <a:chOff x="0" y="0"/>
-          <a:chExt cx="0" cy="0"/>
-        </a:xfrm>
-      </p:grpSpPr>
-      <p:sp>
-        <p:nvSpPr>
-          <p:cNvPr id="2" name="Titre 1"/>
-          <p:cNvSpPr>
-            <a:spLocks noGrp="1"/>
-          </p:cNvSpPr>
-          <p:nvPr>
-            <p:ph type="title"/>
-          </p:nvPr>
-        </p:nvSpPr>
-        <p:spPr/>
-        <p:txBody>
-          <a:bodyPr/>
-          <a:lstStyle/>
-          <a:p>
-            <a:r>
               <a:rPr lang="fr-FR" dirty="0" smtClean="0"/>
               <a:t>Import de fichier texte/CSV</a:t>
             </a:r>
@@ -8665,7 +8437,7 @@
 </p:sld>
 </file>
 
-<file path=ppt/slides/slide15.xml><?xml version="1.0" encoding="utf-8"?>
+<file path=ppt/slides/slide14.xml><?xml version="1.0" encoding="utf-8"?>
 <p:sld xmlns:a="http://schemas.openxmlformats.org/drawingml/2006/main" xmlns:r="http://schemas.openxmlformats.org/officeDocument/2006/relationships" xmlns:p="http://schemas.openxmlformats.org/presentationml/2006/main">
   <p:cSld>
     <p:spTree>
@@ -9280,6 +9052,158 @@
 </p:sld>
 </file>
 
+<file path=ppt/slides/slide15.xml><?xml version="1.0" encoding="utf-8"?>
+<p:sld xmlns:a="http://schemas.openxmlformats.org/drawingml/2006/main" xmlns:r="http://schemas.openxmlformats.org/officeDocument/2006/relationships" xmlns:p="http://schemas.openxmlformats.org/presentationml/2006/main">
+  <p:cSld>
+    <p:spTree>
+      <p:nvGrpSpPr>
+        <p:cNvPr id="1" name=""/>
+        <p:cNvGrpSpPr/>
+        <p:nvPr/>
+      </p:nvGrpSpPr>
+      <p:grpSpPr>
+        <a:xfrm>
+          <a:off x="0" y="0"/>
+          <a:ext cx="0" cy="0"/>
+          <a:chOff x="0" y="0"/>
+          <a:chExt cx="0" cy="0"/>
+        </a:xfrm>
+      </p:grpSpPr>
+      <p:sp>
+        <p:nvSpPr>
+          <p:cNvPr id="2" name="Titre 1"/>
+          <p:cNvSpPr>
+            <a:spLocks noGrp="1"/>
+          </p:cNvSpPr>
+          <p:nvPr>
+            <p:ph type="title"/>
+          </p:nvPr>
+        </p:nvSpPr>
+        <p:spPr/>
+        <p:txBody>
+          <a:bodyPr/>
+          <a:lstStyle/>
+          <a:p>
+            <a:r>
+              <a:rPr lang="fr-FR" dirty="0"/>
+              <a:t>Import texte</a:t>
+            </a:r>
+          </a:p>
+        </p:txBody>
+      </p:sp>
+      <p:sp>
+        <p:nvSpPr>
+          <p:cNvPr id="3" name="Espace réservé du contenu 2"/>
+          <p:cNvSpPr>
+            <a:spLocks noGrp="1"/>
+          </p:cNvSpPr>
+          <p:nvPr>
+            <p:ph idx="1"/>
+          </p:nvPr>
+        </p:nvSpPr>
+        <p:spPr/>
+        <p:txBody>
+          <a:bodyPr>
+            <a:normAutofit/>
+          </a:bodyPr>
+          <a:lstStyle/>
+          <a:p>
+            <a:r>
+              <a:rPr lang="fr-FR" dirty="0" smtClean="0"/>
+              <a:t>Plus adapté pour les lignes </a:t>
+            </a:r>
+            <a:r>
+              <a:rPr lang="fr-FR" dirty="0"/>
+              <a:t>et </a:t>
+            </a:r>
+            <a:r>
+              <a:rPr lang="fr-FR" dirty="0" smtClean="0"/>
+              <a:t>surfaces</a:t>
+            </a:r>
+          </a:p>
+          <a:p>
+            <a:r>
+              <a:rPr lang="fr-FR" dirty="0" smtClean="0"/>
+              <a:t>Avec </a:t>
+            </a:r>
+            <a:r>
+              <a:rPr lang="fr-FR" dirty="0"/>
+              <a:t>des attributs et des styles personnalisés.</a:t>
+            </a:r>
+          </a:p>
+          <a:p>
+            <a:endParaRPr lang="fr-FR" dirty="0"/>
+          </a:p>
+          <a:p>
+            <a:pPr marL="0" indent="0">
+              <a:buNone/>
+            </a:pPr>
+            <a:r>
+              <a:rPr lang="en-US" sz="2400" dirty="0"/>
+              <a:t>DESCRIPTION=Unknown Line Type</a:t>
+            </a:r>
+          </a:p>
+          <a:p>
+            <a:pPr marL="0" indent="0">
+              <a:buNone/>
+            </a:pPr>
+            <a:r>
+              <a:rPr lang="en-US" sz="2400" dirty="0"/>
+              <a:t>NAME=D88</a:t>
+            </a:r>
+          </a:p>
+          <a:p>
+            <a:pPr marL="0" indent="0">
+              <a:buNone/>
+            </a:pPr>
+            <a:r>
+              <a:rPr lang="en-US" sz="2400" dirty="0"/>
+              <a:t>LONGUEUR=8.378 km</a:t>
+            </a:r>
+          </a:p>
+          <a:p>
+            <a:pPr marL="0" indent="0">
+              <a:buNone/>
+            </a:pPr>
+            <a:r>
+              <a:rPr lang="en-US" sz="2400" dirty="0"/>
+              <a:t>344453.758;5424804.503;-999999</a:t>
+            </a:r>
+          </a:p>
+          <a:p>
+            <a:pPr marL="0" indent="0">
+              <a:buNone/>
+            </a:pPr>
+            <a:r>
+              <a:rPr lang="en-US" sz="2400" dirty="0"/>
+              <a:t>344772.893;5424548.355;-999999</a:t>
+            </a:r>
+          </a:p>
+          <a:p>
+            <a:pPr marL="0" indent="0">
+              <a:buNone/>
+            </a:pPr>
+            <a:r>
+              <a:rPr lang="en-US" sz="2400" dirty="0"/>
+              <a:t>345856.274;5424279.609;-999999</a:t>
+            </a:r>
+            <a:endParaRPr lang="fr-FR" sz="2400" dirty="0"/>
+          </a:p>
+        </p:txBody>
+      </p:sp>
+    </p:spTree>
+    <p:extLst>
+      <p:ext uri="{BB962C8B-B14F-4D97-AF65-F5344CB8AC3E}">
+        <p14:creationId xmlns:p14="http://schemas.microsoft.com/office/powerpoint/2010/main" val="270568862"/>
+      </p:ext>
+    </p:extLst>
+  </p:cSld>
+  <p:clrMapOvr>
+    <a:masterClrMapping/>
+  </p:clrMapOvr>
+</p:sld>
+</file>
+
 <file path=ppt/slides/slide16.xml><?xml version="1.0" encoding="utf-8"?>
 <p:sld xmlns:a="http://schemas.openxmlformats.org/drawingml/2006/main" xmlns:r="http://schemas.openxmlformats.org/officeDocument/2006/relationships" xmlns:p="http://schemas.openxmlformats.org/presentationml/2006/main">
   <p:cSld>
@@ -9314,162 +9238,6 @@
           <a:p>
             <a:r>
               <a:rPr lang="fr-FR" dirty="0"/>
-              <a:t>Import texte</a:t>
-            </a:r>
-          </a:p>
-        </p:txBody>
-      </p:sp>
-      <p:sp>
-        <p:nvSpPr>
-          <p:cNvPr id="3" name="Espace réservé du contenu 2"/>
-          <p:cNvSpPr>
-            <a:spLocks noGrp="1"/>
-          </p:cNvSpPr>
-          <p:nvPr>
-            <p:ph idx="1"/>
-          </p:nvPr>
-        </p:nvSpPr>
-        <p:spPr/>
-        <p:txBody>
-          <a:bodyPr>
-            <a:normAutofit/>
-          </a:bodyPr>
-          <a:lstStyle/>
-          <a:p>
-            <a:r>
-              <a:rPr lang="fr-FR" dirty="0" smtClean="0"/>
-              <a:t>Plus adapté pour les lignes </a:t>
-            </a:r>
-            <a:r>
-              <a:rPr lang="fr-FR" dirty="0"/>
-              <a:t>et </a:t>
-            </a:r>
-            <a:r>
-              <a:rPr lang="fr-FR" dirty="0" smtClean="0"/>
-              <a:t>surfaces</a:t>
-            </a:r>
-          </a:p>
-          <a:p>
-            <a:r>
-              <a:rPr lang="fr-FR" dirty="0" smtClean="0"/>
-              <a:t>A</a:t>
-            </a:r>
-            <a:r>
-              <a:rPr lang="fr-FR" dirty="0" smtClean="0"/>
-              <a:t>vec </a:t>
-            </a:r>
-            <a:r>
-              <a:rPr lang="fr-FR" dirty="0"/>
-              <a:t>des attributs et des styles personnalisés.</a:t>
-            </a:r>
-          </a:p>
-          <a:p>
-            <a:endParaRPr lang="fr-FR" dirty="0"/>
-          </a:p>
-          <a:p>
-            <a:pPr marL="0" indent="0">
-              <a:buNone/>
-            </a:pPr>
-            <a:r>
-              <a:rPr lang="en-US" sz="2400" dirty="0"/>
-              <a:t>DESCRIPTION=Unknown Line Type</a:t>
-            </a:r>
-          </a:p>
-          <a:p>
-            <a:pPr marL="0" indent="0">
-              <a:buNone/>
-            </a:pPr>
-            <a:r>
-              <a:rPr lang="en-US" sz="2400" dirty="0"/>
-              <a:t>NAME=D88</a:t>
-            </a:r>
-          </a:p>
-          <a:p>
-            <a:pPr marL="0" indent="0">
-              <a:buNone/>
-            </a:pPr>
-            <a:r>
-              <a:rPr lang="en-US" sz="2400" dirty="0"/>
-              <a:t>LONGUEUR=8.378 km</a:t>
-            </a:r>
-          </a:p>
-          <a:p>
-            <a:pPr marL="0" indent="0">
-              <a:buNone/>
-            </a:pPr>
-            <a:r>
-              <a:rPr lang="en-US" sz="2400" dirty="0"/>
-              <a:t>344453.758;5424804.503;-999999</a:t>
-            </a:r>
-          </a:p>
-          <a:p>
-            <a:pPr marL="0" indent="0">
-              <a:buNone/>
-            </a:pPr>
-            <a:r>
-              <a:rPr lang="en-US" sz="2400" dirty="0"/>
-              <a:t>344772.893;5424548.355;-999999</a:t>
-            </a:r>
-          </a:p>
-          <a:p>
-            <a:pPr marL="0" indent="0">
-              <a:buNone/>
-            </a:pPr>
-            <a:r>
-              <a:rPr lang="en-US" sz="2400" dirty="0"/>
-              <a:t>345856.274;5424279.609;-999999</a:t>
-            </a:r>
-            <a:endParaRPr lang="fr-FR" sz="2400" dirty="0"/>
-          </a:p>
-        </p:txBody>
-      </p:sp>
-    </p:spTree>
-    <p:extLst>
-      <p:ext uri="{BB962C8B-B14F-4D97-AF65-F5344CB8AC3E}">
-        <p14:creationId xmlns:p14="http://schemas.microsoft.com/office/powerpoint/2010/main" val="270568862"/>
-      </p:ext>
-    </p:extLst>
-  </p:cSld>
-  <p:clrMapOvr>
-    <a:masterClrMapping/>
-  </p:clrMapOvr>
-</p:sld>
-</file>
-
-<file path=ppt/slides/slide17.xml><?xml version="1.0" encoding="utf-8"?>
-<p:sld xmlns:a="http://schemas.openxmlformats.org/drawingml/2006/main" xmlns:r="http://schemas.openxmlformats.org/officeDocument/2006/relationships" xmlns:p="http://schemas.openxmlformats.org/presentationml/2006/main">
-  <p:cSld>
-    <p:spTree>
-      <p:nvGrpSpPr>
-        <p:cNvPr id="1" name=""/>
-        <p:cNvGrpSpPr/>
-        <p:nvPr/>
-      </p:nvGrpSpPr>
-      <p:grpSpPr>
-        <a:xfrm>
-          <a:off x="0" y="0"/>
-          <a:ext cx="0" cy="0"/>
-          <a:chOff x="0" y="0"/>
-          <a:chExt cx="0" cy="0"/>
-        </a:xfrm>
-      </p:grpSpPr>
-      <p:sp>
-        <p:nvSpPr>
-          <p:cNvPr id="2" name="Titre 1"/>
-          <p:cNvSpPr>
-            <a:spLocks noGrp="1"/>
-          </p:cNvSpPr>
-          <p:nvPr>
-            <p:ph type="title"/>
-          </p:nvPr>
-        </p:nvSpPr>
-        <p:spPr/>
-        <p:txBody>
-          <a:bodyPr/>
-          <a:lstStyle/>
-          <a:p>
-            <a:r>
-              <a:rPr lang="fr-FR" dirty="0"/>
               <a:t>Import</a:t>
             </a:r>
           </a:p>
@@ -9576,7 +9344,7 @@
 </p:sld>
 </file>
 
-<file path=ppt/slides/slide18.xml><?xml version="1.0" encoding="utf-8"?>
+<file path=ppt/slides/slide17.xml><?xml version="1.0" encoding="utf-8"?>
 <p:sld xmlns:a="http://schemas.openxmlformats.org/drawingml/2006/main" xmlns:r="http://schemas.openxmlformats.org/officeDocument/2006/relationships" xmlns:p="http://schemas.openxmlformats.org/presentationml/2006/main">
   <p:cSld>
     <p:spTree>
@@ -10083,7 +9851,7 @@
 </p:sld>
 </file>
 
-<file path=ppt/slides/slide19.xml><?xml version="1.0" encoding="utf-8"?>
+<file path=ppt/slides/slide18.xml><?xml version="1.0" encoding="utf-8"?>
 <p:sld xmlns:a="http://schemas.openxmlformats.org/drawingml/2006/main" xmlns:r="http://schemas.openxmlformats.org/officeDocument/2006/relationships" xmlns:p="http://schemas.openxmlformats.org/presentationml/2006/main">
   <p:cSld>
     <p:spTree>
@@ -10315,6 +10083,141 @@
 </p:sld>
 </file>
 
+<file path=ppt/slides/slide19.xml><?xml version="1.0" encoding="utf-8"?>
+<p:sld xmlns:a="http://schemas.openxmlformats.org/drawingml/2006/main" xmlns:r="http://schemas.openxmlformats.org/officeDocument/2006/relationships" xmlns:p="http://schemas.openxmlformats.org/presentationml/2006/main">
+  <p:cSld>
+    <p:spTree>
+      <p:nvGrpSpPr>
+        <p:cNvPr id="1" name=""/>
+        <p:cNvGrpSpPr/>
+        <p:nvPr/>
+      </p:nvGrpSpPr>
+      <p:grpSpPr>
+        <a:xfrm>
+          <a:off x="0" y="0"/>
+          <a:ext cx="0" cy="0"/>
+          <a:chOff x="0" y="0"/>
+          <a:chExt cx="0" cy="0"/>
+        </a:xfrm>
+      </p:grpSpPr>
+      <p:sp>
+        <p:nvSpPr>
+          <p:cNvPr id="2" name="Titre 1"/>
+          <p:cNvSpPr>
+            <a:spLocks noGrp="1"/>
+          </p:cNvSpPr>
+          <p:nvPr>
+            <p:ph type="title"/>
+          </p:nvPr>
+        </p:nvSpPr>
+        <p:spPr/>
+        <p:txBody>
+          <a:bodyPr/>
+          <a:lstStyle/>
+          <a:p>
+            <a:r>
+              <a:rPr lang="fr-FR" dirty="0"/>
+              <a:t>Configuration</a:t>
+            </a:r>
+          </a:p>
+        </p:txBody>
+      </p:sp>
+      <p:sp>
+        <p:nvSpPr>
+          <p:cNvPr id="3" name="Espace réservé du contenu 2"/>
+          <p:cNvSpPr>
+            <a:spLocks noGrp="1"/>
+          </p:cNvSpPr>
+          <p:nvPr>
+            <p:ph idx="1"/>
+          </p:nvPr>
+        </p:nvSpPr>
+        <p:spPr>
+          <a:xfrm>
+            <a:off x="457200" y="1600200"/>
+            <a:ext cx="8435280" cy="4525963"/>
+          </a:xfrm>
+        </p:spPr>
+        <p:txBody>
+          <a:bodyPr>
+            <a:normAutofit/>
+          </a:bodyPr>
+          <a:lstStyle/>
+          <a:p>
+            <a:r>
+              <a:rPr lang="fr-FR" dirty="0"/>
+              <a:t>Afficher un carroyage</a:t>
+            </a:r>
+          </a:p>
+          <a:p>
+            <a:endParaRPr lang="fr-FR" dirty="0"/>
+          </a:p>
+          <a:p>
+            <a:r>
+              <a:rPr lang="fr-FR" dirty="0"/>
+              <a:t>Définir l’affichage des coordonnées en D°M’S ’’</a:t>
+            </a:r>
+          </a:p>
+          <a:p>
+            <a:endParaRPr lang="fr-FR" dirty="0" smtClean="0"/>
+          </a:p>
+          <a:p>
+            <a:r>
+              <a:rPr lang="fr-FR" dirty="0" smtClean="0"/>
+              <a:t>Afficher la carte à l’échelle 1:25000</a:t>
+            </a:r>
+            <a:endParaRPr lang="fr-FR" dirty="0"/>
+          </a:p>
+          <a:p>
+            <a:endParaRPr lang="fr-FR" dirty="0"/>
+          </a:p>
+          <a:p>
+            <a:r>
+              <a:rPr lang="fr-FR" dirty="0" smtClean="0"/>
+              <a:t>Régler le « </a:t>
+            </a:r>
+            <a:r>
+              <a:rPr lang="fr-FR" dirty="0" err="1" smtClean="0"/>
+              <a:t>snap</a:t>
+            </a:r>
+            <a:r>
+              <a:rPr lang="fr-FR" dirty="0" smtClean="0"/>
+              <a:t>-to-</a:t>
+            </a:r>
+            <a:r>
+              <a:rPr lang="fr-FR" dirty="0" err="1" smtClean="0"/>
+              <a:t>feature</a:t>
+            </a:r>
+            <a:r>
+              <a:rPr lang="fr-FR" dirty="0" smtClean="0"/>
+              <a:t> »</a:t>
+            </a:r>
+            <a:endParaRPr lang="fr-FR" dirty="0"/>
+          </a:p>
+          <a:p>
+            <a:endParaRPr lang="fr-FR" dirty="0"/>
+          </a:p>
+          <a:p>
+            <a:endParaRPr lang="fr-FR" dirty="0"/>
+          </a:p>
+          <a:p>
+            <a:endParaRPr lang="fr-FR" dirty="0"/>
+          </a:p>
+        </p:txBody>
+      </p:sp>
+    </p:spTree>
+    <p:extLst>
+      <p:ext uri="{BB962C8B-B14F-4D97-AF65-F5344CB8AC3E}">
+        <p14:creationId xmlns:p14="http://schemas.microsoft.com/office/powerpoint/2010/main" val="2577625112"/>
+      </p:ext>
+    </p:extLst>
+  </p:cSld>
+  <p:clrMapOvr>
+    <a:masterClrMapping/>
+  </p:clrMapOvr>
+</p:sld>
+</file>
+
 <file path=ppt/slides/slide2.xml><?xml version="1.0" encoding="utf-8"?>
 <p:sld xmlns:a="http://schemas.openxmlformats.org/drawingml/2006/main" xmlns:r="http://schemas.openxmlformats.org/officeDocument/2006/relationships" xmlns:p="http://schemas.openxmlformats.org/presentationml/2006/main">
   <p:cSld>
@@ -10349,7 +10252,7 @@
           <a:p>
             <a:r>
               <a:rPr lang="fr-FR" dirty="0" smtClean="0"/>
-              <a:t>Plan</a:t>
+              <a:t>Ajouter</a:t>
             </a:r>
             <a:endParaRPr lang="fr-FR" dirty="0"/>
           </a:p>
@@ -10368,99 +10271,71 @@
         <p:spPr/>
         <p:txBody>
           <a:bodyPr>
-            <a:normAutofit fontScale="70000" lnSpcReduction="20000"/>
+            <a:normAutofit fontScale="92500"/>
           </a:bodyPr>
           <a:lstStyle/>
           <a:p>
             <a:r>
               <a:rPr lang="fr-FR" dirty="0" smtClean="0"/>
-              <a:t>Rappels théoriques</a:t>
-            </a:r>
-          </a:p>
-          <a:p>
-            <a:pPr>
-              <a:buNone/>
-            </a:pPr>
+              <a:t>Présentation SAS </a:t>
+            </a:r>
+            <a:r>
+              <a:rPr lang="fr-FR" dirty="0" err="1" smtClean="0"/>
+              <a:t>Planet</a:t>
+            </a:r>
+            <a:endParaRPr lang="fr-FR" dirty="0" smtClean="0"/>
+          </a:p>
+          <a:p>
+            <a:r>
+              <a:rPr lang="fr-FR" dirty="0" smtClean="0"/>
+              <a:t>Présentation </a:t>
+            </a:r>
+            <a:r>
+              <a:rPr lang="fr-FR" dirty="0" err="1" smtClean="0"/>
+              <a:t>osmosis</a:t>
+            </a:r>
+            <a:endParaRPr lang="fr-FR" dirty="0" smtClean="0"/>
+          </a:p>
+          <a:p>
+            <a:r>
+              <a:rPr lang="fr-FR" dirty="0" smtClean="0"/>
+              <a:t>Ouvrir OSM, VMAP, PDF</a:t>
+            </a:r>
+          </a:p>
+          <a:p>
+            <a:r>
+              <a:rPr lang="fr-FR" dirty="0" smtClean="0"/>
+              <a:t>Serveur de carte + export</a:t>
+            </a:r>
+          </a:p>
+          <a:p>
+            <a:endParaRPr lang="fr-FR" dirty="0" smtClean="0"/>
+          </a:p>
+          <a:p>
+            <a:r>
+              <a:rPr lang="fr-FR" dirty="0" smtClean="0"/>
+              <a:t>Recherche vecteur -&gt; sélection -&gt; copie vers une autre couche</a:t>
+            </a:r>
+          </a:p>
+          <a:p>
+            <a:r>
+              <a:rPr lang="fr-FR" dirty="0" smtClean="0"/>
+              <a:t>Changer le style de tous les points de la couches</a:t>
+            </a:r>
             <a:endParaRPr lang="fr-FR" dirty="0"/>
-          </a:p>
-          <a:p>
-            <a:r>
-              <a:rPr lang="fr-FR" dirty="0" smtClean="0"/>
-              <a:t>Import / Export</a:t>
-            </a:r>
-          </a:p>
-          <a:p>
-            <a:endParaRPr lang="fr-FR" dirty="0"/>
-          </a:p>
-          <a:p>
-            <a:r>
-              <a:rPr lang="fr-FR" dirty="0" smtClean="0"/>
-              <a:t>Vecteurs</a:t>
-            </a:r>
-          </a:p>
-          <a:p>
-            <a:endParaRPr lang="fr-FR" dirty="0"/>
-          </a:p>
-          <a:p>
-            <a:r>
-              <a:rPr lang="fr-FR" dirty="0" smtClean="0"/>
-              <a:t>Relief</a:t>
-            </a:r>
-          </a:p>
-          <a:p>
-            <a:endParaRPr lang="fr-FR" dirty="0"/>
-          </a:p>
-          <a:p>
-            <a:r>
-              <a:rPr lang="fr-FR" dirty="0" smtClean="0"/>
-              <a:t>Recherche</a:t>
-            </a:r>
-          </a:p>
-          <a:p>
-            <a:endParaRPr lang="fr-FR" dirty="0"/>
-          </a:p>
-          <a:p>
-            <a:r>
-              <a:rPr lang="fr-FR" dirty="0" smtClean="0"/>
-              <a:t>Fonctions Style / Attributs</a:t>
-            </a:r>
-          </a:p>
-          <a:p>
-            <a:endParaRPr lang="fr-FR" dirty="0"/>
-          </a:p>
-          <a:p>
-            <a:r>
-              <a:rPr lang="fr-FR" dirty="0" smtClean="0"/>
-              <a:t>Analyse</a:t>
-            </a:r>
           </a:p>
         </p:txBody>
       </p:sp>
     </p:spTree>
     <p:extLst>
       <p:ext uri="{BB962C8B-B14F-4D97-AF65-F5344CB8AC3E}">
-        <p14:creationId xmlns:p14="http://schemas.microsoft.com/office/powerpoint/2010/main" val="396328542"/>
+        <p14:creationId xmlns:p14="http://schemas.microsoft.com/office/powerpoint/2010/main" val="2696685587"/>
       </p:ext>
     </p:extLst>
   </p:cSld>
   <p:clrMapOvr>
     <a:masterClrMapping/>
   </p:clrMapOvr>
-  <mc:AlternateContent xmlns:mc="http://schemas.openxmlformats.org/markup-compatibility/2006" xmlns:p14="http://schemas.microsoft.com/office/powerpoint/2010/main">
-    <mc:Choice Requires="p14">
-      <p:transition spd="slow" p14:dur="2000"/>
-    </mc:Choice>
-    <mc:Fallback xmlns="">
-      <p:transition spd="slow"/>
-    </mc:Fallback>
-  </mc:AlternateContent>
-  <p:timing>
-    <p:tnLst>
-      <p:par>
-        <p:cTn id="1" dur="indefinite" restart="never" nodeType="tmRoot"/>
-      </p:par>
-    </p:tnLst>
-  </p:timing>
 </p:sld>
 </file>
 
@@ -11357,11 +11232,7 @@
           <a:p>
             <a:r>
               <a:rPr lang="fr-FR" dirty="0" smtClean="0"/>
-              <a:t>Placer un point </a:t>
-            </a:r>
-            <a:r>
-              <a:rPr lang="fr-FR" dirty="0" smtClean="0"/>
-              <a:t>de type « relais »</a:t>
+              <a:t>Placer un point de type « relais »</a:t>
             </a:r>
             <a:endParaRPr lang="fr-FR" dirty="0"/>
           </a:p>
@@ -11995,7 +11866,7 @@
           <a:p>
             <a:r>
               <a:rPr lang="fr-FR" dirty="0" smtClean="0"/>
-              <a:t>Rappels</a:t>
+              <a:t>Plan</a:t>
             </a:r>
             <a:endParaRPr lang="fr-FR" dirty="0"/>
           </a:p>
@@ -12014,31 +11885,52 @@
         <p:spPr/>
         <p:txBody>
           <a:bodyPr>
-            <a:normAutofit/>
+            <a:normAutofit fontScale="92500" lnSpcReduction="20000"/>
           </a:bodyPr>
           <a:lstStyle/>
           <a:p>
             <a:r>
-              <a:rPr lang="fr-FR" dirty="0" err="1" smtClean="0"/>
-              <a:t>GlobalMapper</a:t>
-            </a:r>
-            <a:r>
-              <a:rPr lang="fr-FR" dirty="0" smtClean="0"/>
-              <a:t> = logiciel </a:t>
-            </a:r>
-            <a:r>
-              <a:rPr lang="fr-FR" dirty="0" err="1" smtClean="0"/>
-              <a:t>carto</a:t>
-            </a:r>
-            <a:r>
-              <a:rPr lang="fr-FR" dirty="0" smtClean="0"/>
-              <a:t> très complet</a:t>
-            </a:r>
-          </a:p>
-          <a:p>
-            <a:r>
-              <a:rPr lang="fr-FR" dirty="0" smtClean="0"/>
-              <a:t>Importe et exporte dans de nombreux formats</a:t>
+              <a:rPr lang="fr-FR" dirty="0" smtClean="0"/>
+              <a:t>Rappels théoriques</a:t>
+            </a:r>
+          </a:p>
+          <a:p>
+            <a:pPr>
+              <a:buNone/>
+            </a:pPr>
+            <a:endParaRPr lang="fr-FR" dirty="0"/>
+          </a:p>
+          <a:p>
+            <a:r>
+              <a:rPr lang="fr-FR" dirty="0" smtClean="0"/>
+              <a:t>Import / Export</a:t>
+            </a:r>
+          </a:p>
+          <a:p>
+            <a:endParaRPr lang="fr-FR" dirty="0"/>
+          </a:p>
+          <a:p>
+            <a:r>
+              <a:rPr lang="fr-FR" dirty="0" smtClean="0"/>
+              <a:t>Vecteurs</a:t>
+            </a:r>
+          </a:p>
+          <a:p>
+            <a:endParaRPr lang="fr-FR" dirty="0"/>
+          </a:p>
+          <a:p>
+            <a:r>
+              <a:rPr lang="fr-FR" dirty="0" smtClean="0"/>
+              <a:t>Relief</a:t>
+            </a:r>
+          </a:p>
+          <a:p>
+            <a:endParaRPr lang="fr-FR" dirty="0"/>
+          </a:p>
+          <a:p>
+            <a:r>
+              <a:rPr lang="fr-FR" dirty="0" smtClean="0"/>
+              <a:t>Recherche</a:t>
             </a:r>
           </a:p>
           <a:p>
@@ -12049,13 +11941,28 @@
     </p:spTree>
     <p:extLst>
       <p:ext uri="{BB962C8B-B14F-4D97-AF65-F5344CB8AC3E}">
-        <p14:creationId xmlns:p14="http://schemas.microsoft.com/office/powerpoint/2010/main" val="983682078"/>
+        <p14:creationId xmlns:p14="http://schemas.microsoft.com/office/powerpoint/2010/main" val="396328542"/>
       </p:ext>
     </p:extLst>
   </p:cSld>
   <p:clrMapOvr>
     <a:masterClrMapping/>
   </p:clrMapOvr>
+  <mc:AlternateContent xmlns:mc="http://schemas.openxmlformats.org/markup-compatibility/2006" xmlns:p14="http://schemas.microsoft.com/office/powerpoint/2010/main">
+    <mc:Choice Requires="p14">
+      <p:transition spd="slow" p14:dur="2000"/>
+    </mc:Choice>
+    <mc:Fallback xmlns="">
+      <p:transition spd="slow"/>
+    </mc:Fallback>
+  </mc:AlternateContent>
+  <p:timing>
+    <p:tnLst>
+      <p:par>
+        <p:cTn id="1" dur="indefinite" restart="never" nodeType="tmRoot"/>
+      </p:par>
+    </p:tnLst>
+  </p:timing>
 </p:sld>
 </file>
 
@@ -13270,44 +13177,25 @@
         <p:spPr/>
         <p:txBody>
           <a:bodyPr>
-            <a:normAutofit fontScale="92500" lnSpcReduction="20000"/>
+            <a:normAutofit/>
           </a:bodyPr>
           <a:lstStyle/>
           <a:p>
             <a:r>
-              <a:rPr lang="fr-FR" dirty="0" smtClean="0"/>
-              <a:t>3 types de données</a:t>
-            </a:r>
-          </a:p>
-          <a:p>
-            <a:pPr lvl="1"/>
-            <a:r>
-              <a:rPr lang="fr-FR" dirty="0" smtClean="0"/>
-              <a:t>Raster</a:t>
-            </a:r>
-          </a:p>
-          <a:p>
-            <a:pPr lvl="1"/>
-            <a:r>
-              <a:rPr lang="fr-FR" dirty="0" smtClean="0"/>
-              <a:t>Vecteurs</a:t>
-            </a:r>
-          </a:p>
-          <a:p>
-            <a:pPr lvl="1"/>
-            <a:r>
-              <a:rPr lang="fr-FR" dirty="0" smtClean="0"/>
-              <a:t>Relief</a:t>
-            </a:r>
-          </a:p>
-          <a:p>
-            <a:pPr lvl="1"/>
-            <a:endParaRPr lang="fr-FR" dirty="0"/>
-          </a:p>
-          <a:p>
-            <a:r>
-              <a:rPr lang="fr-FR" dirty="0" smtClean="0"/>
-              <a:t>Un fichier importé = une couche</a:t>
+              <a:rPr lang="fr-FR" dirty="0" err="1" smtClean="0"/>
+              <a:t>GlobalMapper</a:t>
+            </a:r>
+            <a:r>
+              <a:rPr lang="fr-FR" dirty="0" smtClean="0"/>
+              <a:t> = logiciel </a:t>
+            </a:r>
+            <a:r>
+              <a:rPr lang="fr-FR" dirty="0" err="1" smtClean="0"/>
+              <a:t>carto</a:t>
+            </a:r>
+            <a:r>
+              <a:rPr lang="fr-FR" dirty="0" smtClean="0"/>
+              <a:t> très complet</a:t>
             </a:r>
           </a:p>
           <a:p>
@@ -13316,22 +13204,14 @@
           <a:p>
             <a:r>
               <a:rPr lang="fr-FR" dirty="0" smtClean="0"/>
-              <a:t>Une couche peut contenir plusieurs éléments</a:t>
-            </a:r>
-          </a:p>
-          <a:p>
-            <a:pPr lvl="1"/>
-            <a:r>
-              <a:rPr lang="fr-FR" dirty="0" smtClean="0"/>
-              <a:t>Vecteurs</a:t>
-            </a:r>
-          </a:p>
-          <a:p>
-            <a:pPr lvl="1"/>
-            <a:r>
-              <a:rPr lang="fr-FR" dirty="0" smtClean="0"/>
-              <a:t>Catalogue de cartes</a:t>
-            </a:r>
+              <a:t>Interopérable </a:t>
+            </a:r>
+            <a:r>
+              <a:rPr lang="fr-FR" dirty="0" smtClean="0"/>
+              <a:t>: il importe et exporte dans de nombreux formats</a:t>
+            </a:r>
+          </a:p>
+          <a:p>
             <a:endParaRPr lang="fr-FR" dirty="0"/>
           </a:p>
         </p:txBody>
@@ -13339,7 +13219,7 @@
     </p:spTree>
     <p:extLst>
       <p:ext uri="{BB962C8B-B14F-4D97-AF65-F5344CB8AC3E}">
-        <p14:creationId xmlns:p14="http://schemas.microsoft.com/office/powerpoint/2010/main" val="2407033218"/>
+        <p14:creationId xmlns:p14="http://schemas.microsoft.com/office/powerpoint/2010/main" val="983682078"/>
       </p:ext>
     </p:extLst>
   </p:cSld>
@@ -14016,47 +13896,179 @@
           <a:p>
             <a:r>
               <a:rPr lang="fr-FR" dirty="0" smtClean="0"/>
-              <a:t>Couches</a:t>
+              <a:t>Rappels</a:t>
             </a:r>
             <a:endParaRPr lang="fr-FR" dirty="0"/>
           </a:p>
         </p:txBody>
       </p:sp>
+      <p:sp>
+        <p:nvSpPr>
+          <p:cNvPr id="3" name="Espace réservé du contenu 2"/>
+          <p:cNvSpPr>
+            <a:spLocks noGrp="1"/>
+          </p:cNvSpPr>
+          <p:nvPr>
+            <p:ph idx="1"/>
+          </p:nvPr>
+        </p:nvSpPr>
+        <p:spPr/>
+        <p:txBody>
+          <a:bodyPr>
+            <a:normAutofit fontScale="92500" lnSpcReduction="20000"/>
+          </a:bodyPr>
+          <a:lstStyle/>
+          <a:p>
+            <a:r>
+              <a:rPr lang="fr-FR" dirty="0" smtClean="0"/>
+              <a:t>3 types de données</a:t>
+            </a:r>
+          </a:p>
+          <a:p>
+            <a:pPr lvl="1"/>
+            <a:r>
+              <a:rPr lang="fr-FR" dirty="0" smtClean="0"/>
+              <a:t>Raster</a:t>
+            </a:r>
+          </a:p>
+          <a:p>
+            <a:pPr lvl="1"/>
+            <a:r>
+              <a:rPr lang="fr-FR" dirty="0" smtClean="0"/>
+              <a:t>Vecteurs</a:t>
+            </a:r>
+          </a:p>
+          <a:p>
+            <a:pPr lvl="1"/>
+            <a:r>
+              <a:rPr lang="fr-FR" dirty="0" smtClean="0"/>
+              <a:t>Relief</a:t>
+            </a:r>
+          </a:p>
+          <a:p>
+            <a:pPr lvl="1"/>
+            <a:endParaRPr lang="fr-FR" dirty="0"/>
+          </a:p>
+          <a:p>
+            <a:r>
+              <a:rPr lang="fr-FR" dirty="0" smtClean="0"/>
+              <a:t>Un fichier importé = une couche</a:t>
+            </a:r>
+          </a:p>
+          <a:p>
+            <a:endParaRPr lang="fr-FR" dirty="0" smtClean="0"/>
+          </a:p>
+          <a:p>
+            <a:r>
+              <a:rPr lang="fr-FR" dirty="0" smtClean="0"/>
+              <a:t>Une couche peut contenir plusieurs éléments</a:t>
+            </a:r>
+          </a:p>
+          <a:p>
+            <a:pPr lvl="1"/>
+            <a:r>
+              <a:rPr lang="fr-FR" dirty="0" smtClean="0"/>
+              <a:t>Vecteurs</a:t>
+            </a:r>
+          </a:p>
+          <a:p>
+            <a:pPr lvl="1"/>
+            <a:r>
+              <a:rPr lang="fr-FR" dirty="0" smtClean="0"/>
+              <a:t>Catalogue de cartes</a:t>
+            </a:r>
+            <a:endParaRPr lang="fr-FR" dirty="0"/>
+          </a:p>
+        </p:txBody>
+      </p:sp>
+    </p:spTree>
+    <p:extLst>
+      <p:ext uri="{BB962C8B-B14F-4D97-AF65-F5344CB8AC3E}">
+        <p14:creationId xmlns:p14="http://schemas.microsoft.com/office/powerpoint/2010/main" val="2407033218"/>
+      </p:ext>
+    </p:extLst>
+  </p:cSld>
+  <p:clrMapOvr>
+    <a:masterClrMapping/>
+  </p:clrMapOvr>
+</p:sld>
+</file>
+
+<file path=ppt/slides/slide6.xml><?xml version="1.0" encoding="utf-8"?>
+<p:sld xmlns:a="http://schemas.openxmlformats.org/drawingml/2006/main" xmlns:r="http://schemas.openxmlformats.org/officeDocument/2006/relationships" xmlns:p="http://schemas.openxmlformats.org/presentationml/2006/main">
+  <p:cSld>
+    <p:spTree>
+      <p:nvGrpSpPr>
+        <p:cNvPr id="1" name=""/>
+        <p:cNvGrpSpPr/>
+        <p:nvPr/>
+      </p:nvGrpSpPr>
+      <p:grpSpPr>
+        <a:xfrm>
+          <a:off x="0" y="0"/>
+          <a:ext cx="0" cy="0"/>
+          <a:chOff x="0" y="0"/>
+          <a:chExt cx="0" cy="0"/>
+        </a:xfrm>
+      </p:grpSpPr>
       <p:pic>
         <p:nvPicPr>
-          <p:cNvPr id="4" name="Picture 4"/>
+          <p:cNvPr id="7" name="Image 6"/>
           <p:cNvPicPr>
-            <a:picLocks noChangeAspect="1" noChangeArrowheads="1"/>
+            <a:picLocks noChangeAspect="1"/>
           </p:cNvPicPr>
           <p:nvPr/>
         </p:nvPicPr>
         <p:blipFill>
-          <a:blip r:embed="rId2"/>
-          <a:srcRect/>
+          <a:blip r:embed="rId2">
+            <a:extLst>
+              <a:ext uri="{28A0092B-C50C-407E-A947-70E740481C1C}">
+                <a14:useLocalDpi xmlns:a14="http://schemas.microsoft.com/office/drawing/2010/main" val="0"/>
+              </a:ext>
+            </a:extLst>
+          </a:blip>
           <a:stretch>
             <a:fillRect/>
           </a:stretch>
         </p:blipFill>
-        <p:spPr bwMode="auto">
+        <p:spPr>
           <a:xfrm>
-            <a:off x="785786" y="1571611"/>
-            <a:ext cx="7286676" cy="4771551"/>
+            <a:off x="2107667" y="1700808"/>
+            <a:ext cx="7030598" cy="3866829"/>
           </a:xfrm>
           <a:prstGeom prst="rect">
             <a:avLst/>
           </a:prstGeom>
-          <a:noFill/>
-          <a:ln w="9525">
+          <a:ln>
             <a:solidFill>
               <a:schemeClr val="tx1"/>
             </a:solidFill>
-            <a:miter lim="800000"/>
-            <a:headEnd/>
-            <a:tailEnd/>
           </a:ln>
-          <a:effectLst/>
         </p:spPr>
       </p:pic>
+      <p:sp>
+        <p:nvSpPr>
+          <p:cNvPr id="2" name="Titre 1"/>
+          <p:cNvSpPr>
+            <a:spLocks noGrp="1"/>
+          </p:cNvSpPr>
+          <p:nvPr>
+            <p:ph type="title"/>
+          </p:nvPr>
+        </p:nvSpPr>
+        <p:spPr/>
+        <p:txBody>
+          <a:bodyPr/>
+          <a:lstStyle/>
+          <a:p>
+            <a:r>
+              <a:rPr lang="fr-FR" dirty="0" smtClean="0"/>
+              <a:t>Couches</a:t>
+            </a:r>
+            <a:endParaRPr lang="fr-FR" dirty="0"/>
+          </a:p>
+        </p:txBody>
+      </p:sp>
       <p:pic>
         <p:nvPicPr>
           <p:cNvPr id="5" name="Image 4"/>
@@ -14174,104 +14186,6 @@
 </p:sld>
 </file>
 
-<file path=ppt/slides/slide6.xml><?xml version="1.0" encoding="utf-8"?>
-<p:sld xmlns:a="http://schemas.openxmlformats.org/drawingml/2006/main" xmlns:r="http://schemas.openxmlformats.org/officeDocument/2006/relationships" xmlns:p="http://schemas.openxmlformats.org/presentationml/2006/main">
-  <p:cSld>
-    <p:spTree>
-      <p:nvGrpSpPr>
-        <p:cNvPr id="1" name=""/>
-        <p:cNvGrpSpPr/>
-        <p:nvPr/>
-      </p:nvGrpSpPr>
-      <p:grpSpPr>
-        <a:xfrm>
-          <a:off x="0" y="0"/>
-          <a:ext cx="0" cy="0"/>
-          <a:chOff x="0" y="0"/>
-          <a:chExt cx="0" cy="0"/>
-        </a:xfrm>
-      </p:grpSpPr>
-      <p:sp>
-        <p:nvSpPr>
-          <p:cNvPr id="2" name="Titre 1"/>
-          <p:cNvSpPr>
-            <a:spLocks noGrp="1"/>
-          </p:cNvSpPr>
-          <p:nvPr>
-            <p:ph type="title"/>
-          </p:nvPr>
-        </p:nvSpPr>
-        <p:spPr/>
-        <p:txBody>
-          <a:bodyPr/>
-          <a:lstStyle/>
-          <a:p>
-            <a:r>
-              <a:rPr lang="fr-FR" dirty="0"/>
-              <a:t>La projection</a:t>
-            </a:r>
-          </a:p>
-        </p:txBody>
-      </p:sp>
-      <p:sp>
-        <p:nvSpPr>
-          <p:cNvPr id="3" name="Espace réservé du contenu 2"/>
-          <p:cNvSpPr>
-            <a:spLocks noGrp="1"/>
-          </p:cNvSpPr>
-          <p:nvPr>
-            <p:ph idx="1"/>
-          </p:nvPr>
-        </p:nvSpPr>
-        <p:spPr/>
-        <p:txBody>
-          <a:bodyPr>
-            <a:normAutofit fontScale="92500" lnSpcReduction="10000"/>
-          </a:bodyPr>
-          <a:lstStyle/>
-          <a:p>
-            <a:r>
-              <a:rPr lang="fr-FR" dirty="0"/>
-              <a:t>La projection consiste à adapter les coordonnées pour les afficher sur un plan 2D</a:t>
-            </a:r>
-          </a:p>
-          <a:p>
-            <a:endParaRPr lang="fr-FR" dirty="0"/>
-          </a:p>
-          <a:p>
-            <a:r>
-              <a:rPr lang="fr-FR" dirty="0"/>
-              <a:t>GM gère les différentes projections de façon transparente</a:t>
-            </a:r>
-          </a:p>
-          <a:p>
-            <a:pPr marL="0" indent="0">
-              <a:buNone/>
-            </a:pPr>
-            <a:endParaRPr lang="fr-FR" dirty="0"/>
-          </a:p>
-          <a:p>
-            <a:r>
-              <a:rPr lang="fr-FR" dirty="0" smtClean="0"/>
-              <a:t>Lorsque l’on crée une nouvelle couche, il faut spécifier la projection (par défaut, c’est celle de la première couche importée)</a:t>
-            </a:r>
-            <a:endParaRPr lang="fr-FR" dirty="0"/>
-          </a:p>
-        </p:txBody>
-      </p:sp>
-    </p:spTree>
-    <p:extLst>
-      <p:ext uri="{BB962C8B-B14F-4D97-AF65-F5344CB8AC3E}">
-        <p14:creationId xmlns:p14="http://schemas.microsoft.com/office/powerpoint/2010/main" val="3913914235"/>
-      </p:ext>
-    </p:extLst>
-  </p:cSld>
-  <p:clrMapOvr>
-    <a:masterClrMapping/>
-  </p:clrMapOvr>
-</p:sld>
-</file>
-
 <file path=ppt/slides/slide7.xml><?xml version="1.0" encoding="utf-8"?>
 <p:sld xmlns:a="http://schemas.openxmlformats.org/drawingml/2006/main" xmlns:r="http://schemas.openxmlformats.org/officeDocument/2006/relationships" xmlns:p="http://schemas.openxmlformats.org/presentationml/2006/main">
   <p:cSld>
@@ -14305,33 +14219,46 @@
           <a:lstStyle/>
           <a:p>
             <a:r>
-              <a:rPr lang="fr-FR" dirty="0" err="1" smtClean="0"/>
-              <a:t>Carto</a:t>
-            </a:r>
-            <a:r>
-              <a:rPr lang="fr-FR" dirty="0" smtClean="0"/>
-              <a:t> en ligne</a:t>
+              <a:rPr lang="fr-FR" dirty="0"/>
+              <a:t>La projection</a:t>
+            </a:r>
+          </a:p>
+        </p:txBody>
+      </p:sp>
+      <p:sp>
+        <p:nvSpPr>
+          <p:cNvPr id="3" name="Espace réservé du contenu 2"/>
+          <p:cNvSpPr>
+            <a:spLocks noGrp="1"/>
+          </p:cNvSpPr>
+          <p:nvPr>
+            <p:ph idx="1"/>
+          </p:nvPr>
+        </p:nvSpPr>
+        <p:spPr/>
+        <p:txBody>
+          <a:bodyPr>
+            <a:normAutofit fontScale="92500" lnSpcReduction="10000"/>
+          </a:bodyPr>
+          <a:lstStyle/>
+          <a:p>
+            <a:r>
+              <a:rPr lang="fr-FR" dirty="0" smtClean="0"/>
+              <a:t>Une projection est une manière de représenter le globe terrestre sur un </a:t>
+            </a:r>
+            <a:r>
+              <a:rPr lang="fr-FR" dirty="0"/>
+              <a:t>plan </a:t>
+            </a:r>
+            <a:r>
+              <a:rPr lang="fr-FR" dirty="0" smtClean="0"/>
+              <a:t>2D.</a:t>
             </a:r>
             <a:endParaRPr lang="fr-FR" dirty="0"/>
           </a:p>
-        </p:txBody>
-      </p:sp>
-      <p:sp>
-        <p:nvSpPr>
-          <p:cNvPr id="3" name="Espace réservé du contenu 2"/>
-          <p:cNvSpPr>
-            <a:spLocks noGrp="1"/>
-          </p:cNvSpPr>
-          <p:nvPr>
-            <p:ph idx="1"/>
-          </p:nvPr>
-        </p:nvSpPr>
-        <p:spPr/>
-        <p:txBody>
-          <a:bodyPr>
-            <a:normAutofit lnSpcReduction="10000"/>
-          </a:bodyPr>
-          <a:lstStyle/>
+          <a:p>
+            <a:endParaRPr lang="fr-FR" dirty="0"/>
+          </a:p>
           <a:p>
             <a:r>
               <a:rPr lang="fr-FR" dirty="0" err="1" smtClean="0"/>
@@ -14339,48 +14266,51 @@
             </a:r>
             <a:r>
               <a:rPr lang="fr-FR" dirty="0" smtClean="0"/>
-              <a:t> est capable de se connecter à un serveur fournissant des tuiles de </a:t>
-            </a:r>
-            <a:r>
-              <a:rPr lang="fr-FR" dirty="0" err="1" smtClean="0"/>
-              <a:t>carto</a:t>
-            </a:r>
-            <a:endParaRPr lang="fr-FR" dirty="0" smtClean="0"/>
-          </a:p>
-          <a:p>
-            <a:endParaRPr lang="fr-FR" dirty="0" smtClean="0"/>
-          </a:p>
-          <a:p>
-            <a:r>
-              <a:rPr lang="fr-FR" dirty="0" smtClean="0"/>
-              <a:t>Cela permet d’accéder facilement à des données de qualité (scan, ortho, vecteurs)</a:t>
-            </a:r>
-          </a:p>
-          <a:p>
-            <a:endParaRPr lang="fr-FR" dirty="0" smtClean="0"/>
-          </a:p>
-          <a:p>
-            <a:r>
-              <a:rPr lang="fr-FR" dirty="0" err="1" smtClean="0"/>
-              <a:t>GlobalMapper</a:t>
-            </a:r>
-            <a:r>
-              <a:rPr lang="fr-FR" dirty="0" smtClean="0"/>
-              <a:t> peut exporter les données affichées (l’opération peut être longue et la qualité dégradée)</a:t>
-            </a:r>
+              <a:t> </a:t>
+            </a:r>
+            <a:r>
+              <a:rPr lang="fr-FR" dirty="0"/>
+              <a:t>gère les différentes projections de façon </a:t>
+            </a:r>
+            <a:r>
+              <a:rPr lang="fr-FR" dirty="0" smtClean="0"/>
+              <a:t>transparente.</a:t>
+            </a:r>
+            <a:endParaRPr lang="fr-FR" dirty="0"/>
+          </a:p>
+          <a:p>
+            <a:endParaRPr lang="fr-FR" dirty="0"/>
+          </a:p>
+          <a:p>
+            <a:r>
+              <a:rPr lang="fr-FR" dirty="0"/>
+              <a:t>Si une mauvaise projection est choisie lors de l’import, la carte apparaîtra déformée, et les points seront décalés ou non </a:t>
+            </a:r>
+            <a:r>
+              <a:rPr lang="fr-FR" dirty="0" smtClean="0"/>
+              <a:t>affichés.</a:t>
+            </a:r>
+            <a:endParaRPr lang="fr-FR" dirty="0"/>
           </a:p>
         </p:txBody>
       </p:sp>
     </p:spTree>
     <p:extLst>
       <p:ext uri="{BB962C8B-B14F-4D97-AF65-F5344CB8AC3E}">
-        <p14:creationId xmlns:p14="http://schemas.microsoft.com/office/powerpoint/2010/main" val="969780579"/>
+        <p14:creationId xmlns:p14="http://schemas.microsoft.com/office/powerpoint/2010/main" val="3369003279"/>
       </p:ext>
     </p:extLst>
   </p:cSld>
   <p:clrMapOvr>
     <a:masterClrMapping/>
   </p:clrMapOvr>
+  <p:timing>
+    <p:tnLst>
+      <p:par>
+        <p:cTn id="1" dur="indefinite" restart="never" nodeType="tmRoot"/>
+      </p:par>
+    </p:tnLst>
+  </p:timing>
 </p:sld>
 </file>
 
@@ -14417,8 +14347,120 @@
           <a:lstStyle/>
           <a:p>
             <a:r>
-              <a:rPr lang="fr-FR" dirty="0" smtClean="0"/>
-              <a:t>Tuilages</a:t>
+              <a:rPr lang="fr-FR" dirty="0" err="1" smtClean="0"/>
+              <a:t>Carto</a:t>
+            </a:r>
+            <a:r>
+              <a:rPr lang="fr-FR" dirty="0" smtClean="0"/>
+              <a:t> en ligne</a:t>
+            </a:r>
+            <a:endParaRPr lang="fr-FR" dirty="0"/>
+          </a:p>
+        </p:txBody>
+      </p:sp>
+      <p:sp>
+        <p:nvSpPr>
+          <p:cNvPr id="3" name="Espace réservé du contenu 2"/>
+          <p:cNvSpPr>
+            <a:spLocks noGrp="1"/>
+          </p:cNvSpPr>
+          <p:nvPr>
+            <p:ph idx="1"/>
+          </p:nvPr>
+        </p:nvSpPr>
+        <p:spPr/>
+        <p:txBody>
+          <a:bodyPr>
+            <a:normAutofit lnSpcReduction="10000"/>
+          </a:bodyPr>
+          <a:lstStyle/>
+          <a:p>
+            <a:r>
+              <a:rPr lang="fr-FR" dirty="0" err="1" smtClean="0"/>
+              <a:t>GlobalMapper</a:t>
+            </a:r>
+            <a:r>
+              <a:rPr lang="fr-FR" dirty="0" smtClean="0"/>
+              <a:t> est capable de se connecter à un serveur fournissant des tuiles de </a:t>
+            </a:r>
+            <a:r>
+              <a:rPr lang="fr-FR" dirty="0" err="1" smtClean="0"/>
+              <a:t>carto</a:t>
+            </a:r>
+            <a:endParaRPr lang="fr-FR" dirty="0" smtClean="0"/>
+          </a:p>
+          <a:p>
+            <a:endParaRPr lang="fr-FR" dirty="0" smtClean="0"/>
+          </a:p>
+          <a:p>
+            <a:r>
+              <a:rPr lang="fr-FR" dirty="0" smtClean="0"/>
+              <a:t>Cela permet d’accéder facilement à des données de qualité (scan, ortho, vecteurs)</a:t>
+            </a:r>
+          </a:p>
+          <a:p>
+            <a:endParaRPr lang="fr-FR" dirty="0" smtClean="0"/>
+          </a:p>
+          <a:p>
+            <a:r>
+              <a:rPr lang="fr-FR" dirty="0" err="1" smtClean="0"/>
+              <a:t>GlobalMapper</a:t>
+            </a:r>
+            <a:r>
+              <a:rPr lang="fr-FR" dirty="0" smtClean="0"/>
+              <a:t> peut exporter les données affichées (l’opération peut être longue et la qualité dégradée)</a:t>
+            </a:r>
+          </a:p>
+        </p:txBody>
+      </p:sp>
+    </p:spTree>
+    <p:extLst>
+      <p:ext uri="{BB962C8B-B14F-4D97-AF65-F5344CB8AC3E}">
+        <p14:creationId xmlns:p14="http://schemas.microsoft.com/office/powerpoint/2010/main" val="969780579"/>
+      </p:ext>
+    </p:extLst>
+  </p:cSld>
+  <p:clrMapOvr>
+    <a:masterClrMapping/>
+  </p:clrMapOvr>
+</p:sld>
+</file>
+
+<file path=ppt/slides/slide9.xml><?xml version="1.0" encoding="utf-8"?>
+<p:sld xmlns:a="http://schemas.openxmlformats.org/drawingml/2006/main" xmlns:r="http://schemas.openxmlformats.org/officeDocument/2006/relationships" xmlns:p="http://schemas.openxmlformats.org/presentationml/2006/main">
+  <p:cSld>
+    <p:spTree>
+      <p:nvGrpSpPr>
+        <p:cNvPr id="1" name=""/>
+        <p:cNvGrpSpPr/>
+        <p:nvPr/>
+      </p:nvGrpSpPr>
+      <p:grpSpPr>
+        <a:xfrm>
+          <a:off x="0" y="0"/>
+          <a:ext cx="0" cy="0"/>
+          <a:chOff x="0" y="0"/>
+          <a:chExt cx="0" cy="0"/>
+        </a:xfrm>
+      </p:grpSpPr>
+      <p:sp>
+        <p:nvSpPr>
+          <p:cNvPr id="2" name="Titre 1"/>
+          <p:cNvSpPr>
+            <a:spLocks noGrp="1"/>
+          </p:cNvSpPr>
+          <p:nvPr>
+            <p:ph type="title"/>
+          </p:nvPr>
+        </p:nvSpPr>
+        <p:spPr/>
+        <p:txBody>
+          <a:bodyPr/>
+          <a:lstStyle/>
+          <a:p>
+            <a:r>
+              <a:rPr lang="fr-FR" smtClean="0"/>
+              <a:t>Tuilage</a:t>
             </a:r>
             <a:endParaRPr lang="fr-FR" dirty="0"/>
           </a:p>
@@ -14458,100 +14500,6 @@
     <p:extLst>
       <p:ext uri="{BB962C8B-B14F-4D97-AF65-F5344CB8AC3E}">
         <p14:creationId xmlns:p14="http://schemas.microsoft.com/office/powerpoint/2010/main" val="3342810770"/>
-      </p:ext>
-    </p:extLst>
-  </p:cSld>
-  <p:clrMapOvr>
-    <a:masterClrMapping/>
-  </p:clrMapOvr>
-</p:sld>
-</file>
-
-<file path=ppt/slides/slide9.xml><?xml version="1.0" encoding="utf-8"?>
-<p:sld xmlns:a="http://schemas.openxmlformats.org/drawingml/2006/main" xmlns:r="http://schemas.openxmlformats.org/officeDocument/2006/relationships" xmlns:p="http://schemas.openxmlformats.org/presentationml/2006/main">
-  <p:cSld>
-    <p:spTree>
-      <p:nvGrpSpPr>
-        <p:cNvPr id="1" name=""/>
-        <p:cNvGrpSpPr/>
-        <p:nvPr/>
-      </p:nvGrpSpPr>
-      <p:grpSpPr>
-        <a:xfrm>
-          <a:off x="0" y="0"/>
-          <a:ext cx="0" cy="0"/>
-          <a:chOff x="0" y="0"/>
-          <a:chExt cx="0" cy="0"/>
-        </a:xfrm>
-      </p:grpSpPr>
-      <p:sp>
-        <p:nvSpPr>
-          <p:cNvPr id="2" name="Titre 1"/>
-          <p:cNvSpPr>
-            <a:spLocks noGrp="1"/>
-          </p:cNvSpPr>
-          <p:nvPr>
-            <p:ph type="title"/>
-          </p:nvPr>
-        </p:nvSpPr>
-        <p:spPr/>
-        <p:txBody>
-          <a:bodyPr/>
-          <a:lstStyle/>
-          <a:p>
-            <a:r>
-              <a:rPr lang="fr-FR" dirty="0" smtClean="0"/>
-              <a:t>La projection</a:t>
-            </a:r>
-            <a:endParaRPr lang="fr-FR" dirty="0"/>
-          </a:p>
-        </p:txBody>
-      </p:sp>
-      <p:sp>
-        <p:nvSpPr>
-          <p:cNvPr id="3" name="Espace réservé du contenu 2"/>
-          <p:cNvSpPr>
-            <a:spLocks noGrp="1"/>
-          </p:cNvSpPr>
-          <p:nvPr>
-            <p:ph idx="1"/>
-          </p:nvPr>
-        </p:nvSpPr>
-        <p:spPr/>
-        <p:txBody>
-          <a:bodyPr/>
-          <a:lstStyle/>
-          <a:p>
-            <a:r>
-              <a:rPr lang="fr-FR" dirty="0"/>
-              <a:t>Si une mauvaise projection est choisie lors de l’import, la carte apparaîtra déformée, et les points seront décalés ou non affichés.</a:t>
-            </a:r>
-          </a:p>
-          <a:p>
-            <a:endParaRPr lang="fr-FR" dirty="0" smtClean="0"/>
-          </a:p>
-          <a:p>
-            <a:r>
-              <a:rPr lang="fr-FR" dirty="0" smtClean="0"/>
-              <a:t>Coordonnées géographiques</a:t>
-            </a:r>
-          </a:p>
-          <a:p>
-            <a:endParaRPr lang="fr-FR" dirty="0"/>
-          </a:p>
-          <a:p>
-            <a:r>
-              <a:rPr lang="fr-FR" dirty="0" smtClean="0"/>
-              <a:t>MGRS</a:t>
-            </a:r>
-            <a:endParaRPr lang="fr-FR" dirty="0"/>
-          </a:p>
-        </p:txBody>
-      </p:sp>
-    </p:spTree>
-    <p:extLst>
-      <p:ext uri="{BB962C8B-B14F-4D97-AF65-F5344CB8AC3E}">
-        <p14:creationId xmlns:p14="http://schemas.microsoft.com/office/powerpoint/2010/main" val="817145548"/>
       </p:ext>
     </p:extLst>
   </p:cSld>
